--- a/CalendarioAgo2022/presentaciones/19_Modulo_re.pptx
+++ b/CalendarioAgo2022/presentaciones/19_Modulo_re.pptx
@@ -5,7 +5,7 @@
     <p:sldMasterId id="2147483648" r:id="rId1"/>
   </p:sldMasterIdLst>
   <p:notesMasterIdLst>
-    <p:notesMasterId r:id="rId55"/>
+    <p:notesMasterId r:id="rId51"/>
   </p:notesMasterIdLst>
   <p:sldIdLst>
     <p:sldId id="293" r:id="rId2"/>
@@ -40,27 +40,23 @@
     <p:sldId id="640" r:id="rId31"/>
     <p:sldId id="641" r:id="rId32"/>
     <p:sldId id="642" r:id="rId33"/>
-    <p:sldId id="643" r:id="rId34"/>
-    <p:sldId id="632" r:id="rId35"/>
-    <p:sldId id="647" r:id="rId36"/>
-    <p:sldId id="649" r:id="rId37"/>
-    <p:sldId id="650" r:id="rId38"/>
-    <p:sldId id="651" r:id="rId39"/>
-    <p:sldId id="652" r:id="rId40"/>
-    <p:sldId id="653" r:id="rId41"/>
-    <p:sldId id="654" r:id="rId42"/>
-    <p:sldId id="725" r:id="rId43"/>
-    <p:sldId id="728" r:id="rId44"/>
-    <p:sldId id="726" r:id="rId45"/>
-    <p:sldId id="715" r:id="rId46"/>
-    <p:sldId id="717" r:id="rId47"/>
-    <p:sldId id="719" r:id="rId48"/>
-    <p:sldId id="720" r:id="rId49"/>
-    <p:sldId id="721" r:id="rId50"/>
-    <p:sldId id="722" r:id="rId51"/>
-    <p:sldId id="655" r:id="rId52"/>
-    <p:sldId id="656" r:id="rId53"/>
-    <p:sldId id="282" r:id="rId54"/>
+    <p:sldId id="725" r:id="rId34"/>
+    <p:sldId id="728" r:id="rId35"/>
+    <p:sldId id="726" r:id="rId36"/>
+    <p:sldId id="643" r:id="rId37"/>
+    <p:sldId id="632" r:id="rId38"/>
+    <p:sldId id="647" r:id="rId39"/>
+    <p:sldId id="649" r:id="rId40"/>
+    <p:sldId id="650" r:id="rId41"/>
+    <p:sldId id="651" r:id="rId42"/>
+    <p:sldId id="652" r:id="rId43"/>
+    <p:sldId id="653" r:id="rId44"/>
+    <p:sldId id="654" r:id="rId45"/>
+    <p:sldId id="717" r:id="rId46"/>
+    <p:sldId id="714" r:id="rId47"/>
+    <p:sldId id="735" r:id="rId48"/>
+    <p:sldId id="716" r:id="rId49"/>
+    <p:sldId id="282" r:id="rId50"/>
   </p:sldIdLst>
   <p:sldSz cx="9144000" cy="6858000" type="screen4x3"/>
   <p:notesSz cx="6858000" cy="9144000"/>
@@ -260,7 +256,7 @@
           <a:p>
             <a:fld id="{DDE721D5-655F-45D2-B717-3C4CD78C8568}" type="datetimeFigureOut">
               <a:rPr lang="es-MX" smtClean="0"/>
-              <a:t>01/09/2022</a:t>
+              <a:t>02/09/2022</a:t>
             </a:fld>
             <a:endParaRPr lang="es-MX" dirty="0"/>
           </a:p>
@@ -2702,7 +2698,7 @@
     </p:spTree>
     <p:extLst>
       <p:ext uri="{BB962C8B-B14F-4D97-AF65-F5344CB8AC3E}">
-        <p14:creationId xmlns:p14="http://schemas.microsoft.com/office/powerpoint/2010/main" val="1401995659"/>
+        <p14:creationId xmlns:p14="http://schemas.microsoft.com/office/powerpoint/2010/main" val="93052435"/>
       </p:ext>
     </p:extLst>
   </p:cSld>
@@ -2786,7 +2782,7 @@
     </p:spTree>
     <p:extLst>
       <p:ext uri="{BB962C8B-B14F-4D97-AF65-F5344CB8AC3E}">
-        <p14:creationId xmlns:p14="http://schemas.microsoft.com/office/powerpoint/2010/main" val="1378240649"/>
+        <p14:creationId xmlns:p14="http://schemas.microsoft.com/office/powerpoint/2010/main" val="3281202480"/>
       </p:ext>
     </p:extLst>
   </p:cSld>
@@ -2870,7 +2866,7 @@
     </p:spTree>
     <p:extLst>
       <p:ext uri="{BB962C8B-B14F-4D97-AF65-F5344CB8AC3E}">
-        <p14:creationId xmlns:p14="http://schemas.microsoft.com/office/powerpoint/2010/main" val="97400121"/>
+        <p14:creationId xmlns:p14="http://schemas.microsoft.com/office/powerpoint/2010/main" val="2640752000"/>
       </p:ext>
     </p:extLst>
   </p:cSld>
@@ -2954,7 +2950,7 @@
     </p:spTree>
     <p:extLst>
       <p:ext uri="{BB962C8B-B14F-4D97-AF65-F5344CB8AC3E}">
-        <p14:creationId xmlns:p14="http://schemas.microsoft.com/office/powerpoint/2010/main" val="419315271"/>
+        <p14:creationId xmlns:p14="http://schemas.microsoft.com/office/powerpoint/2010/main" val="1401995659"/>
       </p:ext>
     </p:extLst>
   </p:cSld>
@@ -3038,7 +3034,7 @@
     </p:spTree>
     <p:extLst>
       <p:ext uri="{BB962C8B-B14F-4D97-AF65-F5344CB8AC3E}">
-        <p14:creationId xmlns:p14="http://schemas.microsoft.com/office/powerpoint/2010/main" val="1044791637"/>
+        <p14:creationId xmlns:p14="http://schemas.microsoft.com/office/powerpoint/2010/main" val="1378240649"/>
       </p:ext>
     </p:extLst>
   </p:cSld>
@@ -3122,7 +3118,7 @@
     </p:spTree>
     <p:extLst>
       <p:ext uri="{BB962C8B-B14F-4D97-AF65-F5344CB8AC3E}">
-        <p14:creationId xmlns:p14="http://schemas.microsoft.com/office/powerpoint/2010/main" val="2879985340"/>
+        <p14:creationId xmlns:p14="http://schemas.microsoft.com/office/powerpoint/2010/main" val="97400121"/>
       </p:ext>
     </p:extLst>
   </p:cSld>
@@ -3206,7 +3202,7 @@
     </p:spTree>
     <p:extLst>
       <p:ext uri="{BB962C8B-B14F-4D97-AF65-F5344CB8AC3E}">
-        <p14:creationId xmlns:p14="http://schemas.microsoft.com/office/powerpoint/2010/main" val="1357729493"/>
+        <p14:creationId xmlns:p14="http://schemas.microsoft.com/office/powerpoint/2010/main" val="419315271"/>
       </p:ext>
     </p:extLst>
   </p:cSld>
@@ -3290,7 +3286,7 @@
     </p:spTree>
     <p:extLst>
       <p:ext uri="{BB962C8B-B14F-4D97-AF65-F5344CB8AC3E}">
-        <p14:creationId xmlns:p14="http://schemas.microsoft.com/office/powerpoint/2010/main" val="992094736"/>
+        <p14:creationId xmlns:p14="http://schemas.microsoft.com/office/powerpoint/2010/main" val="1044791637"/>
       </p:ext>
     </p:extLst>
   </p:cSld>
@@ -3458,7 +3454,7 @@
     </p:spTree>
     <p:extLst>
       <p:ext uri="{BB962C8B-B14F-4D97-AF65-F5344CB8AC3E}">
-        <p14:creationId xmlns:p14="http://schemas.microsoft.com/office/powerpoint/2010/main" val="1494011694"/>
+        <p14:creationId xmlns:p14="http://schemas.microsoft.com/office/powerpoint/2010/main" val="2879985340"/>
       </p:ext>
     </p:extLst>
   </p:cSld>
@@ -3542,7 +3538,7 @@
     </p:spTree>
     <p:extLst>
       <p:ext uri="{BB962C8B-B14F-4D97-AF65-F5344CB8AC3E}">
-        <p14:creationId xmlns:p14="http://schemas.microsoft.com/office/powerpoint/2010/main" val="4089406054"/>
+        <p14:creationId xmlns:p14="http://schemas.microsoft.com/office/powerpoint/2010/main" val="1357729493"/>
       </p:ext>
     </p:extLst>
   </p:cSld>
@@ -3626,7 +3622,7 @@
     </p:spTree>
     <p:extLst>
       <p:ext uri="{BB962C8B-B14F-4D97-AF65-F5344CB8AC3E}">
-        <p14:creationId xmlns:p14="http://schemas.microsoft.com/office/powerpoint/2010/main" val="2656042902"/>
+        <p14:creationId xmlns:p14="http://schemas.microsoft.com/office/powerpoint/2010/main" val="992094736"/>
       </p:ext>
     </p:extLst>
   </p:cSld>
@@ -3710,7 +3706,7 @@
     </p:spTree>
     <p:extLst>
       <p:ext uri="{BB962C8B-B14F-4D97-AF65-F5344CB8AC3E}">
-        <p14:creationId xmlns:p14="http://schemas.microsoft.com/office/powerpoint/2010/main" val="41141737"/>
+        <p14:creationId xmlns:p14="http://schemas.microsoft.com/office/powerpoint/2010/main" val="1494011694"/>
       </p:ext>
     </p:extLst>
   </p:cSld>
@@ -3794,7 +3790,7 @@
     </p:spTree>
     <p:extLst>
       <p:ext uri="{BB962C8B-B14F-4D97-AF65-F5344CB8AC3E}">
-        <p14:creationId xmlns:p14="http://schemas.microsoft.com/office/powerpoint/2010/main" val="1803125447"/>
+        <p14:creationId xmlns:p14="http://schemas.microsoft.com/office/powerpoint/2010/main" val="522272885"/>
       </p:ext>
     </p:extLst>
   </p:cSld>
@@ -3878,7 +3874,7 @@
     </p:spTree>
     <p:extLst>
       <p:ext uri="{BB962C8B-B14F-4D97-AF65-F5344CB8AC3E}">
-        <p14:creationId xmlns:p14="http://schemas.microsoft.com/office/powerpoint/2010/main" val="3948407675"/>
+        <p14:creationId xmlns:p14="http://schemas.microsoft.com/office/powerpoint/2010/main" val="809932223"/>
       </p:ext>
     </p:extLst>
   </p:cSld>
@@ -3962,7 +3958,7 @@
     </p:spTree>
     <p:extLst>
       <p:ext uri="{BB962C8B-B14F-4D97-AF65-F5344CB8AC3E}">
-        <p14:creationId xmlns:p14="http://schemas.microsoft.com/office/powerpoint/2010/main" val="2310053703"/>
+        <p14:creationId xmlns:p14="http://schemas.microsoft.com/office/powerpoint/2010/main" val="4144349373"/>
       </p:ext>
     </p:extLst>
   </p:cSld>
@@ -4046,175 +4042,7 @@
     </p:spTree>
     <p:extLst>
       <p:ext uri="{BB962C8B-B14F-4D97-AF65-F5344CB8AC3E}">
-        <p14:creationId xmlns:p14="http://schemas.microsoft.com/office/powerpoint/2010/main" val="392062361"/>
-      </p:ext>
-    </p:extLst>
-  </p:cSld>
-  <p:clrMapOvr>
-    <a:masterClrMapping/>
-  </p:clrMapOvr>
-</p:notes>
-</file>
-
-<file path=ppt/notesSlides/notesSlide48.xml><?xml version="1.0" encoding="utf-8"?>
-<p:notes xmlns:a="http://schemas.openxmlformats.org/drawingml/2006/main" xmlns:r="http://schemas.openxmlformats.org/officeDocument/2006/relationships" xmlns:p="http://schemas.openxmlformats.org/presentationml/2006/main">
-  <p:cSld>
-    <p:spTree>
-      <p:nvGrpSpPr>
-        <p:cNvPr id="1" name=""/>
-        <p:cNvGrpSpPr/>
-        <p:nvPr/>
-      </p:nvGrpSpPr>
-      <p:grpSpPr>
-        <a:xfrm>
-          <a:off x="0" y="0"/>
-          <a:ext cx="0" cy="0"/>
-          <a:chOff x="0" y="0"/>
-          <a:chExt cx="0" cy="0"/>
-        </a:xfrm>
-      </p:grpSpPr>
-      <p:sp>
-        <p:nvSpPr>
-          <p:cNvPr id="2" name="Marcador de imagen de diapositiva 1"/>
-          <p:cNvSpPr>
-            <a:spLocks noGrp="1" noRot="1" noChangeAspect="1"/>
-          </p:cNvSpPr>
-          <p:nvPr>
-            <p:ph type="sldImg"/>
-          </p:nvPr>
-        </p:nvSpPr>
-        <p:spPr/>
-      </p:sp>
-      <p:sp>
-        <p:nvSpPr>
-          <p:cNvPr id="3" name="Marcador de notas 2"/>
-          <p:cNvSpPr>
-            <a:spLocks noGrp="1"/>
-          </p:cNvSpPr>
-          <p:nvPr>
-            <p:ph type="body" idx="1"/>
-          </p:nvPr>
-        </p:nvSpPr>
-        <p:spPr/>
-        <p:txBody>
-          <a:bodyPr/>
-          <a:lstStyle/>
-          <a:p>
-            <a:endParaRPr lang="es-MX" dirty="0"/>
-          </a:p>
-        </p:txBody>
-      </p:sp>
-      <p:sp>
-        <p:nvSpPr>
-          <p:cNvPr id="4" name="Marcador de número de diapositiva 3"/>
-          <p:cNvSpPr>
-            <a:spLocks noGrp="1"/>
-          </p:cNvSpPr>
-          <p:nvPr>
-            <p:ph type="sldNum" sz="quarter" idx="5"/>
-          </p:nvPr>
-        </p:nvSpPr>
-        <p:spPr/>
-        <p:txBody>
-          <a:bodyPr/>
-          <a:lstStyle/>
-          <a:p>
-            <a:fld id="{6BAB4312-99A1-4CE9-ACE7-4C62E9FD90EE}" type="slidenum">
-              <a:rPr lang="es-MX" smtClean="0"/>
-              <a:t>49</a:t>
-            </a:fld>
-            <a:endParaRPr lang="es-MX" dirty="0"/>
-          </a:p>
-        </p:txBody>
-      </p:sp>
-    </p:spTree>
-    <p:extLst>
-      <p:ext uri="{BB962C8B-B14F-4D97-AF65-F5344CB8AC3E}">
-        <p14:creationId xmlns:p14="http://schemas.microsoft.com/office/powerpoint/2010/main" val="2108067440"/>
-      </p:ext>
-    </p:extLst>
-  </p:cSld>
-  <p:clrMapOvr>
-    <a:masterClrMapping/>
-  </p:clrMapOvr>
-</p:notes>
-</file>
-
-<file path=ppt/notesSlides/notesSlide49.xml><?xml version="1.0" encoding="utf-8"?>
-<p:notes xmlns:a="http://schemas.openxmlformats.org/drawingml/2006/main" xmlns:r="http://schemas.openxmlformats.org/officeDocument/2006/relationships" xmlns:p="http://schemas.openxmlformats.org/presentationml/2006/main">
-  <p:cSld>
-    <p:spTree>
-      <p:nvGrpSpPr>
-        <p:cNvPr id="1" name=""/>
-        <p:cNvGrpSpPr/>
-        <p:nvPr/>
-      </p:nvGrpSpPr>
-      <p:grpSpPr>
-        <a:xfrm>
-          <a:off x="0" y="0"/>
-          <a:ext cx="0" cy="0"/>
-          <a:chOff x="0" y="0"/>
-          <a:chExt cx="0" cy="0"/>
-        </a:xfrm>
-      </p:grpSpPr>
-      <p:sp>
-        <p:nvSpPr>
-          <p:cNvPr id="2" name="Marcador de imagen de diapositiva 1"/>
-          <p:cNvSpPr>
-            <a:spLocks noGrp="1" noRot="1" noChangeAspect="1"/>
-          </p:cNvSpPr>
-          <p:nvPr>
-            <p:ph type="sldImg"/>
-          </p:nvPr>
-        </p:nvSpPr>
-        <p:spPr/>
-      </p:sp>
-      <p:sp>
-        <p:nvSpPr>
-          <p:cNvPr id="3" name="Marcador de notas 2"/>
-          <p:cNvSpPr>
-            <a:spLocks noGrp="1"/>
-          </p:cNvSpPr>
-          <p:nvPr>
-            <p:ph type="body" idx="1"/>
-          </p:nvPr>
-        </p:nvSpPr>
-        <p:spPr/>
-        <p:txBody>
-          <a:bodyPr/>
-          <a:lstStyle/>
-          <a:p>
-            <a:endParaRPr lang="es-MX" dirty="0"/>
-          </a:p>
-        </p:txBody>
-      </p:sp>
-      <p:sp>
-        <p:nvSpPr>
-          <p:cNvPr id="4" name="Marcador de número de diapositiva 3"/>
-          <p:cNvSpPr>
-            <a:spLocks noGrp="1"/>
-          </p:cNvSpPr>
-          <p:nvPr>
-            <p:ph type="sldNum" sz="quarter" idx="5"/>
-          </p:nvPr>
-        </p:nvSpPr>
-        <p:spPr/>
-        <p:txBody>
-          <a:bodyPr/>
-          <a:lstStyle/>
-          <a:p>
-            <a:fld id="{6BAB4312-99A1-4CE9-ACE7-4C62E9FD90EE}" type="slidenum">
-              <a:rPr lang="es-MX" smtClean="0"/>
-              <a:t>50</a:t>
-            </a:fld>
-            <a:endParaRPr lang="es-MX" dirty="0"/>
-          </a:p>
-        </p:txBody>
-      </p:sp>
-    </p:spTree>
-    <p:extLst>
-      <p:ext uri="{BB962C8B-B14F-4D97-AF65-F5344CB8AC3E}">
-        <p14:creationId xmlns:p14="http://schemas.microsoft.com/office/powerpoint/2010/main" val="2099140660"/>
+        <p14:creationId xmlns:p14="http://schemas.microsoft.com/office/powerpoint/2010/main" val="2766425837"/>
       </p:ext>
     </p:extLst>
   </p:cSld>
@@ -4299,174 +4127,6 @@
     <p:extLst>
       <p:ext uri="{BB962C8B-B14F-4D97-AF65-F5344CB8AC3E}">
         <p14:creationId xmlns:p14="http://schemas.microsoft.com/office/powerpoint/2010/main" val="2409614265"/>
-      </p:ext>
-    </p:extLst>
-  </p:cSld>
-  <p:clrMapOvr>
-    <a:masterClrMapping/>
-  </p:clrMapOvr>
-</p:notes>
-</file>
-
-<file path=ppt/notesSlides/notesSlide50.xml><?xml version="1.0" encoding="utf-8"?>
-<p:notes xmlns:a="http://schemas.openxmlformats.org/drawingml/2006/main" xmlns:r="http://schemas.openxmlformats.org/officeDocument/2006/relationships" xmlns:p="http://schemas.openxmlformats.org/presentationml/2006/main">
-  <p:cSld>
-    <p:spTree>
-      <p:nvGrpSpPr>
-        <p:cNvPr id="1" name=""/>
-        <p:cNvGrpSpPr/>
-        <p:nvPr/>
-      </p:nvGrpSpPr>
-      <p:grpSpPr>
-        <a:xfrm>
-          <a:off x="0" y="0"/>
-          <a:ext cx="0" cy="0"/>
-          <a:chOff x="0" y="0"/>
-          <a:chExt cx="0" cy="0"/>
-        </a:xfrm>
-      </p:grpSpPr>
-      <p:sp>
-        <p:nvSpPr>
-          <p:cNvPr id="2" name="Marcador de imagen de diapositiva 1"/>
-          <p:cNvSpPr>
-            <a:spLocks noGrp="1" noRot="1" noChangeAspect="1"/>
-          </p:cNvSpPr>
-          <p:nvPr>
-            <p:ph type="sldImg"/>
-          </p:nvPr>
-        </p:nvSpPr>
-        <p:spPr/>
-      </p:sp>
-      <p:sp>
-        <p:nvSpPr>
-          <p:cNvPr id="3" name="Marcador de notas 2"/>
-          <p:cNvSpPr>
-            <a:spLocks noGrp="1"/>
-          </p:cNvSpPr>
-          <p:nvPr>
-            <p:ph type="body" idx="1"/>
-          </p:nvPr>
-        </p:nvSpPr>
-        <p:spPr/>
-        <p:txBody>
-          <a:bodyPr/>
-          <a:lstStyle/>
-          <a:p>
-            <a:endParaRPr lang="es-MX" dirty="0"/>
-          </a:p>
-        </p:txBody>
-      </p:sp>
-      <p:sp>
-        <p:nvSpPr>
-          <p:cNvPr id="4" name="Marcador de número de diapositiva 3"/>
-          <p:cNvSpPr>
-            <a:spLocks noGrp="1"/>
-          </p:cNvSpPr>
-          <p:nvPr>
-            <p:ph type="sldNum" sz="quarter" idx="5"/>
-          </p:nvPr>
-        </p:nvSpPr>
-        <p:spPr/>
-        <p:txBody>
-          <a:bodyPr/>
-          <a:lstStyle/>
-          <a:p>
-            <a:fld id="{6BAB4312-99A1-4CE9-ACE7-4C62E9FD90EE}" type="slidenum">
-              <a:rPr lang="es-MX" smtClean="0"/>
-              <a:t>51</a:t>
-            </a:fld>
-            <a:endParaRPr lang="es-MX" dirty="0"/>
-          </a:p>
-        </p:txBody>
-      </p:sp>
-    </p:spTree>
-    <p:extLst>
-      <p:ext uri="{BB962C8B-B14F-4D97-AF65-F5344CB8AC3E}">
-        <p14:creationId xmlns:p14="http://schemas.microsoft.com/office/powerpoint/2010/main" val="366778454"/>
-      </p:ext>
-    </p:extLst>
-  </p:cSld>
-  <p:clrMapOvr>
-    <a:masterClrMapping/>
-  </p:clrMapOvr>
-</p:notes>
-</file>
-
-<file path=ppt/notesSlides/notesSlide51.xml><?xml version="1.0" encoding="utf-8"?>
-<p:notes xmlns:a="http://schemas.openxmlformats.org/drawingml/2006/main" xmlns:r="http://schemas.openxmlformats.org/officeDocument/2006/relationships" xmlns:p="http://schemas.openxmlformats.org/presentationml/2006/main">
-  <p:cSld>
-    <p:spTree>
-      <p:nvGrpSpPr>
-        <p:cNvPr id="1" name=""/>
-        <p:cNvGrpSpPr/>
-        <p:nvPr/>
-      </p:nvGrpSpPr>
-      <p:grpSpPr>
-        <a:xfrm>
-          <a:off x="0" y="0"/>
-          <a:ext cx="0" cy="0"/>
-          <a:chOff x="0" y="0"/>
-          <a:chExt cx="0" cy="0"/>
-        </a:xfrm>
-      </p:grpSpPr>
-      <p:sp>
-        <p:nvSpPr>
-          <p:cNvPr id="2" name="Marcador de imagen de diapositiva 1"/>
-          <p:cNvSpPr>
-            <a:spLocks noGrp="1" noRot="1" noChangeAspect="1"/>
-          </p:cNvSpPr>
-          <p:nvPr>
-            <p:ph type="sldImg"/>
-          </p:nvPr>
-        </p:nvSpPr>
-        <p:spPr/>
-      </p:sp>
-      <p:sp>
-        <p:nvSpPr>
-          <p:cNvPr id="3" name="Marcador de notas 2"/>
-          <p:cNvSpPr>
-            <a:spLocks noGrp="1"/>
-          </p:cNvSpPr>
-          <p:nvPr>
-            <p:ph type="body" idx="1"/>
-          </p:nvPr>
-        </p:nvSpPr>
-        <p:spPr/>
-        <p:txBody>
-          <a:bodyPr/>
-          <a:lstStyle/>
-          <a:p>
-            <a:endParaRPr lang="es-MX" dirty="0"/>
-          </a:p>
-        </p:txBody>
-      </p:sp>
-      <p:sp>
-        <p:nvSpPr>
-          <p:cNvPr id="4" name="Marcador de número de diapositiva 3"/>
-          <p:cNvSpPr>
-            <a:spLocks noGrp="1"/>
-          </p:cNvSpPr>
-          <p:nvPr>
-            <p:ph type="sldNum" sz="quarter" idx="5"/>
-          </p:nvPr>
-        </p:nvSpPr>
-        <p:spPr/>
-        <p:txBody>
-          <a:bodyPr/>
-          <a:lstStyle/>
-          <a:p>
-            <a:fld id="{6BAB4312-99A1-4CE9-ACE7-4C62E9FD90EE}" type="slidenum">
-              <a:rPr lang="es-MX" smtClean="0"/>
-              <a:t>52</a:t>
-            </a:fld>
-            <a:endParaRPr lang="es-MX" dirty="0"/>
-          </a:p>
-        </p:txBody>
-      </p:sp>
-    </p:spTree>
-    <p:extLst>
-      <p:ext uri="{BB962C8B-B14F-4D97-AF65-F5344CB8AC3E}">
-        <p14:creationId xmlns:p14="http://schemas.microsoft.com/office/powerpoint/2010/main" val="208848957"/>
       </p:ext>
     </p:extLst>
   </p:cSld>
@@ -4993,7 +4653,7 @@
           <a:p>
             <a:fld id="{B3F3E716-CACC-4490-AD07-F24B6A68DE47}" type="datetimeFigureOut">
               <a:rPr lang="es-MX" smtClean="0"/>
-              <a:t>01/09/2022</a:t>
+              <a:t>02/09/2022</a:t>
             </a:fld>
             <a:endParaRPr lang="es-MX" dirty="0"/>
           </a:p>
@@ -5163,7 +4823,7 @@
           <a:p>
             <a:fld id="{B3F3E716-CACC-4490-AD07-F24B6A68DE47}" type="datetimeFigureOut">
               <a:rPr lang="es-MX" smtClean="0"/>
-              <a:t>01/09/2022</a:t>
+              <a:t>02/09/2022</a:t>
             </a:fld>
             <a:endParaRPr lang="es-MX" dirty="0"/>
           </a:p>
@@ -5343,7 +5003,7 @@
           <a:p>
             <a:fld id="{B3F3E716-CACC-4490-AD07-F24B6A68DE47}" type="datetimeFigureOut">
               <a:rPr lang="es-MX" smtClean="0"/>
-              <a:t>01/09/2022</a:t>
+              <a:t>02/09/2022</a:t>
             </a:fld>
             <a:endParaRPr lang="es-MX" dirty="0"/>
           </a:p>
@@ -5496,7 +5156,7 @@
           <a:p>
             <a:fld id="{1D8BD707-D9CF-40AE-B4C6-C98DA3205C09}" type="datetimeFigureOut">
               <a:rPr lang="en-US" smtClean="0"/>
-              <a:t>9/1/2022</a:t>
+              <a:t>9/2/2022</a:t>
             </a:fld>
             <a:endParaRPr lang="en-US" dirty="0"/>
           </a:p>
@@ -5656,7 +5316,7 @@
           <a:p>
             <a:fld id="{B3F3E716-CACC-4490-AD07-F24B6A68DE47}" type="datetimeFigureOut">
               <a:rPr lang="es-MX" smtClean="0"/>
-              <a:t>01/09/2022</a:t>
+              <a:t>02/09/2022</a:t>
             </a:fld>
             <a:endParaRPr lang="es-MX" dirty="0"/>
           </a:p>
@@ -5902,7 +5562,7 @@
           <a:p>
             <a:fld id="{B3F3E716-CACC-4490-AD07-F24B6A68DE47}" type="datetimeFigureOut">
               <a:rPr lang="es-MX" smtClean="0"/>
-              <a:t>01/09/2022</a:t>
+              <a:t>02/09/2022</a:t>
             </a:fld>
             <a:endParaRPr lang="es-MX" dirty="0"/>
           </a:p>
@@ -6190,7 +5850,7 @@
           <a:p>
             <a:fld id="{B3F3E716-CACC-4490-AD07-F24B6A68DE47}" type="datetimeFigureOut">
               <a:rPr lang="es-MX" smtClean="0"/>
-              <a:t>01/09/2022</a:t>
+              <a:t>02/09/2022</a:t>
             </a:fld>
             <a:endParaRPr lang="es-MX" dirty="0"/>
           </a:p>
@@ -6612,7 +6272,7 @@
           <a:p>
             <a:fld id="{B3F3E716-CACC-4490-AD07-F24B6A68DE47}" type="datetimeFigureOut">
               <a:rPr lang="es-MX" smtClean="0"/>
-              <a:t>01/09/2022</a:t>
+              <a:t>02/09/2022</a:t>
             </a:fld>
             <a:endParaRPr lang="es-MX" dirty="0"/>
           </a:p>
@@ -6730,7 +6390,7 @@
           <a:p>
             <a:fld id="{B3F3E716-CACC-4490-AD07-F24B6A68DE47}" type="datetimeFigureOut">
               <a:rPr lang="es-MX" smtClean="0"/>
-              <a:t>01/09/2022</a:t>
+              <a:t>02/09/2022</a:t>
             </a:fld>
             <a:endParaRPr lang="es-MX" dirty="0"/>
           </a:p>
@@ -6825,7 +6485,7 @@
           <a:p>
             <a:fld id="{B3F3E716-CACC-4490-AD07-F24B6A68DE47}" type="datetimeFigureOut">
               <a:rPr lang="es-MX" smtClean="0"/>
-              <a:t>01/09/2022</a:t>
+              <a:t>02/09/2022</a:t>
             </a:fld>
             <a:endParaRPr lang="es-MX" dirty="0"/>
           </a:p>
@@ -7102,7 +6762,7 @@
           <a:p>
             <a:fld id="{B3F3E716-CACC-4490-AD07-F24B6A68DE47}" type="datetimeFigureOut">
               <a:rPr lang="es-MX" smtClean="0"/>
-              <a:t>01/09/2022</a:t>
+              <a:t>02/09/2022</a:t>
             </a:fld>
             <a:endParaRPr lang="es-MX" dirty="0"/>
           </a:p>
@@ -7355,7 +7015,7 @@
           <a:p>
             <a:fld id="{B3F3E716-CACC-4490-AD07-F24B6A68DE47}" type="datetimeFigureOut">
               <a:rPr lang="es-MX" smtClean="0"/>
-              <a:t>01/09/2022</a:t>
+              <a:t>02/09/2022</a:t>
             </a:fld>
             <a:endParaRPr lang="es-MX" dirty="0"/>
           </a:p>
@@ -7568,7 +7228,7 @@
           <a:p>
             <a:fld id="{B3F3E716-CACC-4490-AD07-F24B6A68DE47}" type="datetimeFigureOut">
               <a:rPr lang="es-MX" smtClean="0"/>
-              <a:t>01/09/2022</a:t>
+              <a:t>02/09/2022</a:t>
             </a:fld>
             <a:endParaRPr lang="es-MX" dirty="0"/>
           </a:p>
@@ -9332,8 +8992,8 @@
         </p:nvSpPr>
         <p:spPr>
           <a:xfrm>
-            <a:off x="427044" y="1824628"/>
-            <a:ext cx="8259756" cy="3253455"/>
+            <a:off x="663706" y="1802272"/>
+            <a:ext cx="7632848" cy="3253455"/>
           </a:xfrm>
           <a:prstGeom prst="rect">
             <a:avLst/>
@@ -9563,6 +9223,42 @@
           </a:p>
         </p:txBody>
       </p:sp>
+      <p:pic>
+        <p:nvPicPr>
+          <p:cNvPr id="5" name="Imagen 4" descr="Texto&#10;&#10;Descripción generada automáticamente con confianza media">
+            <a:extLst>
+              <a:ext uri="{FF2B5EF4-FFF2-40B4-BE49-F238E27FC236}">
+                <a16:creationId xmlns:a16="http://schemas.microsoft.com/office/drawing/2014/main" id="{E960688C-D058-4288-BF5C-739DFB46E81D}"/>
+              </a:ext>
+            </a:extLst>
+          </p:cNvPr>
+          <p:cNvPicPr>
+            <a:picLocks noChangeAspect="1"/>
+          </p:cNvPicPr>
+          <p:nvPr/>
+        </p:nvPicPr>
+        <p:blipFill>
+          <a:blip r:embed="rId3">
+            <a:extLst>
+              <a:ext uri="{28A0092B-C50C-407E-A947-70E740481C1C}">
+                <a14:useLocalDpi xmlns:a14="http://schemas.microsoft.com/office/drawing/2010/main" val="0"/>
+              </a:ext>
+            </a:extLst>
+          </a:blip>
+          <a:stretch>
+            <a:fillRect/>
+          </a:stretch>
+        </p:blipFill>
+        <p:spPr>
+          <a:xfrm>
+            <a:off x="4144329" y="4437112"/>
+            <a:ext cx="4181448" cy="1672579"/>
+          </a:xfrm>
+          <a:prstGeom prst="rect">
+            <a:avLst/>
+          </a:prstGeom>
+        </p:spPr>
+      </p:pic>
     </p:spTree>
     <p:extLst>
       <p:ext uri="{BB962C8B-B14F-4D97-AF65-F5344CB8AC3E}">
@@ -15367,6 +15063,842 @@
       </p:sp>
       <p:sp>
         <p:nvSpPr>
+          <p:cNvPr id="9" name="CuadroTexto 8">
+            <a:extLst>
+              <a:ext uri="{FF2B5EF4-FFF2-40B4-BE49-F238E27FC236}">
+                <a16:creationId xmlns:a16="http://schemas.microsoft.com/office/drawing/2014/main" id="{E1C784F4-BDDC-4D50-B8E9-68B91761F76A}"/>
+              </a:ext>
+            </a:extLst>
+          </p:cNvPr>
+          <p:cNvSpPr txBox="1"/>
+          <p:nvPr/>
+        </p:nvSpPr>
+        <p:spPr>
+          <a:xfrm>
+            <a:off x="683568" y="1537713"/>
+            <a:ext cx="7920880" cy="506292"/>
+          </a:xfrm>
+          <a:prstGeom prst="rect">
+            <a:avLst/>
+          </a:prstGeom>
+          <a:noFill/>
+        </p:spPr>
+        <p:txBody>
+          <a:bodyPr wrap="square">
+            <a:spAutoFit/>
+          </a:bodyPr>
+          <a:lstStyle/>
+          <a:p>
+            <a:pPr algn="just">
+              <a:lnSpc>
+                <a:spcPct val="150000"/>
+              </a:lnSpc>
+            </a:pPr>
+            <a:r>
+              <a:rPr lang="es-ES" sz="2000" b="1" i="0" dirty="0">
+                <a:solidFill>
+                  <a:schemeClr val="tx1">
+                    <a:lumMod val="95000"/>
+                    <a:lumOff val="5000"/>
+                  </a:schemeClr>
+                </a:solidFill>
+                <a:effectLst/>
+              </a:rPr>
+              <a:t>Ejemplo: </a:t>
+            </a:r>
+            <a:r>
+              <a:rPr lang="es-ES" sz="2000" i="0" dirty="0">
+                <a:solidFill>
+                  <a:schemeClr val="tx1">
+                    <a:lumMod val="95000"/>
+                    <a:lumOff val="5000"/>
+                  </a:schemeClr>
+                </a:solidFill>
+                <a:effectLst/>
+              </a:rPr>
+              <a:t>Si quiero </a:t>
+            </a:r>
+            <a:r>
+              <a:rPr lang="es-ES" sz="2000" dirty="0">
+                <a:solidFill>
+                  <a:schemeClr val="tx1">
+                    <a:lumMod val="95000"/>
+                    <a:lumOff val="5000"/>
+                  </a:schemeClr>
+                </a:solidFill>
+              </a:rPr>
+              <a:t>que una línea termine con </a:t>
+            </a:r>
+            <a:r>
+              <a:rPr lang="es-ES" sz="2000" i="0" dirty="0">
+                <a:solidFill>
+                  <a:schemeClr val="tx1">
+                    <a:lumMod val="95000"/>
+                    <a:lumOff val="5000"/>
+                  </a:schemeClr>
+                </a:solidFill>
+                <a:effectLst/>
+              </a:rPr>
+              <a:t>“Mundo.”</a:t>
+            </a:r>
+            <a:endParaRPr lang="es-ES" sz="2000" b="1" dirty="0">
+              <a:solidFill>
+                <a:schemeClr val="tx1">
+                  <a:lumMod val="95000"/>
+                  <a:lumOff val="5000"/>
+                </a:schemeClr>
+              </a:solidFill>
+            </a:endParaRPr>
+          </a:p>
+        </p:txBody>
+      </p:sp>
+      <p:sp>
+        <p:nvSpPr>
+          <p:cNvPr id="7" name="CuadroTexto 6">
+            <a:extLst>
+              <a:ext uri="{FF2B5EF4-FFF2-40B4-BE49-F238E27FC236}">
+                <a16:creationId xmlns:a16="http://schemas.microsoft.com/office/drawing/2014/main" id="{0CD01309-A779-489D-9641-3C8825455B71}"/>
+              </a:ext>
+            </a:extLst>
+          </p:cNvPr>
+          <p:cNvSpPr txBox="1"/>
+          <p:nvPr/>
+        </p:nvSpPr>
+        <p:spPr>
+          <a:xfrm>
+            <a:off x="938682" y="962324"/>
+            <a:ext cx="7065349" cy="393698"/>
+          </a:xfrm>
+          <a:prstGeom prst="rect">
+            <a:avLst/>
+          </a:prstGeom>
+          <a:noFill/>
+        </p:spPr>
+        <p:txBody>
+          <a:bodyPr wrap="square">
+            <a:spAutoFit/>
+          </a:bodyPr>
+          <a:lstStyle/>
+          <a:p>
+            <a:pPr algn="ctr" fontAlgn="base">
+              <a:lnSpc>
+                <a:spcPts val="2500"/>
+              </a:lnSpc>
+              <a:spcAft>
+                <a:spcPts val="600"/>
+              </a:spcAft>
+            </a:pPr>
+            <a:r>
+              <a:rPr lang="es-ES" b="1" i="0" dirty="0">
+                <a:solidFill>
+                  <a:schemeClr val="accent6">
+                    <a:lumMod val="75000"/>
+                  </a:schemeClr>
+                </a:solidFill>
+                <a:effectLst/>
+                <a:latin typeface="inherit"/>
+              </a:rPr>
+              <a:t>( $ ) Fin de una cadena de caracteres</a:t>
+            </a:r>
+          </a:p>
+        </p:txBody>
+      </p:sp>
+      <p:pic>
+        <p:nvPicPr>
+          <p:cNvPr id="3" name="Imagen 2">
+            <a:extLst>
+              <a:ext uri="{FF2B5EF4-FFF2-40B4-BE49-F238E27FC236}">
+                <a16:creationId xmlns:a16="http://schemas.microsoft.com/office/drawing/2014/main" id="{3B4B1865-F3E8-456D-9E52-0E91A931E820}"/>
+              </a:ext>
+            </a:extLst>
+          </p:cNvPr>
+          <p:cNvPicPr>
+            <a:picLocks noChangeAspect="1"/>
+          </p:cNvPicPr>
+          <p:nvPr/>
+        </p:nvPicPr>
+        <p:blipFill>
+          <a:blip r:embed="rId3"/>
+          <a:stretch>
+            <a:fillRect/>
+          </a:stretch>
+        </p:blipFill>
+        <p:spPr>
+          <a:xfrm>
+            <a:off x="1070931" y="2315538"/>
+            <a:ext cx="6800850" cy="3067050"/>
+          </a:xfrm>
+          <a:prstGeom prst="rect">
+            <a:avLst/>
+          </a:prstGeom>
+        </p:spPr>
+      </p:pic>
+    </p:spTree>
+    <p:extLst>
+      <p:ext uri="{BB962C8B-B14F-4D97-AF65-F5344CB8AC3E}">
+        <p14:creationId xmlns:p14="http://schemas.microsoft.com/office/powerpoint/2010/main" val="2865376557"/>
+      </p:ext>
+    </p:extLst>
+  </p:cSld>
+  <p:clrMapOvr>
+    <a:masterClrMapping/>
+  </p:clrMapOvr>
+</p:sld>
+</file>
+
+<file path=ppt/slides/slide34.xml><?xml version="1.0" encoding="utf-8"?>
+<p:sld xmlns:a="http://schemas.openxmlformats.org/drawingml/2006/main" xmlns:r="http://schemas.openxmlformats.org/officeDocument/2006/relationships" xmlns:p="http://schemas.openxmlformats.org/presentationml/2006/main">
+  <p:cSld>
+    <p:spTree>
+      <p:nvGrpSpPr>
+        <p:cNvPr id="1" name=""/>
+        <p:cNvGrpSpPr/>
+        <p:nvPr/>
+      </p:nvGrpSpPr>
+      <p:grpSpPr>
+        <a:xfrm>
+          <a:off x="0" y="0"/>
+          <a:ext cx="0" cy="0"/>
+          <a:chOff x="0" y="0"/>
+          <a:chExt cx="0" cy="0"/>
+        </a:xfrm>
+      </p:grpSpPr>
+      <p:sp>
+        <p:nvSpPr>
+          <p:cNvPr id="184324" name="Rectangle 4"/>
+          <p:cNvSpPr>
+            <a:spLocks noGrp="1" noChangeArrowheads="1"/>
+          </p:cNvSpPr>
+          <p:nvPr>
+            <p:ph type="title"/>
+          </p:nvPr>
+        </p:nvSpPr>
+        <p:spPr>
+          <a:xfrm>
+            <a:off x="289721" y="4056"/>
+            <a:ext cx="8363272" cy="1143000"/>
+          </a:xfrm>
+        </p:spPr>
+        <p:txBody>
+          <a:bodyPr>
+            <a:normAutofit/>
+          </a:bodyPr>
+          <a:lstStyle/>
+          <a:p>
+            <a:pPr eaLnBrk="1" hangingPunct="1">
+              <a:defRPr/>
+            </a:pPr>
+            <a:r>
+              <a:rPr lang="es-MX" b="1" dirty="0" err="1">
+                <a:solidFill>
+                  <a:schemeClr val="accent4">
+                    <a:lumMod val="50000"/>
+                  </a:schemeClr>
+                </a:solidFill>
+                <a:effectLst>
+                  <a:outerShdw blurRad="38100" dist="38100" dir="2700000" algn="tl">
+                    <a:srgbClr val="C0C0C0"/>
+                  </a:outerShdw>
+                </a:effectLst>
+                <a:latin typeface="Dom Casual" charset="0"/>
+              </a:rPr>
+              <a:t>Metacaracteres</a:t>
+            </a:r>
+            <a:endParaRPr lang="es-MX" b="1" dirty="0">
+              <a:solidFill>
+                <a:schemeClr val="accent4">
+                  <a:lumMod val="50000"/>
+                </a:schemeClr>
+              </a:solidFill>
+              <a:effectLst>
+                <a:outerShdw blurRad="38100" dist="38100" dir="2700000" algn="tl">
+                  <a:srgbClr val="C0C0C0"/>
+                </a:outerShdw>
+              </a:effectLst>
+              <a:latin typeface="Dom Casual" charset="0"/>
+            </a:endParaRPr>
+          </a:p>
+        </p:txBody>
+      </p:sp>
+      <p:sp>
+        <p:nvSpPr>
+          <p:cNvPr id="9" name="CuadroTexto 8">
+            <a:extLst>
+              <a:ext uri="{FF2B5EF4-FFF2-40B4-BE49-F238E27FC236}">
+                <a16:creationId xmlns:a16="http://schemas.microsoft.com/office/drawing/2014/main" id="{E1C784F4-BDDC-4D50-B8E9-68B91761F76A}"/>
+              </a:ext>
+            </a:extLst>
+          </p:cNvPr>
+          <p:cNvSpPr txBox="1"/>
+          <p:nvPr/>
+        </p:nvSpPr>
+        <p:spPr>
+          <a:xfrm>
+            <a:off x="683568" y="1537713"/>
+            <a:ext cx="7920880" cy="506292"/>
+          </a:xfrm>
+          <a:prstGeom prst="rect">
+            <a:avLst/>
+          </a:prstGeom>
+          <a:noFill/>
+        </p:spPr>
+        <p:txBody>
+          <a:bodyPr wrap="square">
+            <a:spAutoFit/>
+          </a:bodyPr>
+          <a:lstStyle/>
+          <a:p>
+            <a:pPr marL="342900" indent="-342900" algn="just">
+              <a:lnSpc>
+                <a:spcPct val="150000"/>
+              </a:lnSpc>
+              <a:buFont typeface="Arial" panose="020B0604020202020204" pitchFamily="34" charset="0"/>
+              <a:buChar char="•"/>
+            </a:pPr>
+            <a:r>
+              <a:rPr lang="es-ES" sz="2000" i="0" dirty="0">
+                <a:solidFill>
+                  <a:schemeClr val="tx1">
+                    <a:lumMod val="95000"/>
+                    <a:lumOff val="5000"/>
+                  </a:schemeClr>
+                </a:solidFill>
+                <a:effectLst/>
+              </a:rPr>
+              <a:t>Si quiero </a:t>
+            </a:r>
+            <a:r>
+              <a:rPr lang="es-ES" sz="2000" dirty="0">
+                <a:solidFill>
+                  <a:schemeClr val="tx1">
+                    <a:lumMod val="95000"/>
+                    <a:lumOff val="5000"/>
+                  </a:schemeClr>
+                </a:solidFill>
+              </a:rPr>
+              <a:t>que una línea termine con </a:t>
+            </a:r>
+            <a:r>
+              <a:rPr lang="es-ES" sz="2000" i="0" dirty="0">
+                <a:solidFill>
+                  <a:schemeClr val="tx1">
+                    <a:lumMod val="95000"/>
+                    <a:lumOff val="5000"/>
+                  </a:schemeClr>
+                </a:solidFill>
+                <a:effectLst/>
+              </a:rPr>
+              <a:t>“Mundo.”</a:t>
+            </a:r>
+            <a:endParaRPr lang="es-ES" sz="2000" b="1" dirty="0">
+              <a:solidFill>
+                <a:schemeClr val="tx1">
+                  <a:lumMod val="95000"/>
+                  <a:lumOff val="5000"/>
+                </a:schemeClr>
+              </a:solidFill>
+            </a:endParaRPr>
+          </a:p>
+        </p:txBody>
+      </p:sp>
+      <p:sp>
+        <p:nvSpPr>
+          <p:cNvPr id="7" name="CuadroTexto 6">
+            <a:extLst>
+              <a:ext uri="{FF2B5EF4-FFF2-40B4-BE49-F238E27FC236}">
+                <a16:creationId xmlns:a16="http://schemas.microsoft.com/office/drawing/2014/main" id="{0CD01309-A779-489D-9641-3C8825455B71}"/>
+              </a:ext>
+            </a:extLst>
+          </p:cNvPr>
+          <p:cNvSpPr txBox="1"/>
+          <p:nvPr/>
+        </p:nvSpPr>
+        <p:spPr>
+          <a:xfrm>
+            <a:off x="938682" y="962324"/>
+            <a:ext cx="7065349" cy="393698"/>
+          </a:xfrm>
+          <a:prstGeom prst="rect">
+            <a:avLst/>
+          </a:prstGeom>
+          <a:noFill/>
+        </p:spPr>
+        <p:txBody>
+          <a:bodyPr wrap="square">
+            <a:spAutoFit/>
+          </a:bodyPr>
+          <a:lstStyle/>
+          <a:p>
+            <a:pPr algn="ctr" fontAlgn="base">
+              <a:lnSpc>
+                <a:spcPts val="2500"/>
+              </a:lnSpc>
+              <a:spcAft>
+                <a:spcPts val="600"/>
+              </a:spcAft>
+            </a:pPr>
+            <a:r>
+              <a:rPr lang="es-ES" b="1" i="0" dirty="0">
+                <a:solidFill>
+                  <a:schemeClr val="accent6">
+                    <a:lumMod val="75000"/>
+                  </a:schemeClr>
+                </a:solidFill>
+                <a:effectLst/>
+                <a:latin typeface="inherit"/>
+              </a:rPr>
+              <a:t>( $ ) Coincide con el </a:t>
+            </a:r>
+            <a:r>
+              <a:rPr lang="es-ES" b="1" dirty="0">
+                <a:solidFill>
+                  <a:schemeClr val="accent6">
+                    <a:lumMod val="75000"/>
+                  </a:schemeClr>
+                </a:solidFill>
+                <a:latin typeface="inherit"/>
+              </a:rPr>
+              <a:t>final </a:t>
+            </a:r>
+            <a:r>
+              <a:rPr lang="es-ES" b="1" i="0" dirty="0">
+                <a:solidFill>
+                  <a:schemeClr val="accent6">
+                    <a:lumMod val="75000"/>
+                  </a:schemeClr>
+                </a:solidFill>
+                <a:effectLst/>
+                <a:latin typeface="inherit"/>
+              </a:rPr>
+              <a:t>de una cadena de caracteres</a:t>
+            </a:r>
+          </a:p>
+        </p:txBody>
+      </p:sp>
+      <p:pic>
+        <p:nvPicPr>
+          <p:cNvPr id="6" name="Imagen 5">
+            <a:extLst>
+              <a:ext uri="{FF2B5EF4-FFF2-40B4-BE49-F238E27FC236}">
+                <a16:creationId xmlns:a16="http://schemas.microsoft.com/office/drawing/2014/main" id="{D162C75B-E079-4011-A089-37620B49EA06}"/>
+              </a:ext>
+            </a:extLst>
+          </p:cNvPr>
+          <p:cNvPicPr>
+            <a:picLocks noChangeAspect="1"/>
+          </p:cNvPicPr>
+          <p:nvPr/>
+        </p:nvPicPr>
+        <p:blipFill>
+          <a:blip r:embed="rId3"/>
+          <a:stretch>
+            <a:fillRect/>
+          </a:stretch>
+        </p:blipFill>
+        <p:spPr>
+          <a:xfrm>
+            <a:off x="1229221" y="2138630"/>
+            <a:ext cx="6685558" cy="4325949"/>
+          </a:xfrm>
+          <a:prstGeom prst="rect">
+            <a:avLst/>
+          </a:prstGeom>
+        </p:spPr>
+      </p:pic>
+    </p:spTree>
+    <p:extLst>
+      <p:ext uri="{BB962C8B-B14F-4D97-AF65-F5344CB8AC3E}">
+        <p14:creationId xmlns:p14="http://schemas.microsoft.com/office/powerpoint/2010/main" val="1120269935"/>
+      </p:ext>
+    </p:extLst>
+  </p:cSld>
+  <p:clrMapOvr>
+    <a:masterClrMapping/>
+  </p:clrMapOvr>
+</p:sld>
+</file>
+
+<file path=ppt/slides/slide35.xml><?xml version="1.0" encoding="utf-8"?>
+<p:sld xmlns:a="http://schemas.openxmlformats.org/drawingml/2006/main" xmlns:r="http://schemas.openxmlformats.org/officeDocument/2006/relationships" xmlns:p="http://schemas.openxmlformats.org/presentationml/2006/main">
+  <p:cSld>
+    <p:spTree>
+      <p:nvGrpSpPr>
+        <p:cNvPr id="1" name=""/>
+        <p:cNvGrpSpPr/>
+        <p:nvPr/>
+      </p:nvGrpSpPr>
+      <p:grpSpPr>
+        <a:xfrm>
+          <a:off x="0" y="0"/>
+          <a:ext cx="0" cy="0"/>
+          <a:chOff x="0" y="0"/>
+          <a:chExt cx="0" cy="0"/>
+        </a:xfrm>
+      </p:grpSpPr>
+      <p:sp>
+        <p:nvSpPr>
+          <p:cNvPr id="184324" name="Rectangle 4"/>
+          <p:cNvSpPr>
+            <a:spLocks noGrp="1" noChangeArrowheads="1"/>
+          </p:cNvSpPr>
+          <p:nvPr>
+            <p:ph type="title"/>
+          </p:nvPr>
+        </p:nvSpPr>
+        <p:spPr>
+          <a:xfrm>
+            <a:off x="289721" y="4056"/>
+            <a:ext cx="8363272" cy="1143000"/>
+          </a:xfrm>
+        </p:spPr>
+        <p:txBody>
+          <a:bodyPr>
+            <a:normAutofit/>
+          </a:bodyPr>
+          <a:lstStyle/>
+          <a:p>
+            <a:pPr eaLnBrk="1" hangingPunct="1">
+              <a:defRPr/>
+            </a:pPr>
+            <a:r>
+              <a:rPr lang="es-MX" b="1" dirty="0" err="1">
+                <a:solidFill>
+                  <a:schemeClr val="accent4">
+                    <a:lumMod val="50000"/>
+                  </a:schemeClr>
+                </a:solidFill>
+                <a:effectLst>
+                  <a:outerShdw blurRad="38100" dist="38100" dir="2700000" algn="tl">
+                    <a:srgbClr val="C0C0C0"/>
+                  </a:outerShdw>
+                </a:effectLst>
+                <a:latin typeface="Dom Casual" charset="0"/>
+              </a:rPr>
+              <a:t>Metacaracteres</a:t>
+            </a:r>
+            <a:endParaRPr lang="es-MX" b="1" dirty="0">
+              <a:solidFill>
+                <a:schemeClr val="accent4">
+                  <a:lumMod val="50000"/>
+                </a:schemeClr>
+              </a:solidFill>
+              <a:effectLst>
+                <a:outerShdw blurRad="38100" dist="38100" dir="2700000" algn="tl">
+                  <a:srgbClr val="C0C0C0"/>
+                </a:outerShdw>
+              </a:effectLst>
+              <a:latin typeface="Dom Casual" charset="0"/>
+            </a:endParaRPr>
+          </a:p>
+        </p:txBody>
+      </p:sp>
+      <p:sp>
+        <p:nvSpPr>
+          <p:cNvPr id="9" name="CuadroTexto 8">
+            <a:extLst>
+              <a:ext uri="{FF2B5EF4-FFF2-40B4-BE49-F238E27FC236}">
+                <a16:creationId xmlns:a16="http://schemas.microsoft.com/office/drawing/2014/main" id="{E1C784F4-BDDC-4D50-B8E9-68B91761F76A}"/>
+              </a:ext>
+            </a:extLst>
+          </p:cNvPr>
+          <p:cNvSpPr txBox="1"/>
+          <p:nvPr/>
+        </p:nvSpPr>
+        <p:spPr>
+          <a:xfrm>
+            <a:off x="683568" y="1537713"/>
+            <a:ext cx="7920880" cy="1429622"/>
+          </a:xfrm>
+          <a:prstGeom prst="rect">
+            <a:avLst/>
+          </a:prstGeom>
+          <a:noFill/>
+        </p:spPr>
+        <p:txBody>
+          <a:bodyPr wrap="square">
+            <a:spAutoFit/>
+          </a:bodyPr>
+          <a:lstStyle/>
+          <a:p>
+            <a:pPr marL="342900" indent="-342900" algn="just">
+              <a:lnSpc>
+                <a:spcPct val="150000"/>
+              </a:lnSpc>
+              <a:buFont typeface="Arial" panose="020B0604020202020204" pitchFamily="34" charset="0"/>
+              <a:buChar char="•"/>
+            </a:pPr>
+            <a:r>
+              <a:rPr lang="es-ES" sz="2000" i="0" dirty="0">
+                <a:solidFill>
+                  <a:schemeClr val="tx1">
+                    <a:lumMod val="95000"/>
+                    <a:lumOff val="5000"/>
+                  </a:schemeClr>
+                </a:solidFill>
+                <a:effectLst/>
+              </a:rPr>
+              <a:t>Si quiero </a:t>
+            </a:r>
+            <a:r>
+              <a:rPr lang="es-ES" sz="2000" dirty="0">
+                <a:solidFill>
+                  <a:schemeClr val="tx1">
+                    <a:lumMod val="95000"/>
+                    <a:lumOff val="5000"/>
+                  </a:schemeClr>
+                </a:solidFill>
+              </a:rPr>
+              <a:t>que una línea termine con </a:t>
+            </a:r>
+            <a:r>
+              <a:rPr lang="es-ES" sz="2000" i="0" dirty="0">
+                <a:solidFill>
+                  <a:schemeClr val="tx1">
+                    <a:lumMod val="95000"/>
+                    <a:lumOff val="5000"/>
+                  </a:schemeClr>
+                </a:solidFill>
+                <a:effectLst/>
+              </a:rPr>
+              <a:t>“Mundo.” </a:t>
+            </a:r>
+          </a:p>
+          <a:p>
+            <a:pPr marL="342900" indent="-342900" algn="just">
+              <a:lnSpc>
+                <a:spcPct val="150000"/>
+              </a:lnSpc>
+              <a:buFont typeface="Arial" panose="020B0604020202020204" pitchFamily="34" charset="0"/>
+              <a:buChar char="•"/>
+            </a:pPr>
+            <a:r>
+              <a:rPr lang="es-ES" sz="2000" dirty="0">
+                <a:solidFill>
+                  <a:schemeClr val="tx1">
+                    <a:lumMod val="95000"/>
+                    <a:lumOff val="5000"/>
+                  </a:schemeClr>
+                </a:solidFill>
+              </a:rPr>
+              <a:t>Agregar </a:t>
+            </a:r>
+            <a:r>
+              <a:rPr lang="es-ES" sz="2000" dirty="0" err="1">
+                <a:solidFill>
+                  <a:schemeClr val="tx1">
+                    <a:lumMod val="95000"/>
+                    <a:lumOff val="5000"/>
+                  </a:schemeClr>
+                </a:solidFill>
+              </a:rPr>
+              <a:t>flag</a:t>
+            </a:r>
+            <a:r>
+              <a:rPr lang="es-ES" sz="2000" dirty="0">
+                <a:solidFill>
+                  <a:schemeClr val="tx1">
+                    <a:lumMod val="95000"/>
+                    <a:lumOff val="5000"/>
+                  </a:schemeClr>
+                </a:solidFill>
+              </a:rPr>
+              <a:t> </a:t>
+            </a:r>
+            <a:r>
+              <a:rPr lang="es-ES" sz="2000" b="1" dirty="0" err="1">
+                <a:solidFill>
+                  <a:schemeClr val="tx1">
+                    <a:lumMod val="95000"/>
+                    <a:lumOff val="5000"/>
+                  </a:schemeClr>
+                </a:solidFill>
+              </a:rPr>
+              <a:t>re.M</a:t>
+            </a:r>
+            <a:r>
+              <a:rPr lang="es-ES" sz="2000" dirty="0">
+                <a:solidFill>
+                  <a:schemeClr val="tx1">
+                    <a:lumMod val="95000"/>
+                    <a:lumOff val="5000"/>
+                  </a:schemeClr>
+                </a:solidFill>
+              </a:rPr>
+              <a:t> para tomar texto multilínea. Que lea cada línea por separado.</a:t>
+            </a:r>
+          </a:p>
+        </p:txBody>
+      </p:sp>
+      <p:sp>
+        <p:nvSpPr>
+          <p:cNvPr id="7" name="CuadroTexto 6">
+            <a:extLst>
+              <a:ext uri="{FF2B5EF4-FFF2-40B4-BE49-F238E27FC236}">
+                <a16:creationId xmlns:a16="http://schemas.microsoft.com/office/drawing/2014/main" id="{0CD01309-A779-489D-9641-3C8825455B71}"/>
+              </a:ext>
+            </a:extLst>
+          </p:cNvPr>
+          <p:cNvSpPr txBox="1"/>
+          <p:nvPr/>
+        </p:nvSpPr>
+        <p:spPr>
+          <a:xfrm>
+            <a:off x="938682" y="962324"/>
+            <a:ext cx="7065349" cy="393698"/>
+          </a:xfrm>
+          <a:prstGeom prst="rect">
+            <a:avLst/>
+          </a:prstGeom>
+          <a:noFill/>
+        </p:spPr>
+        <p:txBody>
+          <a:bodyPr wrap="square">
+            <a:spAutoFit/>
+          </a:bodyPr>
+          <a:lstStyle/>
+          <a:p>
+            <a:pPr algn="ctr" fontAlgn="base">
+              <a:lnSpc>
+                <a:spcPts val="2500"/>
+              </a:lnSpc>
+              <a:spcAft>
+                <a:spcPts val="600"/>
+              </a:spcAft>
+            </a:pPr>
+            <a:r>
+              <a:rPr lang="es-ES" b="1" i="0" dirty="0">
+                <a:solidFill>
+                  <a:schemeClr val="accent6">
+                    <a:lumMod val="75000"/>
+                  </a:schemeClr>
+                </a:solidFill>
+                <a:effectLst/>
+                <a:latin typeface="inherit"/>
+              </a:rPr>
+              <a:t>( $ ) Coincide con el final de una cadena de caracteres</a:t>
+            </a:r>
+          </a:p>
+        </p:txBody>
+      </p:sp>
+      <p:pic>
+        <p:nvPicPr>
+          <p:cNvPr id="3" name="Imagen 2">
+            <a:extLst>
+              <a:ext uri="{FF2B5EF4-FFF2-40B4-BE49-F238E27FC236}">
+                <a16:creationId xmlns:a16="http://schemas.microsoft.com/office/drawing/2014/main" id="{9BF02BA4-7F59-41F5-A7CC-189B2F98F9A9}"/>
+              </a:ext>
+            </a:extLst>
+          </p:cNvPr>
+          <p:cNvPicPr>
+            <a:picLocks noChangeAspect="1"/>
+          </p:cNvPicPr>
+          <p:nvPr/>
+        </p:nvPicPr>
+        <p:blipFill>
+          <a:blip r:embed="rId3"/>
+          <a:stretch>
+            <a:fillRect/>
+          </a:stretch>
+        </p:blipFill>
+        <p:spPr>
+          <a:xfrm>
+            <a:off x="1577210" y="3212976"/>
+            <a:ext cx="5788292" cy="3096344"/>
+          </a:xfrm>
+          <a:prstGeom prst="rect">
+            <a:avLst/>
+          </a:prstGeom>
+        </p:spPr>
+      </p:pic>
+    </p:spTree>
+    <p:extLst>
+      <p:ext uri="{BB962C8B-B14F-4D97-AF65-F5344CB8AC3E}">
+        <p14:creationId xmlns:p14="http://schemas.microsoft.com/office/powerpoint/2010/main" val="3590655574"/>
+      </p:ext>
+    </p:extLst>
+  </p:cSld>
+  <p:clrMapOvr>
+    <a:masterClrMapping/>
+  </p:clrMapOvr>
+</p:sld>
+</file>
+
+<file path=ppt/slides/slide36.xml><?xml version="1.0" encoding="utf-8"?>
+<p:sld xmlns:a="http://schemas.openxmlformats.org/drawingml/2006/main" xmlns:r="http://schemas.openxmlformats.org/officeDocument/2006/relationships" xmlns:p="http://schemas.openxmlformats.org/presentationml/2006/main">
+  <p:cSld>
+    <p:spTree>
+      <p:nvGrpSpPr>
+        <p:cNvPr id="1" name=""/>
+        <p:cNvGrpSpPr/>
+        <p:nvPr/>
+      </p:nvGrpSpPr>
+      <p:grpSpPr>
+        <a:xfrm>
+          <a:off x="0" y="0"/>
+          <a:ext cx="0" cy="0"/>
+          <a:chOff x="0" y="0"/>
+          <a:chExt cx="0" cy="0"/>
+        </a:xfrm>
+      </p:grpSpPr>
+      <p:sp>
+        <p:nvSpPr>
+          <p:cNvPr id="184324" name="Rectangle 4"/>
+          <p:cNvSpPr>
+            <a:spLocks noGrp="1" noChangeArrowheads="1"/>
+          </p:cNvSpPr>
+          <p:nvPr>
+            <p:ph type="title"/>
+          </p:nvPr>
+        </p:nvSpPr>
+        <p:spPr>
+          <a:xfrm>
+            <a:off x="289721" y="4056"/>
+            <a:ext cx="8363272" cy="1143000"/>
+          </a:xfrm>
+        </p:spPr>
+        <p:txBody>
+          <a:bodyPr>
+            <a:normAutofit/>
+          </a:bodyPr>
+          <a:lstStyle/>
+          <a:p>
+            <a:pPr eaLnBrk="1" hangingPunct="1">
+              <a:defRPr/>
+            </a:pPr>
+            <a:r>
+              <a:rPr lang="es-MX" b="1" dirty="0" err="1">
+                <a:solidFill>
+                  <a:schemeClr val="accent4">
+                    <a:lumMod val="50000"/>
+                  </a:schemeClr>
+                </a:solidFill>
+                <a:effectLst>
+                  <a:outerShdw blurRad="38100" dist="38100" dir="2700000" algn="tl">
+                    <a:srgbClr val="C0C0C0"/>
+                  </a:outerShdw>
+                </a:effectLst>
+                <a:latin typeface="Dom Casual" charset="0"/>
+              </a:rPr>
+              <a:t>Metacaracteres</a:t>
+            </a:r>
+            <a:endParaRPr lang="es-MX" b="1" dirty="0">
+              <a:solidFill>
+                <a:schemeClr val="accent4">
+                  <a:lumMod val="50000"/>
+                </a:schemeClr>
+              </a:solidFill>
+              <a:effectLst>
+                <a:outerShdw blurRad="38100" dist="38100" dir="2700000" algn="tl">
+                  <a:srgbClr val="C0C0C0"/>
+                </a:outerShdw>
+              </a:effectLst>
+              <a:latin typeface="Dom Casual" charset="0"/>
+            </a:endParaRPr>
+          </a:p>
+        </p:txBody>
+      </p:sp>
+      <p:sp>
+        <p:nvSpPr>
           <p:cNvPr id="8" name="CuadroTexto 7">
             <a:extLst>
               <a:ext uri="{FF2B5EF4-FFF2-40B4-BE49-F238E27FC236}">
@@ -15554,7 +16086,7 @@
 </p:sld>
 </file>
 
-<file path=ppt/slides/slide34.xml><?xml version="1.0" encoding="utf-8"?>
+<file path=ppt/slides/slide37.xml><?xml version="1.0" encoding="utf-8"?>
 <p:sld xmlns:a="http://schemas.openxmlformats.org/drawingml/2006/main" xmlns:r="http://schemas.openxmlformats.org/officeDocument/2006/relationships" xmlns:p="http://schemas.openxmlformats.org/presentationml/2006/main">
   <p:cSld>
     <p:spTree>
@@ -16045,7 +16577,7 @@
 </p:sld>
 </file>
 
-<file path=ppt/slides/slide35.xml><?xml version="1.0" encoding="utf-8"?>
+<file path=ppt/slides/slide38.xml><?xml version="1.0" encoding="utf-8"?>
 <p:sld xmlns:a="http://schemas.openxmlformats.org/drawingml/2006/main" xmlns:r="http://schemas.openxmlformats.org/officeDocument/2006/relationships" xmlns:p="http://schemas.openxmlformats.org/presentationml/2006/main">
   <p:cSld>
     <p:spTree>
@@ -16396,1108 +16928,6 @@
     <p:extLst>
       <p:ext uri="{BB962C8B-B14F-4D97-AF65-F5344CB8AC3E}">
         <p14:creationId xmlns:p14="http://schemas.microsoft.com/office/powerpoint/2010/main" val="1433914172"/>
-      </p:ext>
-    </p:extLst>
-  </p:cSld>
-  <p:clrMapOvr>
-    <a:masterClrMapping/>
-  </p:clrMapOvr>
-</p:sld>
-</file>
-
-<file path=ppt/slides/slide36.xml><?xml version="1.0" encoding="utf-8"?>
-<p:sld xmlns:a="http://schemas.openxmlformats.org/drawingml/2006/main" xmlns:r="http://schemas.openxmlformats.org/officeDocument/2006/relationships" xmlns:p="http://schemas.openxmlformats.org/presentationml/2006/main">
-  <p:cSld>
-    <p:spTree>
-      <p:nvGrpSpPr>
-        <p:cNvPr id="1" name=""/>
-        <p:cNvGrpSpPr/>
-        <p:nvPr/>
-      </p:nvGrpSpPr>
-      <p:grpSpPr>
-        <a:xfrm>
-          <a:off x="0" y="0"/>
-          <a:ext cx="0" cy="0"/>
-          <a:chOff x="0" y="0"/>
-          <a:chExt cx="0" cy="0"/>
-        </a:xfrm>
-      </p:grpSpPr>
-      <p:sp>
-        <p:nvSpPr>
-          <p:cNvPr id="184324" name="Rectangle 4"/>
-          <p:cNvSpPr>
-            <a:spLocks noGrp="1" noChangeArrowheads="1"/>
-          </p:cNvSpPr>
-          <p:nvPr>
-            <p:ph type="title"/>
-          </p:nvPr>
-        </p:nvSpPr>
-        <p:spPr>
-          <a:xfrm>
-            <a:off x="289721" y="4056"/>
-            <a:ext cx="8363272" cy="1143000"/>
-          </a:xfrm>
-        </p:spPr>
-        <p:txBody>
-          <a:bodyPr>
-            <a:normAutofit/>
-          </a:bodyPr>
-          <a:lstStyle/>
-          <a:p>
-            <a:pPr eaLnBrk="1" hangingPunct="1">
-              <a:defRPr/>
-            </a:pPr>
-            <a:r>
-              <a:rPr lang="es-MX" b="1" dirty="0" err="1">
-                <a:solidFill>
-                  <a:schemeClr val="accent4">
-                    <a:lumMod val="50000"/>
-                  </a:schemeClr>
-                </a:solidFill>
-                <a:effectLst>
-                  <a:outerShdw blurRad="38100" dist="38100" dir="2700000" algn="tl">
-                    <a:srgbClr val="C0C0C0"/>
-                  </a:outerShdw>
-                </a:effectLst>
-                <a:latin typeface="Dom Casual" charset="0"/>
-              </a:rPr>
-              <a:t>Metacaracteres</a:t>
-            </a:r>
-            <a:endParaRPr lang="es-MX" b="1" dirty="0">
-              <a:solidFill>
-                <a:schemeClr val="accent4">
-                  <a:lumMod val="50000"/>
-                </a:schemeClr>
-              </a:solidFill>
-              <a:effectLst>
-                <a:outerShdw blurRad="38100" dist="38100" dir="2700000" algn="tl">
-                  <a:srgbClr val="C0C0C0"/>
-                </a:outerShdw>
-              </a:effectLst>
-              <a:latin typeface="Dom Casual" charset="0"/>
-            </a:endParaRPr>
-          </a:p>
-        </p:txBody>
-      </p:sp>
-      <p:sp>
-        <p:nvSpPr>
-          <p:cNvPr id="8" name="CuadroTexto 7">
-            <a:extLst>
-              <a:ext uri="{FF2B5EF4-FFF2-40B4-BE49-F238E27FC236}">
-                <a16:creationId xmlns:a16="http://schemas.microsoft.com/office/drawing/2014/main" id="{C54CFFB0-D6E7-4679-A6E8-7F8B2E54D6C1}"/>
-              </a:ext>
-            </a:extLst>
-          </p:cNvPr>
-          <p:cNvSpPr txBox="1"/>
-          <p:nvPr/>
-        </p:nvSpPr>
-        <p:spPr>
-          <a:xfrm>
-            <a:off x="2286845" y="950207"/>
-            <a:ext cx="4229372" cy="714298"/>
-          </a:xfrm>
-          <a:prstGeom prst="rect">
-            <a:avLst/>
-          </a:prstGeom>
-          <a:noFill/>
-        </p:spPr>
-        <p:txBody>
-          <a:bodyPr wrap="square">
-            <a:spAutoFit/>
-          </a:bodyPr>
-          <a:lstStyle/>
-          <a:p>
-            <a:pPr algn="ctr" fontAlgn="base">
-              <a:lnSpc>
-                <a:spcPts val="2500"/>
-              </a:lnSpc>
-              <a:spcAft>
-                <a:spcPts val="600"/>
-              </a:spcAft>
-            </a:pPr>
-            <a:r>
-              <a:rPr lang="es-ES" b="1" i="0" dirty="0">
-                <a:solidFill>
-                  <a:schemeClr val="accent6">
-                    <a:lumMod val="75000"/>
-                  </a:schemeClr>
-                </a:solidFill>
-                <a:effectLst/>
-                <a:latin typeface="inherit"/>
-              </a:rPr>
-              <a:t> + Definen </a:t>
-            </a:r>
-            <a:r>
-              <a:rPr lang="es-ES" b="1" dirty="0">
-                <a:solidFill>
-                  <a:schemeClr val="accent6">
-                    <a:lumMod val="75000"/>
-                  </a:schemeClr>
-                </a:solidFill>
-                <a:latin typeface="inherit"/>
-              </a:rPr>
-              <a:t>el número de </a:t>
-            </a:r>
-            <a:r>
-              <a:rPr lang="es-ES" b="1" i="0" dirty="0">
-                <a:solidFill>
-                  <a:schemeClr val="accent6">
-                    <a:lumMod val="75000"/>
-                  </a:schemeClr>
-                </a:solidFill>
-                <a:effectLst/>
-                <a:latin typeface="inherit"/>
-              </a:rPr>
-              <a:t>repeticiones de la expresión regular precedente</a:t>
-            </a:r>
-          </a:p>
-        </p:txBody>
-      </p:sp>
-      <p:sp>
-        <p:nvSpPr>
-          <p:cNvPr id="9" name="CuadroTexto 8">
-            <a:extLst>
-              <a:ext uri="{FF2B5EF4-FFF2-40B4-BE49-F238E27FC236}">
-                <a16:creationId xmlns:a16="http://schemas.microsoft.com/office/drawing/2014/main" id="{3C2E1319-C186-4202-8393-814D31E5493C}"/>
-              </a:ext>
-            </a:extLst>
-          </p:cNvPr>
-          <p:cNvSpPr txBox="1"/>
-          <p:nvPr/>
-        </p:nvSpPr>
-        <p:spPr>
-          <a:xfrm>
-            <a:off x="611560" y="1583476"/>
-            <a:ext cx="7920880" cy="506292"/>
-          </a:xfrm>
-          <a:prstGeom prst="rect">
-            <a:avLst/>
-          </a:prstGeom>
-          <a:noFill/>
-        </p:spPr>
-        <p:txBody>
-          <a:bodyPr wrap="square">
-            <a:spAutoFit/>
-          </a:bodyPr>
-          <a:lstStyle/>
-          <a:p>
-            <a:pPr algn="l">
-              <a:lnSpc>
-                <a:spcPct val="150000"/>
-              </a:lnSpc>
-            </a:pPr>
-            <a:r>
-              <a:rPr lang="es-ES" sz="2000" b="1" i="0" dirty="0">
-                <a:solidFill>
-                  <a:schemeClr val="tx1">
-                    <a:lumMod val="95000"/>
-                    <a:lumOff val="5000"/>
-                  </a:schemeClr>
-                </a:solidFill>
-                <a:effectLst/>
-              </a:rPr>
-              <a:t>Ejemplo 2:</a:t>
-            </a:r>
-            <a:endParaRPr lang="es-ES" sz="2000" b="1" dirty="0">
-              <a:solidFill>
-                <a:schemeClr val="tx1">
-                  <a:lumMod val="95000"/>
-                  <a:lumOff val="5000"/>
-                </a:schemeClr>
-              </a:solidFill>
-            </a:endParaRPr>
-          </a:p>
-        </p:txBody>
-      </p:sp>
-      <p:sp>
-        <p:nvSpPr>
-          <p:cNvPr id="10" name="Abrir llave 9">
-            <a:extLst>
-              <a:ext uri="{FF2B5EF4-FFF2-40B4-BE49-F238E27FC236}">
-                <a16:creationId xmlns:a16="http://schemas.microsoft.com/office/drawing/2014/main" id="{F795473D-90D4-4794-8F57-1F88444BF981}"/>
-              </a:ext>
-            </a:extLst>
-          </p:cNvPr>
-          <p:cNvSpPr/>
-          <p:nvPr/>
-        </p:nvSpPr>
-        <p:spPr>
-          <a:xfrm rot="16200000">
-            <a:off x="7328241" y="5006428"/>
-            <a:ext cx="242932" cy="293259"/>
-          </a:xfrm>
-          <a:prstGeom prst="leftBrace">
-            <a:avLst/>
-          </a:prstGeom>
-        </p:spPr>
-        <p:style>
-          <a:lnRef idx="1">
-            <a:schemeClr val="accent1"/>
-          </a:lnRef>
-          <a:fillRef idx="0">
-            <a:schemeClr val="accent1"/>
-          </a:fillRef>
-          <a:effectRef idx="0">
-            <a:schemeClr val="accent1"/>
-          </a:effectRef>
-          <a:fontRef idx="minor">
-            <a:schemeClr val="tx1"/>
-          </a:fontRef>
-        </p:style>
-        <p:txBody>
-          <a:bodyPr rtlCol="0" anchor="ctr"/>
-          <a:lstStyle/>
-          <a:p>
-            <a:pPr algn="ctr"/>
-            <a:endParaRPr lang="es-MX"/>
-          </a:p>
-        </p:txBody>
-      </p:sp>
-      <p:sp>
-        <p:nvSpPr>
-          <p:cNvPr id="12" name="CuadroTexto 11">
-            <a:extLst>
-              <a:ext uri="{FF2B5EF4-FFF2-40B4-BE49-F238E27FC236}">
-                <a16:creationId xmlns:a16="http://schemas.microsoft.com/office/drawing/2014/main" id="{85E1941A-2DA6-443A-9843-A084D86AC459}"/>
-              </a:ext>
-            </a:extLst>
-          </p:cNvPr>
-          <p:cNvSpPr txBox="1"/>
-          <p:nvPr/>
-        </p:nvSpPr>
-        <p:spPr>
-          <a:xfrm>
-            <a:off x="611560" y="2089768"/>
-            <a:ext cx="8041433" cy="707501"/>
-          </a:xfrm>
-          <a:prstGeom prst="rect">
-            <a:avLst/>
-          </a:prstGeom>
-          <a:noFill/>
-        </p:spPr>
-        <p:txBody>
-          <a:bodyPr wrap="square">
-            <a:spAutoFit/>
-          </a:bodyPr>
-          <a:lstStyle/>
-          <a:p>
-            <a:pPr algn="just">
-              <a:lnSpc>
-                <a:spcPts val="2500"/>
-              </a:lnSpc>
-            </a:pPr>
-            <a:r>
-              <a:rPr lang="es-ES" sz="1600" b="0" i="0" dirty="0">
-                <a:solidFill>
-                  <a:srgbClr val="333333"/>
-                </a:solidFill>
-                <a:effectLst/>
-              </a:rPr>
-              <a:t>Una palabra que tenga cualquier tipo de caracteres repetido una o más veces y que luego le siga un </a:t>
-            </a:r>
-            <a:r>
-              <a:rPr lang="es-ES" sz="1600" b="1" i="0" dirty="0" err="1">
-                <a:solidFill>
-                  <a:srgbClr val="333333"/>
-                </a:solidFill>
-                <a:effectLst/>
-              </a:rPr>
-              <a:t>er</a:t>
-            </a:r>
-            <a:r>
-              <a:rPr lang="es-ES" sz="1600" b="0" i="0" dirty="0">
-                <a:solidFill>
-                  <a:srgbClr val="333333"/>
-                </a:solidFill>
-                <a:effectLst/>
-              </a:rPr>
-              <a:t>.</a:t>
-            </a:r>
-            <a:endParaRPr lang="es-ES" sz="1600" b="0" i="0" dirty="0">
-              <a:solidFill>
-                <a:srgbClr val="AAAAAA"/>
-              </a:solidFill>
-              <a:effectLst/>
-            </a:endParaRPr>
-          </a:p>
-        </p:txBody>
-      </p:sp>
-      <p:pic>
-        <p:nvPicPr>
-          <p:cNvPr id="6" name="Imagen 5">
-            <a:extLst>
-              <a:ext uri="{FF2B5EF4-FFF2-40B4-BE49-F238E27FC236}">
-                <a16:creationId xmlns:a16="http://schemas.microsoft.com/office/drawing/2014/main" id="{2EFDE507-6CDB-4252-9C26-27D007FDAAFE}"/>
-              </a:ext>
-            </a:extLst>
-          </p:cNvPr>
-          <p:cNvPicPr>
-            <a:picLocks noChangeAspect="1"/>
-          </p:cNvPicPr>
-          <p:nvPr/>
-        </p:nvPicPr>
-        <p:blipFill>
-          <a:blip r:embed="rId3"/>
-          <a:stretch>
-            <a:fillRect/>
-          </a:stretch>
-        </p:blipFill>
-        <p:spPr>
-          <a:xfrm>
-            <a:off x="646620" y="2924944"/>
-            <a:ext cx="7038975" cy="3686175"/>
-          </a:xfrm>
-          <a:prstGeom prst="rect">
-            <a:avLst/>
-          </a:prstGeom>
-        </p:spPr>
-      </p:pic>
-    </p:spTree>
-    <p:extLst>
-      <p:ext uri="{BB962C8B-B14F-4D97-AF65-F5344CB8AC3E}">
-        <p14:creationId xmlns:p14="http://schemas.microsoft.com/office/powerpoint/2010/main" val="199591875"/>
-      </p:ext>
-    </p:extLst>
-  </p:cSld>
-  <p:clrMapOvr>
-    <a:masterClrMapping/>
-  </p:clrMapOvr>
-</p:sld>
-</file>
-
-<file path=ppt/slides/slide37.xml><?xml version="1.0" encoding="utf-8"?>
-<p:sld xmlns:a="http://schemas.openxmlformats.org/drawingml/2006/main" xmlns:r="http://schemas.openxmlformats.org/officeDocument/2006/relationships" xmlns:p="http://schemas.openxmlformats.org/presentationml/2006/main">
-  <p:cSld>
-    <p:spTree>
-      <p:nvGrpSpPr>
-        <p:cNvPr id="1" name=""/>
-        <p:cNvGrpSpPr/>
-        <p:nvPr/>
-      </p:nvGrpSpPr>
-      <p:grpSpPr>
-        <a:xfrm>
-          <a:off x="0" y="0"/>
-          <a:ext cx="0" cy="0"/>
-          <a:chOff x="0" y="0"/>
-          <a:chExt cx="0" cy="0"/>
-        </a:xfrm>
-      </p:grpSpPr>
-      <p:sp>
-        <p:nvSpPr>
-          <p:cNvPr id="184324" name="Rectangle 4"/>
-          <p:cNvSpPr>
-            <a:spLocks noGrp="1" noChangeArrowheads="1"/>
-          </p:cNvSpPr>
-          <p:nvPr>
-            <p:ph type="title"/>
-          </p:nvPr>
-        </p:nvSpPr>
-        <p:spPr>
-          <a:xfrm>
-            <a:off x="289721" y="4056"/>
-            <a:ext cx="8363272" cy="1143000"/>
-          </a:xfrm>
-        </p:spPr>
-        <p:txBody>
-          <a:bodyPr>
-            <a:normAutofit/>
-          </a:bodyPr>
-          <a:lstStyle/>
-          <a:p>
-            <a:pPr eaLnBrk="1" hangingPunct="1">
-              <a:defRPr/>
-            </a:pPr>
-            <a:r>
-              <a:rPr lang="es-MX" b="1" dirty="0" err="1">
-                <a:solidFill>
-                  <a:schemeClr val="accent4">
-                    <a:lumMod val="50000"/>
-                  </a:schemeClr>
-                </a:solidFill>
-                <a:effectLst>
-                  <a:outerShdw blurRad="38100" dist="38100" dir="2700000" algn="tl">
-                    <a:srgbClr val="C0C0C0"/>
-                  </a:outerShdw>
-                </a:effectLst>
-                <a:latin typeface="Dom Casual" charset="0"/>
-              </a:rPr>
-              <a:t>Metacaracteres</a:t>
-            </a:r>
-            <a:endParaRPr lang="es-MX" b="1" dirty="0">
-              <a:solidFill>
-                <a:schemeClr val="accent4">
-                  <a:lumMod val="50000"/>
-                </a:schemeClr>
-              </a:solidFill>
-              <a:effectLst>
-                <a:outerShdw blurRad="38100" dist="38100" dir="2700000" algn="tl">
-                  <a:srgbClr val="C0C0C0"/>
-                </a:outerShdw>
-              </a:effectLst>
-              <a:latin typeface="Dom Casual" charset="0"/>
-            </a:endParaRPr>
-          </a:p>
-        </p:txBody>
-      </p:sp>
-      <p:sp>
-        <p:nvSpPr>
-          <p:cNvPr id="8" name="CuadroTexto 7">
-            <a:extLst>
-              <a:ext uri="{FF2B5EF4-FFF2-40B4-BE49-F238E27FC236}">
-                <a16:creationId xmlns:a16="http://schemas.microsoft.com/office/drawing/2014/main" id="{C54CFFB0-D6E7-4679-A6E8-7F8B2E54D6C1}"/>
-              </a:ext>
-            </a:extLst>
-          </p:cNvPr>
-          <p:cNvSpPr txBox="1"/>
-          <p:nvPr/>
-        </p:nvSpPr>
-        <p:spPr>
-          <a:xfrm>
-            <a:off x="2286845" y="950207"/>
-            <a:ext cx="4229372" cy="714298"/>
-          </a:xfrm>
-          <a:prstGeom prst="rect">
-            <a:avLst/>
-          </a:prstGeom>
-          <a:noFill/>
-        </p:spPr>
-        <p:txBody>
-          <a:bodyPr wrap="square">
-            <a:spAutoFit/>
-          </a:bodyPr>
-          <a:lstStyle/>
-          <a:p>
-            <a:pPr algn="ctr" fontAlgn="base">
-              <a:lnSpc>
-                <a:spcPts val="2500"/>
-              </a:lnSpc>
-              <a:spcAft>
-                <a:spcPts val="600"/>
-              </a:spcAft>
-            </a:pPr>
-            <a:r>
-              <a:rPr lang="es-ES" b="1" dirty="0">
-                <a:solidFill>
-                  <a:schemeClr val="accent6">
-                    <a:lumMod val="75000"/>
-                  </a:schemeClr>
-                </a:solidFill>
-                <a:latin typeface="inherit"/>
-              </a:rPr>
-              <a:t> </a:t>
-            </a:r>
-            <a:r>
-              <a:rPr lang="es-ES" b="1" i="0" dirty="0">
-                <a:solidFill>
-                  <a:schemeClr val="accent6">
-                    <a:lumMod val="75000"/>
-                  </a:schemeClr>
-                </a:solidFill>
-                <a:effectLst/>
-                <a:latin typeface="inherit"/>
-              </a:rPr>
-              <a:t>+ Definen </a:t>
-            </a:r>
-            <a:r>
-              <a:rPr lang="es-ES" b="1" dirty="0">
-                <a:solidFill>
-                  <a:schemeClr val="accent6">
-                    <a:lumMod val="75000"/>
-                  </a:schemeClr>
-                </a:solidFill>
-                <a:latin typeface="inherit"/>
-              </a:rPr>
-              <a:t>el número de </a:t>
-            </a:r>
-            <a:r>
-              <a:rPr lang="es-ES" b="1" i="0" dirty="0">
-                <a:solidFill>
-                  <a:schemeClr val="accent6">
-                    <a:lumMod val="75000"/>
-                  </a:schemeClr>
-                </a:solidFill>
-                <a:effectLst/>
-                <a:latin typeface="inherit"/>
-              </a:rPr>
-              <a:t>repeticiones de la expresión regular precedente</a:t>
-            </a:r>
-          </a:p>
-        </p:txBody>
-      </p:sp>
-      <p:sp>
-        <p:nvSpPr>
-          <p:cNvPr id="9" name="CuadroTexto 8">
-            <a:extLst>
-              <a:ext uri="{FF2B5EF4-FFF2-40B4-BE49-F238E27FC236}">
-                <a16:creationId xmlns:a16="http://schemas.microsoft.com/office/drawing/2014/main" id="{3C2E1319-C186-4202-8393-814D31E5493C}"/>
-              </a:ext>
-            </a:extLst>
-          </p:cNvPr>
-          <p:cNvSpPr txBox="1"/>
-          <p:nvPr/>
-        </p:nvSpPr>
-        <p:spPr>
-          <a:xfrm>
-            <a:off x="611560" y="1583476"/>
-            <a:ext cx="7920880" cy="506292"/>
-          </a:xfrm>
-          <a:prstGeom prst="rect">
-            <a:avLst/>
-          </a:prstGeom>
-          <a:noFill/>
-        </p:spPr>
-        <p:txBody>
-          <a:bodyPr wrap="square">
-            <a:spAutoFit/>
-          </a:bodyPr>
-          <a:lstStyle/>
-          <a:p>
-            <a:pPr algn="l">
-              <a:lnSpc>
-                <a:spcPct val="150000"/>
-              </a:lnSpc>
-            </a:pPr>
-            <a:r>
-              <a:rPr lang="es-ES" sz="2000" b="1" i="0" dirty="0">
-                <a:solidFill>
-                  <a:schemeClr val="tx1">
-                    <a:lumMod val="95000"/>
-                    <a:lumOff val="5000"/>
-                  </a:schemeClr>
-                </a:solidFill>
-                <a:effectLst/>
-              </a:rPr>
-              <a:t>Ejemplo 3:</a:t>
-            </a:r>
-            <a:endParaRPr lang="es-ES" sz="2000" b="1" dirty="0">
-              <a:solidFill>
-                <a:schemeClr val="tx1">
-                  <a:lumMod val="95000"/>
-                  <a:lumOff val="5000"/>
-                </a:schemeClr>
-              </a:solidFill>
-            </a:endParaRPr>
-          </a:p>
-        </p:txBody>
-      </p:sp>
-      <p:sp>
-        <p:nvSpPr>
-          <p:cNvPr id="10" name="Abrir llave 9">
-            <a:extLst>
-              <a:ext uri="{FF2B5EF4-FFF2-40B4-BE49-F238E27FC236}">
-                <a16:creationId xmlns:a16="http://schemas.microsoft.com/office/drawing/2014/main" id="{F795473D-90D4-4794-8F57-1F88444BF981}"/>
-              </a:ext>
-            </a:extLst>
-          </p:cNvPr>
-          <p:cNvSpPr/>
-          <p:nvPr/>
-        </p:nvSpPr>
-        <p:spPr>
-          <a:xfrm rot="16200000">
-            <a:off x="7328241" y="5006428"/>
-            <a:ext cx="242932" cy="293259"/>
-          </a:xfrm>
-          <a:prstGeom prst="leftBrace">
-            <a:avLst/>
-          </a:prstGeom>
-        </p:spPr>
-        <p:style>
-          <a:lnRef idx="1">
-            <a:schemeClr val="accent1"/>
-          </a:lnRef>
-          <a:fillRef idx="0">
-            <a:schemeClr val="accent1"/>
-          </a:fillRef>
-          <a:effectRef idx="0">
-            <a:schemeClr val="accent1"/>
-          </a:effectRef>
-          <a:fontRef idx="minor">
-            <a:schemeClr val="tx1"/>
-          </a:fontRef>
-        </p:style>
-        <p:txBody>
-          <a:bodyPr rtlCol="0" anchor="ctr"/>
-          <a:lstStyle/>
-          <a:p>
-            <a:pPr algn="ctr"/>
-            <a:endParaRPr lang="es-MX"/>
-          </a:p>
-        </p:txBody>
-      </p:sp>
-      <p:sp>
-        <p:nvSpPr>
-          <p:cNvPr id="12" name="CuadroTexto 11">
-            <a:extLst>
-              <a:ext uri="{FF2B5EF4-FFF2-40B4-BE49-F238E27FC236}">
-                <a16:creationId xmlns:a16="http://schemas.microsoft.com/office/drawing/2014/main" id="{85E1941A-2DA6-443A-9843-A084D86AC459}"/>
-              </a:ext>
-            </a:extLst>
-          </p:cNvPr>
-          <p:cNvSpPr txBox="1"/>
-          <p:nvPr/>
-        </p:nvSpPr>
-        <p:spPr>
-          <a:xfrm>
-            <a:off x="611560" y="2089768"/>
-            <a:ext cx="8041433" cy="707501"/>
-          </a:xfrm>
-          <a:prstGeom prst="rect">
-            <a:avLst/>
-          </a:prstGeom>
-          <a:noFill/>
-        </p:spPr>
-        <p:txBody>
-          <a:bodyPr wrap="square">
-            <a:spAutoFit/>
-          </a:bodyPr>
-          <a:lstStyle/>
-          <a:p>
-            <a:pPr algn="just">
-              <a:lnSpc>
-                <a:spcPts val="2500"/>
-              </a:lnSpc>
-            </a:pPr>
-            <a:r>
-              <a:rPr lang="es-ES" sz="1600" b="0" i="0" dirty="0">
-                <a:solidFill>
-                  <a:srgbClr val="333333"/>
-                </a:solidFill>
-                <a:effectLst/>
-              </a:rPr>
-              <a:t>Palabras que tengan caracteres de la ‘a’ a la ‘z’ repetidos una o más veces y que luego le siga un </a:t>
-            </a:r>
-            <a:r>
-              <a:rPr lang="es-ES" sz="1600" b="1" i="0" dirty="0" err="1">
-                <a:solidFill>
-                  <a:srgbClr val="333333"/>
-                </a:solidFill>
-                <a:effectLst/>
-              </a:rPr>
-              <a:t>er</a:t>
-            </a:r>
-            <a:r>
-              <a:rPr lang="es-ES" sz="1600" b="0" i="0" dirty="0">
-                <a:solidFill>
-                  <a:srgbClr val="333333"/>
-                </a:solidFill>
-                <a:effectLst/>
-              </a:rPr>
-              <a:t>.</a:t>
-            </a:r>
-            <a:endParaRPr lang="es-ES" sz="1600" b="0" i="0" dirty="0">
-              <a:solidFill>
-                <a:srgbClr val="AAAAAA"/>
-              </a:solidFill>
-              <a:effectLst/>
-            </a:endParaRPr>
-          </a:p>
-        </p:txBody>
-      </p:sp>
-      <p:pic>
-        <p:nvPicPr>
-          <p:cNvPr id="3" name="Imagen 2">
-            <a:extLst>
-              <a:ext uri="{FF2B5EF4-FFF2-40B4-BE49-F238E27FC236}">
-                <a16:creationId xmlns:a16="http://schemas.microsoft.com/office/drawing/2014/main" id="{367D6562-FC96-4812-A5D3-7044AF6375BE}"/>
-              </a:ext>
-            </a:extLst>
-          </p:cNvPr>
-          <p:cNvPicPr>
-            <a:picLocks noChangeAspect="1"/>
-          </p:cNvPicPr>
-          <p:nvPr/>
-        </p:nvPicPr>
-        <p:blipFill>
-          <a:blip r:embed="rId3"/>
-          <a:stretch>
-            <a:fillRect/>
-          </a:stretch>
-        </p:blipFill>
-        <p:spPr>
-          <a:xfrm>
-            <a:off x="643406" y="3026676"/>
-            <a:ext cx="8601075" cy="2828925"/>
-          </a:xfrm>
-          <a:prstGeom prst="rect">
-            <a:avLst/>
-          </a:prstGeom>
-        </p:spPr>
-      </p:pic>
-    </p:spTree>
-    <p:extLst>
-      <p:ext uri="{BB962C8B-B14F-4D97-AF65-F5344CB8AC3E}">
-        <p14:creationId xmlns:p14="http://schemas.microsoft.com/office/powerpoint/2010/main" val="929584033"/>
-      </p:ext>
-    </p:extLst>
-  </p:cSld>
-  <p:clrMapOvr>
-    <a:masterClrMapping/>
-  </p:clrMapOvr>
-</p:sld>
-</file>
-
-<file path=ppt/slides/slide38.xml><?xml version="1.0" encoding="utf-8"?>
-<p:sld xmlns:a="http://schemas.openxmlformats.org/drawingml/2006/main" xmlns:r="http://schemas.openxmlformats.org/officeDocument/2006/relationships" xmlns:p="http://schemas.openxmlformats.org/presentationml/2006/main">
-  <p:cSld>
-    <p:spTree>
-      <p:nvGrpSpPr>
-        <p:cNvPr id="1" name=""/>
-        <p:cNvGrpSpPr/>
-        <p:nvPr/>
-      </p:nvGrpSpPr>
-      <p:grpSpPr>
-        <a:xfrm>
-          <a:off x="0" y="0"/>
-          <a:ext cx="0" cy="0"/>
-          <a:chOff x="0" y="0"/>
-          <a:chExt cx="0" cy="0"/>
-        </a:xfrm>
-      </p:grpSpPr>
-      <p:sp>
-        <p:nvSpPr>
-          <p:cNvPr id="184324" name="Rectangle 4"/>
-          <p:cNvSpPr>
-            <a:spLocks noGrp="1" noChangeArrowheads="1"/>
-          </p:cNvSpPr>
-          <p:nvPr>
-            <p:ph type="title"/>
-          </p:nvPr>
-        </p:nvSpPr>
-        <p:spPr>
-          <a:xfrm>
-            <a:off x="289721" y="4056"/>
-            <a:ext cx="8363272" cy="1143000"/>
-          </a:xfrm>
-        </p:spPr>
-        <p:txBody>
-          <a:bodyPr>
-            <a:normAutofit/>
-          </a:bodyPr>
-          <a:lstStyle/>
-          <a:p>
-            <a:pPr eaLnBrk="1" hangingPunct="1">
-              <a:defRPr/>
-            </a:pPr>
-            <a:r>
-              <a:rPr lang="es-MX" b="1" dirty="0" err="1">
-                <a:solidFill>
-                  <a:schemeClr val="accent4">
-                    <a:lumMod val="50000"/>
-                  </a:schemeClr>
-                </a:solidFill>
-                <a:effectLst>
-                  <a:outerShdw blurRad="38100" dist="38100" dir="2700000" algn="tl">
-                    <a:srgbClr val="C0C0C0"/>
-                  </a:outerShdw>
-                </a:effectLst>
-                <a:latin typeface="Dom Casual" charset="0"/>
-              </a:rPr>
-              <a:t>Metacaracteres</a:t>
-            </a:r>
-            <a:endParaRPr lang="es-MX" b="1" dirty="0">
-              <a:solidFill>
-                <a:schemeClr val="accent4">
-                  <a:lumMod val="50000"/>
-                </a:schemeClr>
-              </a:solidFill>
-              <a:effectLst>
-                <a:outerShdw blurRad="38100" dist="38100" dir="2700000" algn="tl">
-                  <a:srgbClr val="C0C0C0"/>
-                </a:outerShdw>
-              </a:effectLst>
-              <a:latin typeface="Dom Casual" charset="0"/>
-            </a:endParaRPr>
-          </a:p>
-        </p:txBody>
-      </p:sp>
-      <p:sp>
-        <p:nvSpPr>
-          <p:cNvPr id="8" name="CuadroTexto 7">
-            <a:extLst>
-              <a:ext uri="{FF2B5EF4-FFF2-40B4-BE49-F238E27FC236}">
-                <a16:creationId xmlns:a16="http://schemas.microsoft.com/office/drawing/2014/main" id="{C54CFFB0-D6E7-4679-A6E8-7F8B2E54D6C1}"/>
-              </a:ext>
-            </a:extLst>
-          </p:cNvPr>
-          <p:cNvSpPr txBox="1"/>
-          <p:nvPr/>
-        </p:nvSpPr>
-        <p:spPr>
-          <a:xfrm>
-            <a:off x="2051720" y="950207"/>
-            <a:ext cx="4680520" cy="714298"/>
-          </a:xfrm>
-          <a:prstGeom prst="rect">
-            <a:avLst/>
-          </a:prstGeom>
-          <a:noFill/>
-        </p:spPr>
-        <p:txBody>
-          <a:bodyPr wrap="square">
-            <a:spAutoFit/>
-          </a:bodyPr>
-          <a:lstStyle/>
-          <a:p>
-            <a:pPr algn="ctr" fontAlgn="base">
-              <a:lnSpc>
-                <a:spcPts val="2500"/>
-              </a:lnSpc>
-              <a:spcAft>
-                <a:spcPts val="600"/>
-              </a:spcAft>
-            </a:pPr>
-            <a:r>
-              <a:rPr lang="es-ES" b="1" dirty="0">
-                <a:solidFill>
-                  <a:schemeClr val="accent6">
-                    <a:lumMod val="75000"/>
-                  </a:schemeClr>
-                </a:solidFill>
-                <a:latin typeface="inherit"/>
-              </a:rPr>
-              <a:t> </a:t>
-            </a:r>
-            <a:r>
-              <a:rPr lang="es-ES" b="1" i="0" dirty="0">
-                <a:solidFill>
-                  <a:schemeClr val="accent6">
-                    <a:lumMod val="75000"/>
-                  </a:schemeClr>
-                </a:solidFill>
-                <a:effectLst/>
-                <a:latin typeface="inherit"/>
-              </a:rPr>
-              <a:t>{} Definen </a:t>
-            </a:r>
-            <a:r>
-              <a:rPr lang="es-ES" b="1" dirty="0">
-                <a:solidFill>
-                  <a:schemeClr val="accent6">
-                    <a:lumMod val="75000"/>
-                  </a:schemeClr>
-                </a:solidFill>
-                <a:latin typeface="inherit"/>
-              </a:rPr>
-              <a:t>el número exacto de </a:t>
-            </a:r>
-            <a:r>
-              <a:rPr lang="es-ES" b="1" i="0" dirty="0">
-                <a:solidFill>
-                  <a:schemeClr val="accent6">
-                    <a:lumMod val="75000"/>
-                  </a:schemeClr>
-                </a:solidFill>
-                <a:effectLst/>
-                <a:latin typeface="inherit"/>
-              </a:rPr>
-              <a:t>repeticiones de la expresión regular precedente</a:t>
-            </a:r>
-          </a:p>
-        </p:txBody>
-      </p:sp>
-      <p:sp>
-        <p:nvSpPr>
-          <p:cNvPr id="9" name="CuadroTexto 8">
-            <a:extLst>
-              <a:ext uri="{FF2B5EF4-FFF2-40B4-BE49-F238E27FC236}">
-                <a16:creationId xmlns:a16="http://schemas.microsoft.com/office/drawing/2014/main" id="{3C2E1319-C186-4202-8393-814D31E5493C}"/>
-              </a:ext>
-            </a:extLst>
-          </p:cNvPr>
-          <p:cNvSpPr txBox="1"/>
-          <p:nvPr/>
-        </p:nvSpPr>
-        <p:spPr>
-          <a:xfrm>
-            <a:off x="611560" y="1583476"/>
-            <a:ext cx="7920880" cy="506292"/>
-          </a:xfrm>
-          <a:prstGeom prst="rect">
-            <a:avLst/>
-          </a:prstGeom>
-          <a:noFill/>
-        </p:spPr>
-        <p:txBody>
-          <a:bodyPr wrap="square">
-            <a:spAutoFit/>
-          </a:bodyPr>
-          <a:lstStyle/>
-          <a:p>
-            <a:pPr algn="l">
-              <a:lnSpc>
-                <a:spcPct val="150000"/>
-              </a:lnSpc>
-            </a:pPr>
-            <a:r>
-              <a:rPr lang="es-ES" sz="2000" b="1" i="0" dirty="0">
-                <a:solidFill>
-                  <a:schemeClr val="tx1">
-                    <a:lumMod val="95000"/>
-                    <a:lumOff val="5000"/>
-                  </a:schemeClr>
-                </a:solidFill>
-                <a:effectLst/>
-              </a:rPr>
-              <a:t>Ejemplo 4:</a:t>
-            </a:r>
-            <a:endParaRPr lang="es-ES" sz="2000" b="1" dirty="0">
-              <a:solidFill>
-                <a:schemeClr val="tx1">
-                  <a:lumMod val="95000"/>
-                  <a:lumOff val="5000"/>
-                </a:schemeClr>
-              </a:solidFill>
-            </a:endParaRPr>
-          </a:p>
-        </p:txBody>
-      </p:sp>
-      <p:sp>
-        <p:nvSpPr>
-          <p:cNvPr id="10" name="Abrir llave 9">
-            <a:extLst>
-              <a:ext uri="{FF2B5EF4-FFF2-40B4-BE49-F238E27FC236}">
-                <a16:creationId xmlns:a16="http://schemas.microsoft.com/office/drawing/2014/main" id="{F795473D-90D4-4794-8F57-1F88444BF981}"/>
-              </a:ext>
-            </a:extLst>
-          </p:cNvPr>
-          <p:cNvSpPr/>
-          <p:nvPr/>
-        </p:nvSpPr>
-        <p:spPr>
-          <a:xfrm rot="16200000">
-            <a:off x="7328241" y="5006428"/>
-            <a:ext cx="242932" cy="293259"/>
-          </a:xfrm>
-          <a:prstGeom prst="leftBrace">
-            <a:avLst/>
-          </a:prstGeom>
-        </p:spPr>
-        <p:style>
-          <a:lnRef idx="1">
-            <a:schemeClr val="accent1"/>
-          </a:lnRef>
-          <a:fillRef idx="0">
-            <a:schemeClr val="accent1"/>
-          </a:fillRef>
-          <a:effectRef idx="0">
-            <a:schemeClr val="accent1"/>
-          </a:effectRef>
-          <a:fontRef idx="minor">
-            <a:schemeClr val="tx1"/>
-          </a:fontRef>
-        </p:style>
-        <p:txBody>
-          <a:bodyPr rtlCol="0" anchor="ctr"/>
-          <a:lstStyle/>
-          <a:p>
-            <a:pPr algn="ctr"/>
-            <a:endParaRPr lang="es-MX"/>
-          </a:p>
-        </p:txBody>
-      </p:sp>
-      <p:sp>
-        <p:nvSpPr>
-          <p:cNvPr id="12" name="CuadroTexto 11">
-            <a:extLst>
-              <a:ext uri="{FF2B5EF4-FFF2-40B4-BE49-F238E27FC236}">
-                <a16:creationId xmlns:a16="http://schemas.microsoft.com/office/drawing/2014/main" id="{85E1941A-2DA6-443A-9843-A084D86AC459}"/>
-              </a:ext>
-            </a:extLst>
-          </p:cNvPr>
-          <p:cNvSpPr txBox="1"/>
-          <p:nvPr/>
-        </p:nvSpPr>
-        <p:spPr>
-          <a:xfrm>
-            <a:off x="611560" y="2089768"/>
-            <a:ext cx="8041433" cy="707501"/>
-          </a:xfrm>
-          <a:prstGeom prst="rect">
-            <a:avLst/>
-          </a:prstGeom>
-          <a:noFill/>
-        </p:spPr>
-        <p:txBody>
-          <a:bodyPr wrap="square">
-            <a:spAutoFit/>
-          </a:bodyPr>
-          <a:lstStyle/>
-          <a:p>
-            <a:pPr algn="just">
-              <a:lnSpc>
-                <a:spcPts val="2500"/>
-              </a:lnSpc>
-            </a:pPr>
-            <a:r>
-              <a:rPr lang="es-ES" sz="1600" b="0" i="0" dirty="0">
-                <a:solidFill>
-                  <a:srgbClr val="333333"/>
-                </a:solidFill>
-                <a:effectLst/>
-              </a:rPr>
-              <a:t>Palabras que tengan cuatro caracteres de la ‘a’ a la ‘z’ repetidos una o más veces y que luego le siga un </a:t>
-            </a:r>
-            <a:r>
-              <a:rPr lang="es-ES" sz="1600" b="1" i="0" dirty="0" err="1">
-                <a:solidFill>
-                  <a:srgbClr val="333333"/>
-                </a:solidFill>
-                <a:effectLst/>
-              </a:rPr>
-              <a:t>er</a:t>
-            </a:r>
-            <a:r>
-              <a:rPr lang="es-ES" sz="1600" b="0" i="0" dirty="0">
-                <a:solidFill>
-                  <a:srgbClr val="333333"/>
-                </a:solidFill>
-                <a:effectLst/>
-              </a:rPr>
-              <a:t>.</a:t>
-            </a:r>
-            <a:endParaRPr lang="es-ES" sz="1600" b="0" i="0" dirty="0">
-              <a:solidFill>
-                <a:srgbClr val="AAAAAA"/>
-              </a:solidFill>
-              <a:effectLst/>
-            </a:endParaRPr>
-          </a:p>
-        </p:txBody>
-      </p:sp>
-      <p:pic>
-        <p:nvPicPr>
-          <p:cNvPr id="6" name="Imagen 5">
-            <a:extLst>
-              <a:ext uri="{FF2B5EF4-FFF2-40B4-BE49-F238E27FC236}">
-                <a16:creationId xmlns:a16="http://schemas.microsoft.com/office/drawing/2014/main" id="{65576E1C-9BCF-4A1F-AFDE-67E73D9B1B3A}"/>
-              </a:ext>
-            </a:extLst>
-          </p:cNvPr>
-          <p:cNvPicPr>
-            <a:picLocks noChangeAspect="1"/>
-          </p:cNvPicPr>
-          <p:nvPr/>
-        </p:nvPicPr>
-        <p:blipFill>
-          <a:blip r:embed="rId3"/>
-          <a:stretch>
-            <a:fillRect/>
-          </a:stretch>
-        </p:blipFill>
-        <p:spPr>
-          <a:xfrm>
-            <a:off x="484381" y="2924944"/>
-            <a:ext cx="8362950" cy="2876550"/>
-          </a:xfrm>
-          <a:prstGeom prst="rect">
-            <a:avLst/>
-          </a:prstGeom>
-        </p:spPr>
-      </p:pic>
-    </p:spTree>
-    <p:extLst>
-      <p:ext uri="{BB962C8B-B14F-4D97-AF65-F5344CB8AC3E}">
-        <p14:creationId xmlns:p14="http://schemas.microsoft.com/office/powerpoint/2010/main" val="1823986916"/>
       </p:ext>
     </p:extLst>
   </p:cSld>
@@ -17595,8 +17025,8 @@
         </p:nvSpPr>
         <p:spPr>
           <a:xfrm>
-            <a:off x="2195736" y="950207"/>
-            <a:ext cx="4608511" cy="714298"/>
+            <a:off x="2286845" y="950207"/>
+            <a:ext cx="4229372" cy="714298"/>
           </a:xfrm>
           <a:prstGeom prst="rect">
             <a:avLst/>
@@ -17618,38 +17048,27 @@
               </a:spcAft>
             </a:pPr>
             <a:r>
-              <a:rPr lang="es-ES" b="1" dirty="0">
+              <a:rPr lang="es-ES" b="1" i="0" dirty="0">
                 <a:solidFill>
                   <a:schemeClr val="accent6">
                     <a:lumMod val="75000"/>
                   </a:schemeClr>
                 </a:solidFill>
+                <a:effectLst/>
                 <a:latin typeface="inherit"/>
               </a:rPr>
-              <a:t> </a:t>
-            </a:r>
-            <a:r>
-              <a:rPr lang="es-ES" b="1" i="0" dirty="0">
+              <a:t> + Definen </a:t>
+            </a:r>
+            <a:r>
+              <a:rPr lang="es-ES" b="1" dirty="0">
                 <a:solidFill>
                   <a:schemeClr val="accent6">
                     <a:lumMod val="75000"/>
                   </a:schemeClr>
                 </a:solidFill>
-                <a:effectLst/>
                 <a:latin typeface="inherit"/>
               </a:rPr>
-              <a:t>{} Definen </a:t>
-            </a:r>
-            <a:r>
-              <a:rPr lang="es-ES" b="1" dirty="0">
-                <a:solidFill>
-                  <a:schemeClr val="accent6">
-                    <a:lumMod val="75000"/>
-                  </a:schemeClr>
-                </a:solidFill>
-                <a:latin typeface="inherit"/>
-              </a:rPr>
-              <a:t>el número exacto de </a:t>
+              <a:t>el número de </a:t>
             </a:r>
             <a:r>
               <a:rPr lang="es-ES" b="1" i="0" dirty="0">
@@ -17709,7 +17128,7 @@
                 </a:solidFill>
                 <a:effectLst/>
               </a:rPr>
-              <a:t>Ejemplo 5:</a:t>
+              <a:t>Ejemplo 2:</a:t>
             </a:r>
             <a:endParaRPr lang="es-ES" sz="2000" b="1" dirty="0">
               <a:solidFill>
@@ -17719,6 +17138,50 @@
                 </a:schemeClr>
               </a:solidFill>
             </a:endParaRPr>
+          </a:p>
+        </p:txBody>
+      </p:sp>
+      <p:sp>
+        <p:nvSpPr>
+          <p:cNvPr id="10" name="Abrir llave 9">
+            <a:extLst>
+              <a:ext uri="{FF2B5EF4-FFF2-40B4-BE49-F238E27FC236}">
+                <a16:creationId xmlns:a16="http://schemas.microsoft.com/office/drawing/2014/main" id="{F795473D-90D4-4794-8F57-1F88444BF981}"/>
+              </a:ext>
+            </a:extLst>
+          </p:cNvPr>
+          <p:cNvSpPr/>
+          <p:nvPr/>
+        </p:nvSpPr>
+        <p:spPr>
+          <a:xfrm rot="16200000">
+            <a:off x="7328241" y="5006428"/>
+            <a:ext cx="242932" cy="293259"/>
+          </a:xfrm>
+          <a:prstGeom prst="leftBrace">
+            <a:avLst/>
+          </a:prstGeom>
+        </p:spPr>
+        <p:style>
+          <a:lnRef idx="1">
+            <a:schemeClr val="accent1"/>
+          </a:lnRef>
+          <a:fillRef idx="0">
+            <a:schemeClr val="accent1"/>
+          </a:fillRef>
+          <a:effectRef idx="0">
+            <a:schemeClr val="accent1"/>
+          </a:effectRef>
+          <a:fontRef idx="minor">
+            <a:schemeClr val="tx1"/>
+          </a:fontRef>
+        </p:style>
+        <p:txBody>
+          <a:bodyPr rtlCol="0" anchor="ctr"/>
+          <a:lstStyle/>
+          <a:p>
+            <a:pPr algn="ctr"/>
+            <a:endParaRPr lang="es-MX"/>
           </a:p>
         </p:txBody>
       </p:sp>
@@ -17762,7 +17225,7 @@
                 </a:solidFill>
                 <a:effectLst/>
               </a:rPr>
-              <a:t>Palabras que tengan cinco caracteres de la ‘a’ a la ‘z’ repetidos una o más veces y que luego le siga un </a:t>
+              <a:t>Una palabra que tenga cualquier tipo de caracteres repetido una o más veces y que luego le siga un </a:t>
             </a:r>
             <a:r>
               <a:rPr lang="es-ES" sz="1600" b="1" i="0" dirty="0" err="1">
@@ -17793,10 +17256,10 @@
       </p:sp>
       <p:pic>
         <p:nvPicPr>
-          <p:cNvPr id="3" name="Imagen 2">
+          <p:cNvPr id="6" name="Imagen 5">
             <a:extLst>
               <a:ext uri="{FF2B5EF4-FFF2-40B4-BE49-F238E27FC236}">
-                <a16:creationId xmlns:a16="http://schemas.microsoft.com/office/drawing/2014/main" id="{41D5B816-F41C-4A41-AFAA-8D2B5C16CBF4}"/>
+                <a16:creationId xmlns:a16="http://schemas.microsoft.com/office/drawing/2014/main" id="{2EFDE507-6CDB-4252-9C26-27D007FDAAFE}"/>
               </a:ext>
             </a:extLst>
           </p:cNvPr>
@@ -17813,8 +17276,8 @@
         </p:blipFill>
         <p:spPr>
           <a:xfrm>
-            <a:off x="611560" y="3032480"/>
-            <a:ext cx="7632848" cy="2593434"/>
+            <a:off x="646620" y="2924944"/>
+            <a:ext cx="7038975" cy="3686175"/>
           </a:xfrm>
           <a:prstGeom prst="rect">
             <a:avLst/>
@@ -17824,7 +17287,7 @@
     </p:spTree>
     <p:extLst>
       <p:ext uri="{BB962C8B-B14F-4D97-AF65-F5344CB8AC3E}">
-        <p14:creationId xmlns:p14="http://schemas.microsoft.com/office/powerpoint/2010/main" val="99952455"/>
+        <p14:creationId xmlns:p14="http://schemas.microsoft.com/office/powerpoint/2010/main" val="199591875"/>
       </p:ext>
     </p:extLst>
   </p:cSld>
@@ -18493,8 +17956,8 @@
         </p:nvSpPr>
         <p:spPr>
           <a:xfrm>
-            <a:off x="2051720" y="950207"/>
-            <a:ext cx="4680520" cy="714298"/>
+            <a:off x="2286845" y="950207"/>
+            <a:ext cx="4229372" cy="714298"/>
           </a:xfrm>
           <a:prstGeom prst="rect">
             <a:avLst/>
@@ -18536,7 +17999,7 @@
                 <a:effectLst/>
                 <a:latin typeface="inherit"/>
               </a:rPr>
-              <a:t>{} Definen </a:t>
+              <a:t>+ Definen </a:t>
             </a:r>
             <a:r>
               <a:rPr lang="es-ES" b="1" dirty="0">
@@ -18547,7 +18010,7 @@
                 </a:solidFill>
                 <a:latin typeface="inherit"/>
               </a:rPr>
-              <a:t>el número exacto de </a:t>
+              <a:t>el número de </a:t>
             </a:r>
             <a:r>
               <a:rPr lang="es-ES" b="1" i="0" dirty="0">
@@ -18607,7 +18070,7 @@
                 </a:solidFill>
                 <a:effectLst/>
               </a:rPr>
-              <a:t>Ejemplo 6:</a:t>
+              <a:t>Ejemplo 3:</a:t>
             </a:r>
             <a:endParaRPr lang="es-ES" sz="2000" b="1" dirty="0">
               <a:solidFill>
@@ -18664,12 +18127,81 @@
           </a:p>
         </p:txBody>
       </p:sp>
+      <p:sp>
+        <p:nvSpPr>
+          <p:cNvPr id="12" name="CuadroTexto 11">
+            <a:extLst>
+              <a:ext uri="{FF2B5EF4-FFF2-40B4-BE49-F238E27FC236}">
+                <a16:creationId xmlns:a16="http://schemas.microsoft.com/office/drawing/2014/main" id="{85E1941A-2DA6-443A-9843-A084D86AC459}"/>
+              </a:ext>
+            </a:extLst>
+          </p:cNvPr>
+          <p:cNvSpPr txBox="1"/>
+          <p:nvPr/>
+        </p:nvSpPr>
+        <p:spPr>
+          <a:xfrm>
+            <a:off x="611560" y="2089768"/>
+            <a:ext cx="8041433" cy="707501"/>
+          </a:xfrm>
+          <a:prstGeom prst="rect">
+            <a:avLst/>
+          </a:prstGeom>
+          <a:noFill/>
+        </p:spPr>
+        <p:txBody>
+          <a:bodyPr wrap="square">
+            <a:spAutoFit/>
+          </a:bodyPr>
+          <a:lstStyle/>
+          <a:p>
+            <a:pPr algn="just">
+              <a:lnSpc>
+                <a:spcPts val="2500"/>
+              </a:lnSpc>
+            </a:pPr>
+            <a:r>
+              <a:rPr lang="es-ES" sz="1600" b="0" i="0" dirty="0">
+                <a:solidFill>
+                  <a:srgbClr val="333333"/>
+                </a:solidFill>
+                <a:effectLst/>
+              </a:rPr>
+              <a:t>Palabras que tengan caracteres de la ‘a’ a la ‘z’ repetidos una o más veces y que luego le siga un </a:t>
+            </a:r>
+            <a:r>
+              <a:rPr lang="es-ES" sz="1600" b="1" i="0" dirty="0" err="1">
+                <a:solidFill>
+                  <a:srgbClr val="333333"/>
+                </a:solidFill>
+                <a:effectLst/>
+              </a:rPr>
+              <a:t>er</a:t>
+            </a:r>
+            <a:r>
+              <a:rPr lang="es-ES" sz="1600" b="0" i="0" dirty="0">
+                <a:solidFill>
+                  <a:srgbClr val="333333"/>
+                </a:solidFill>
+                <a:effectLst/>
+              </a:rPr>
+              <a:t>.</a:t>
+            </a:r>
+            <a:endParaRPr lang="es-ES" sz="1600" b="0" i="0" dirty="0">
+              <a:solidFill>
+                <a:srgbClr val="AAAAAA"/>
+              </a:solidFill>
+              <a:effectLst/>
+            </a:endParaRPr>
+          </a:p>
+        </p:txBody>
+      </p:sp>
       <p:pic>
         <p:nvPicPr>
           <p:cNvPr id="3" name="Imagen 2">
             <a:extLst>
               <a:ext uri="{FF2B5EF4-FFF2-40B4-BE49-F238E27FC236}">
-                <a16:creationId xmlns:a16="http://schemas.microsoft.com/office/drawing/2014/main" id="{8E367D70-F93E-4B84-B819-E8E5EC24CCC0}"/>
+                <a16:creationId xmlns:a16="http://schemas.microsoft.com/office/drawing/2014/main" id="{367D6562-FC96-4812-A5D3-7044AF6375BE}"/>
               </a:ext>
             </a:extLst>
           </p:cNvPr>
@@ -18686,69 +18218,18 @@
         </p:blipFill>
         <p:spPr>
           <a:xfrm>
-            <a:off x="671139" y="2789828"/>
-            <a:ext cx="7892890" cy="3183008"/>
+            <a:off x="643406" y="3026677"/>
+            <a:ext cx="8010163" cy="2634572"/>
           </a:xfrm>
           <a:prstGeom prst="rect">
             <a:avLst/>
           </a:prstGeom>
         </p:spPr>
       </p:pic>
-      <p:sp>
-        <p:nvSpPr>
-          <p:cNvPr id="11" name="CuadroTexto 10">
-            <a:extLst>
-              <a:ext uri="{FF2B5EF4-FFF2-40B4-BE49-F238E27FC236}">
-                <a16:creationId xmlns:a16="http://schemas.microsoft.com/office/drawing/2014/main" id="{A01963C4-5EE1-4A60-85A8-719A3CE36006}"/>
-              </a:ext>
-            </a:extLst>
-          </p:cNvPr>
-          <p:cNvSpPr txBox="1"/>
-          <p:nvPr/>
-        </p:nvSpPr>
-        <p:spPr>
-          <a:xfrm>
-            <a:off x="611560" y="2089768"/>
-            <a:ext cx="8041433" cy="386901"/>
-          </a:xfrm>
-          <a:prstGeom prst="rect">
-            <a:avLst/>
-          </a:prstGeom>
-          <a:noFill/>
-        </p:spPr>
-        <p:txBody>
-          <a:bodyPr wrap="square">
-            <a:spAutoFit/>
-          </a:bodyPr>
-          <a:lstStyle/>
-          <a:p>
-            <a:pPr algn="just">
-              <a:lnSpc>
-                <a:spcPts val="2500"/>
-              </a:lnSpc>
-            </a:pPr>
-            <a:r>
-              <a:rPr lang="es-ES" sz="1600" b="0" i="0" dirty="0">
-                <a:solidFill>
-                  <a:srgbClr val="333333"/>
-                </a:solidFill>
-                <a:effectLst/>
-              </a:rPr>
-              <a:t>Obtenemos una lista de tuplas.</a:t>
-            </a:r>
-            <a:endParaRPr lang="es-ES" sz="1600" b="0" i="0" dirty="0">
-              <a:solidFill>
-                <a:srgbClr val="AAAAAA"/>
-              </a:solidFill>
-              <a:effectLst/>
-            </a:endParaRPr>
-          </a:p>
-        </p:txBody>
-      </p:sp>
     </p:spTree>
     <p:extLst>
       <p:ext uri="{BB962C8B-B14F-4D97-AF65-F5344CB8AC3E}">
-        <p14:creationId xmlns:p14="http://schemas.microsoft.com/office/powerpoint/2010/main" val="2642150718"/>
+        <p14:creationId xmlns:p14="http://schemas.microsoft.com/office/powerpoint/2010/main" val="929584033"/>
       </p:ext>
     </p:extLst>
   </p:cSld>
@@ -18801,7 +18282,7 @@
               <a:defRPr/>
             </a:pPr>
             <a:r>
-              <a:rPr lang="es-MX" b="1" dirty="0">
+              <a:rPr lang="es-MX" b="1" dirty="0" err="1">
                 <a:solidFill>
                   <a:schemeClr val="accent4">
                     <a:lumMod val="50000"/>
@@ -18814,17 +18295,30 @@
                 </a:effectLst>
                 <a:latin typeface="Dom Casual" charset="0"/>
               </a:rPr>
-              <a:t>Secuencias especiales</a:t>
-            </a:r>
-          </a:p>
-        </p:txBody>
-      </p:sp>
-      <p:sp>
-        <p:nvSpPr>
-          <p:cNvPr id="11" name="CuadroTexto 10">
+              <a:t>Metacaracteres</a:t>
+            </a:r>
+            <a:endParaRPr lang="es-MX" b="1" dirty="0">
+              <a:solidFill>
+                <a:schemeClr val="accent4">
+                  <a:lumMod val="50000"/>
+                </a:schemeClr>
+              </a:solidFill>
+              <a:effectLst>
+                <a:outerShdw blurRad="38100" dist="38100" dir="2700000" algn="tl">
+                  <a:srgbClr val="C0C0C0"/>
+                </a:outerShdw>
+              </a:effectLst>
+              <a:latin typeface="Dom Casual" charset="0"/>
+            </a:endParaRPr>
+          </a:p>
+        </p:txBody>
+      </p:sp>
+      <p:sp>
+        <p:nvSpPr>
+          <p:cNvPr id="8" name="CuadroTexto 7">
             <a:extLst>
               <a:ext uri="{FF2B5EF4-FFF2-40B4-BE49-F238E27FC236}">
-                <a16:creationId xmlns:a16="http://schemas.microsoft.com/office/drawing/2014/main" id="{A01963C4-5EE1-4A60-85A8-719A3CE36006}"/>
+                <a16:creationId xmlns:a16="http://schemas.microsoft.com/office/drawing/2014/main" id="{C54CFFB0-D6E7-4679-A6E8-7F8B2E54D6C1}"/>
               </a:ext>
             </a:extLst>
           </p:cNvPr>
@@ -18833,8 +18327,8 @@
         </p:nvSpPr>
         <p:spPr>
           <a:xfrm>
-            <a:off x="289722" y="2113447"/>
-            <a:ext cx="8363272" cy="2743315"/>
+            <a:off x="2051720" y="950207"/>
+            <a:ext cx="4680520" cy="714298"/>
           </a:xfrm>
           <a:prstGeom prst="rect">
             <a:avLst/>
@@ -18847,197 +18341,266 @@
           </a:bodyPr>
           <a:lstStyle/>
           <a:p>
+            <a:pPr algn="ctr" fontAlgn="base">
+              <a:lnSpc>
+                <a:spcPts val="2500"/>
+              </a:lnSpc>
+              <a:spcAft>
+                <a:spcPts val="600"/>
+              </a:spcAft>
+            </a:pPr>
+            <a:r>
+              <a:rPr lang="es-ES" b="1" dirty="0">
+                <a:solidFill>
+                  <a:schemeClr val="accent6">
+                    <a:lumMod val="75000"/>
+                  </a:schemeClr>
+                </a:solidFill>
+                <a:latin typeface="inherit"/>
+              </a:rPr>
+              <a:t> </a:t>
+            </a:r>
+            <a:r>
+              <a:rPr lang="es-ES" b="1" i="0" dirty="0">
+                <a:solidFill>
+                  <a:schemeClr val="accent6">
+                    <a:lumMod val="75000"/>
+                  </a:schemeClr>
+                </a:solidFill>
+                <a:effectLst/>
+                <a:latin typeface="inherit"/>
+              </a:rPr>
+              <a:t>{} Definen </a:t>
+            </a:r>
+            <a:r>
+              <a:rPr lang="es-ES" b="1" dirty="0">
+                <a:solidFill>
+                  <a:schemeClr val="accent6">
+                    <a:lumMod val="75000"/>
+                  </a:schemeClr>
+                </a:solidFill>
+                <a:latin typeface="inherit"/>
+              </a:rPr>
+              <a:t>el número exacto de </a:t>
+            </a:r>
+            <a:r>
+              <a:rPr lang="es-ES" b="1" i="0" dirty="0">
+                <a:solidFill>
+                  <a:schemeClr val="accent6">
+                    <a:lumMod val="75000"/>
+                  </a:schemeClr>
+                </a:solidFill>
+                <a:effectLst/>
+                <a:latin typeface="inherit"/>
+              </a:rPr>
+              <a:t>repeticiones de la expresión regular precedente</a:t>
+            </a:r>
+          </a:p>
+        </p:txBody>
+      </p:sp>
+      <p:sp>
+        <p:nvSpPr>
+          <p:cNvPr id="9" name="CuadroTexto 8">
+            <a:extLst>
+              <a:ext uri="{FF2B5EF4-FFF2-40B4-BE49-F238E27FC236}">
+                <a16:creationId xmlns:a16="http://schemas.microsoft.com/office/drawing/2014/main" id="{3C2E1319-C186-4202-8393-814D31E5493C}"/>
+              </a:ext>
+            </a:extLst>
+          </p:cNvPr>
+          <p:cNvSpPr txBox="1"/>
+          <p:nvPr/>
+        </p:nvSpPr>
+        <p:spPr>
+          <a:xfrm>
+            <a:off x="611560" y="1583476"/>
+            <a:ext cx="7920880" cy="506292"/>
+          </a:xfrm>
+          <a:prstGeom prst="rect">
+            <a:avLst/>
+          </a:prstGeom>
+          <a:noFill/>
+        </p:spPr>
+        <p:txBody>
+          <a:bodyPr wrap="square">
+            <a:spAutoFit/>
+          </a:bodyPr>
+          <a:lstStyle/>
+          <a:p>
+            <a:pPr algn="l">
+              <a:lnSpc>
+                <a:spcPct val="150000"/>
+              </a:lnSpc>
+            </a:pPr>
+            <a:r>
+              <a:rPr lang="es-ES" sz="2000" b="1" i="0" dirty="0">
+                <a:solidFill>
+                  <a:schemeClr val="tx1">
+                    <a:lumMod val="95000"/>
+                    <a:lumOff val="5000"/>
+                  </a:schemeClr>
+                </a:solidFill>
+                <a:effectLst/>
+              </a:rPr>
+              <a:t>Ejemplo 4:</a:t>
+            </a:r>
+            <a:endParaRPr lang="es-ES" sz="2000" b="1" dirty="0">
+              <a:solidFill>
+                <a:schemeClr val="tx1">
+                  <a:lumMod val="95000"/>
+                  <a:lumOff val="5000"/>
+                </a:schemeClr>
+              </a:solidFill>
+            </a:endParaRPr>
+          </a:p>
+        </p:txBody>
+      </p:sp>
+      <p:sp>
+        <p:nvSpPr>
+          <p:cNvPr id="10" name="Abrir llave 9">
+            <a:extLst>
+              <a:ext uri="{FF2B5EF4-FFF2-40B4-BE49-F238E27FC236}">
+                <a16:creationId xmlns:a16="http://schemas.microsoft.com/office/drawing/2014/main" id="{F795473D-90D4-4794-8F57-1F88444BF981}"/>
+              </a:ext>
+            </a:extLst>
+          </p:cNvPr>
+          <p:cNvSpPr/>
+          <p:nvPr/>
+        </p:nvSpPr>
+        <p:spPr>
+          <a:xfrm rot="16200000">
+            <a:off x="7328241" y="5006428"/>
+            <a:ext cx="242932" cy="293259"/>
+          </a:xfrm>
+          <a:prstGeom prst="leftBrace">
+            <a:avLst/>
+          </a:prstGeom>
+        </p:spPr>
+        <p:style>
+          <a:lnRef idx="1">
+            <a:schemeClr val="accent1"/>
+          </a:lnRef>
+          <a:fillRef idx="0">
+            <a:schemeClr val="accent1"/>
+          </a:fillRef>
+          <a:effectRef idx="0">
+            <a:schemeClr val="accent1"/>
+          </a:effectRef>
+          <a:fontRef idx="minor">
+            <a:schemeClr val="tx1"/>
+          </a:fontRef>
+        </p:style>
+        <p:txBody>
+          <a:bodyPr rtlCol="0" anchor="ctr"/>
+          <a:lstStyle/>
+          <a:p>
+            <a:pPr algn="ctr"/>
+            <a:endParaRPr lang="es-MX"/>
+          </a:p>
+        </p:txBody>
+      </p:sp>
+      <p:sp>
+        <p:nvSpPr>
+          <p:cNvPr id="12" name="CuadroTexto 11">
+            <a:extLst>
+              <a:ext uri="{FF2B5EF4-FFF2-40B4-BE49-F238E27FC236}">
+                <a16:creationId xmlns:a16="http://schemas.microsoft.com/office/drawing/2014/main" id="{85E1941A-2DA6-443A-9843-A084D86AC459}"/>
+              </a:ext>
+            </a:extLst>
+          </p:cNvPr>
+          <p:cNvSpPr txBox="1"/>
+          <p:nvPr/>
+        </p:nvSpPr>
+        <p:spPr>
+          <a:xfrm>
+            <a:off x="611560" y="2089768"/>
+            <a:ext cx="8041433" cy="707501"/>
+          </a:xfrm>
+          <a:prstGeom prst="rect">
+            <a:avLst/>
+          </a:prstGeom>
+          <a:noFill/>
+        </p:spPr>
+        <p:txBody>
+          <a:bodyPr wrap="square">
+            <a:spAutoFit/>
+          </a:bodyPr>
+          <a:lstStyle/>
+          <a:p>
             <a:pPr algn="just">
               <a:lnSpc>
-                <a:spcPts val="3000"/>
+                <a:spcPts val="2500"/>
               </a:lnSpc>
             </a:pPr>
             <a:r>
-              <a:rPr lang="es-ES" sz="1600" b="1" dirty="0">
-                <a:solidFill>
-                  <a:srgbClr val="FF0000"/>
-                </a:solidFill>
-              </a:rPr>
-              <a:t>\d    </a:t>
-            </a:r>
-            <a:r>
-              <a:rPr lang="es-ES" sz="1600" dirty="0">
+              <a:rPr lang="es-ES" sz="1600" b="0" i="0" dirty="0">
                 <a:solidFill>
                   <a:srgbClr val="333333"/>
                 </a:solidFill>
-              </a:rPr>
-              <a:t>Coincide con cualquier dígito decimal. Equivalente a [0-9].</a:t>
-            </a:r>
-          </a:p>
-          <a:p>
-            <a:pPr algn="just">
-              <a:lnSpc>
-                <a:spcPts val="3000"/>
-              </a:lnSpc>
-            </a:pPr>
-            <a:r>
-              <a:rPr lang="es-ES" sz="1600" b="1" dirty="0">
-                <a:solidFill>
-                  <a:srgbClr val="FF0000"/>
-                </a:solidFill>
-              </a:rPr>
-              <a:t>\D    </a:t>
-            </a:r>
-            <a:r>
-              <a:rPr lang="es-ES" sz="1600" dirty="0">
+                <a:effectLst/>
+              </a:rPr>
+              <a:t>Palabras que tengan cuatro caracteres de la ‘a’ a la ‘z’ repetidos una o más veces y que luego le siga un </a:t>
+            </a:r>
+            <a:r>
+              <a:rPr lang="es-ES" sz="1600" b="1" i="0" dirty="0" err="1">
                 <a:solidFill>
                   <a:srgbClr val="333333"/>
                 </a:solidFill>
-              </a:rPr>
-              <a:t>Coincide con cualquier carácter que </a:t>
-            </a:r>
-            <a:r>
-              <a:rPr lang="es-ES" sz="1600" b="1" dirty="0">
+                <a:effectLst/>
+              </a:rPr>
+              <a:t>er</a:t>
+            </a:r>
+            <a:r>
+              <a:rPr lang="es-ES" sz="1600" b="0" i="0" dirty="0">
                 <a:solidFill>
                   <a:srgbClr val="333333"/>
                 </a:solidFill>
-              </a:rPr>
-              <a:t>no</a:t>
-            </a:r>
-            <a:r>
-              <a:rPr lang="es-ES" sz="1600" dirty="0">
-                <a:solidFill>
-                  <a:srgbClr val="333333"/>
-                </a:solidFill>
-              </a:rPr>
-              <a:t> sea un dígito. Equivalente a [^0-9].</a:t>
-            </a:r>
-          </a:p>
-          <a:p>
-            <a:pPr algn="just">
-              <a:lnSpc>
-                <a:spcPts val="3000"/>
-              </a:lnSpc>
-            </a:pPr>
-            <a:r>
-              <a:rPr lang="es-ES" sz="1600" b="1" dirty="0">
-                <a:solidFill>
-                  <a:srgbClr val="FF0000"/>
-                </a:solidFill>
-              </a:rPr>
-              <a:t>\s     </a:t>
-            </a:r>
-            <a:r>
-              <a:rPr lang="es-ES" sz="1600" dirty="0">
-                <a:solidFill>
-                  <a:srgbClr val="333333"/>
-                </a:solidFill>
-              </a:rPr>
-              <a:t>Coincide con un espacio en blanco.</a:t>
-            </a:r>
-          </a:p>
-          <a:p>
-            <a:pPr algn="just">
-              <a:lnSpc>
-                <a:spcPts val="3000"/>
-              </a:lnSpc>
-            </a:pPr>
-            <a:r>
-              <a:rPr lang="es-ES" sz="1600" b="1" dirty="0">
-                <a:solidFill>
-                  <a:srgbClr val="FF0000"/>
-                </a:solidFill>
-              </a:rPr>
-              <a:t>\S    </a:t>
-            </a:r>
-            <a:r>
-              <a:rPr lang="es-ES" sz="1600" dirty="0">
-                <a:solidFill>
-                  <a:srgbClr val="333333"/>
-                </a:solidFill>
-              </a:rPr>
-              <a:t>Coincide con cualquier carácter que </a:t>
-            </a:r>
-            <a:r>
-              <a:rPr lang="es-ES" sz="1600" b="1" dirty="0">
-                <a:solidFill>
-                  <a:srgbClr val="333333"/>
-                </a:solidFill>
-              </a:rPr>
-              <a:t>no</a:t>
-            </a:r>
-            <a:r>
-              <a:rPr lang="es-ES" sz="1600" dirty="0">
-                <a:solidFill>
-                  <a:srgbClr val="333333"/>
-                </a:solidFill>
-              </a:rPr>
-              <a:t> sea un espacio en blanco. Equivalente a [^ \t\n\r\f\v].</a:t>
-            </a:r>
-          </a:p>
-          <a:p>
-            <a:pPr algn="just">
-              <a:lnSpc>
-                <a:spcPts val="3000"/>
-              </a:lnSpc>
-            </a:pPr>
-            <a:r>
-              <a:rPr lang="es-ES" sz="1600" b="1" dirty="0">
-                <a:solidFill>
-                  <a:srgbClr val="FF0000"/>
-                </a:solidFill>
-              </a:rPr>
-              <a:t>\w   </a:t>
-            </a:r>
-            <a:r>
-              <a:rPr lang="es-ES" sz="1600" dirty="0">
-                <a:solidFill>
-                  <a:srgbClr val="333333"/>
-                </a:solidFill>
-              </a:rPr>
-              <a:t>Coincide con cualquier carácter alfanumérico e incluye vocales con acentos. Equivalente a [a-zA-Z0-9_].</a:t>
-            </a:r>
-          </a:p>
-          <a:p>
-            <a:pPr algn="just">
-              <a:lnSpc>
-                <a:spcPts val="3000"/>
-              </a:lnSpc>
-            </a:pPr>
-            <a:r>
-              <a:rPr lang="es-ES" sz="1600" b="1" dirty="0">
-                <a:solidFill>
-                  <a:srgbClr val="FF0000"/>
-                </a:solidFill>
-              </a:rPr>
-              <a:t>\W  </a:t>
-            </a:r>
-            <a:r>
-              <a:rPr lang="es-ES" sz="1600" dirty="0">
-                <a:solidFill>
-                  <a:srgbClr val="333333"/>
-                </a:solidFill>
-              </a:rPr>
-              <a:t>Coincide con cualquier carácter </a:t>
-            </a:r>
-            <a:r>
-              <a:rPr lang="es-ES" sz="1600" b="1" dirty="0">
-                <a:solidFill>
-                  <a:srgbClr val="333333"/>
-                </a:solidFill>
-              </a:rPr>
-              <a:t>no </a:t>
-            </a:r>
-            <a:r>
-              <a:rPr lang="es-ES" sz="1600" dirty="0">
-                <a:solidFill>
-                  <a:srgbClr val="333333"/>
-                </a:solidFill>
-              </a:rPr>
-              <a:t>alfanumérico. Equivalente a [^a-zA-Z0-9_].</a:t>
-            </a:r>
-          </a:p>
-        </p:txBody>
-      </p:sp>
+                <a:effectLst/>
+              </a:rPr>
+              <a:t>.</a:t>
+            </a:r>
+            <a:endParaRPr lang="es-ES" sz="1600" b="0" i="0" dirty="0">
+              <a:solidFill>
+                <a:srgbClr val="AAAAAA"/>
+              </a:solidFill>
+              <a:effectLst/>
+            </a:endParaRPr>
+          </a:p>
+        </p:txBody>
+      </p:sp>
+      <p:pic>
+        <p:nvPicPr>
+          <p:cNvPr id="6" name="Imagen 5">
+            <a:extLst>
+              <a:ext uri="{FF2B5EF4-FFF2-40B4-BE49-F238E27FC236}">
+                <a16:creationId xmlns:a16="http://schemas.microsoft.com/office/drawing/2014/main" id="{65576E1C-9BCF-4A1F-AFDE-67E73D9B1B3A}"/>
+              </a:ext>
+            </a:extLst>
+          </p:cNvPr>
+          <p:cNvPicPr>
+            <a:picLocks noChangeAspect="1"/>
+          </p:cNvPicPr>
+          <p:nvPr/>
+        </p:nvPicPr>
+        <p:blipFill>
+          <a:blip r:embed="rId3"/>
+          <a:stretch>
+            <a:fillRect/>
+          </a:stretch>
+        </p:blipFill>
+        <p:spPr>
+          <a:xfrm>
+            <a:off x="755576" y="3032480"/>
+            <a:ext cx="7399987" cy="2545326"/>
+          </a:xfrm>
+          <a:prstGeom prst="rect">
+            <a:avLst/>
+          </a:prstGeom>
+        </p:spPr>
+      </p:pic>
     </p:spTree>
     <p:extLst>
       <p:ext uri="{BB962C8B-B14F-4D97-AF65-F5344CB8AC3E}">
-        <p14:creationId xmlns:p14="http://schemas.microsoft.com/office/powerpoint/2010/main" val="1564804550"/>
+        <p14:creationId xmlns:p14="http://schemas.microsoft.com/office/powerpoint/2010/main" val="1823986916"/>
       </p:ext>
     </p:extLst>
   </p:cSld>
@@ -19123,10 +18686,10 @@
       </p:sp>
       <p:sp>
         <p:nvSpPr>
-          <p:cNvPr id="9" name="CuadroTexto 8">
+          <p:cNvPr id="8" name="CuadroTexto 7">
             <a:extLst>
               <a:ext uri="{FF2B5EF4-FFF2-40B4-BE49-F238E27FC236}">
-                <a16:creationId xmlns:a16="http://schemas.microsoft.com/office/drawing/2014/main" id="{E1C784F4-BDDC-4D50-B8E9-68B91761F76A}"/>
+                <a16:creationId xmlns:a16="http://schemas.microsoft.com/office/drawing/2014/main" id="{C54CFFB0-D6E7-4679-A6E8-7F8B2E54D6C1}"/>
               </a:ext>
             </a:extLst>
           </p:cNvPr>
@@ -19135,8 +18698,8 @@
         </p:nvSpPr>
         <p:spPr>
           <a:xfrm>
-            <a:off x="683568" y="1537713"/>
-            <a:ext cx="7920880" cy="506292"/>
+            <a:off x="2195736" y="950207"/>
+            <a:ext cx="4608511" cy="714298"/>
           </a:xfrm>
           <a:prstGeom prst="rect">
             <a:avLst/>
@@ -19149,7 +18712,92 @@
           </a:bodyPr>
           <a:lstStyle/>
           <a:p>
-            <a:pPr algn="just">
+            <a:pPr algn="ctr" fontAlgn="base">
+              <a:lnSpc>
+                <a:spcPts val="2500"/>
+              </a:lnSpc>
+              <a:spcAft>
+                <a:spcPts val="600"/>
+              </a:spcAft>
+            </a:pPr>
+            <a:r>
+              <a:rPr lang="es-ES" b="1" dirty="0">
+                <a:solidFill>
+                  <a:schemeClr val="accent6">
+                    <a:lumMod val="75000"/>
+                  </a:schemeClr>
+                </a:solidFill>
+                <a:latin typeface="inherit"/>
+              </a:rPr>
+              <a:t> </a:t>
+            </a:r>
+            <a:r>
+              <a:rPr lang="es-ES" b="1" i="0" dirty="0">
+                <a:solidFill>
+                  <a:schemeClr val="accent6">
+                    <a:lumMod val="75000"/>
+                  </a:schemeClr>
+                </a:solidFill>
+                <a:effectLst/>
+                <a:latin typeface="inherit"/>
+              </a:rPr>
+              <a:t>{} Definen </a:t>
+            </a:r>
+            <a:r>
+              <a:rPr lang="es-ES" b="1" dirty="0">
+                <a:solidFill>
+                  <a:schemeClr val="accent6">
+                    <a:lumMod val="75000"/>
+                  </a:schemeClr>
+                </a:solidFill>
+                <a:latin typeface="inherit"/>
+              </a:rPr>
+              <a:t>el número exacto de </a:t>
+            </a:r>
+            <a:r>
+              <a:rPr lang="es-ES" b="1" i="0" dirty="0">
+                <a:solidFill>
+                  <a:schemeClr val="accent6">
+                    <a:lumMod val="75000"/>
+                  </a:schemeClr>
+                </a:solidFill>
+                <a:effectLst/>
+                <a:latin typeface="inherit"/>
+              </a:rPr>
+              <a:t>repeticiones de la expresión regular precedente</a:t>
+            </a:r>
+          </a:p>
+        </p:txBody>
+      </p:sp>
+      <p:sp>
+        <p:nvSpPr>
+          <p:cNvPr id="9" name="CuadroTexto 8">
+            <a:extLst>
+              <a:ext uri="{FF2B5EF4-FFF2-40B4-BE49-F238E27FC236}">
+                <a16:creationId xmlns:a16="http://schemas.microsoft.com/office/drawing/2014/main" id="{3C2E1319-C186-4202-8393-814D31E5493C}"/>
+              </a:ext>
+            </a:extLst>
+          </p:cNvPr>
+          <p:cNvSpPr txBox="1"/>
+          <p:nvPr/>
+        </p:nvSpPr>
+        <p:spPr>
+          <a:xfrm>
+            <a:off x="611560" y="1583476"/>
+            <a:ext cx="7920880" cy="506292"/>
+          </a:xfrm>
+          <a:prstGeom prst="rect">
+            <a:avLst/>
+          </a:prstGeom>
+          <a:noFill/>
+        </p:spPr>
+        <p:txBody>
+          <a:bodyPr wrap="square">
+            <a:spAutoFit/>
+          </a:bodyPr>
+          <a:lstStyle/>
+          <a:p>
+            <a:pPr algn="l">
               <a:lnSpc>
                 <a:spcPct val="150000"/>
               </a:lnSpc>
@@ -19164,42 +18812,7 @@
                 </a:solidFill>
                 <a:effectLst/>
               </a:rPr>
-              <a:t>Ejemplo: </a:t>
-            </a:r>
-            <a:r>
-              <a:rPr lang="es-ES" sz="2000" i="0" dirty="0">
-                <a:solidFill>
-                  <a:schemeClr val="tx1">
-                    <a:lumMod val="95000"/>
-                    <a:lumOff val="5000"/>
-                  </a:schemeClr>
-                </a:solidFill>
-                <a:effectLst/>
-              </a:rPr>
-              <a:t>Si quiero </a:t>
-            </a:r>
-            <a:r>
-              <a:rPr lang="es-ES" sz="2000" dirty="0">
-                <a:solidFill>
-                  <a:schemeClr val="tx1">
-                    <a:lumMod val="95000"/>
-                    <a:lumOff val="5000"/>
-                  </a:schemeClr>
-                </a:solidFill>
-              </a:rPr>
-              <a:t>que una línea termine con </a:t>
-            </a:r>
-            <a:r>
-              <a:rPr lang="es-ES" sz="2000" i="0" dirty="0">
-                <a:solidFill>
-                  <a:schemeClr val="tx1">
-                    <a:lumMod val="95000"/>
-                    <a:lumOff val="5000"/>
-                  </a:schemeClr>
-                </a:solidFill>
-                <a:effectLst/>
-              </a:rPr>
-              <a:t>“Mundo.”</a:t>
+              <a:t>Ejemplo 5:</a:t>
             </a:r>
             <a:endParaRPr lang="es-ES" sz="2000" b="1" dirty="0">
               <a:solidFill>
@@ -19214,10 +18827,10 @@
       </p:sp>
       <p:sp>
         <p:nvSpPr>
-          <p:cNvPr id="7" name="CuadroTexto 6">
+          <p:cNvPr id="12" name="CuadroTexto 11">
             <a:extLst>
               <a:ext uri="{FF2B5EF4-FFF2-40B4-BE49-F238E27FC236}">
-                <a16:creationId xmlns:a16="http://schemas.microsoft.com/office/drawing/2014/main" id="{0CD01309-A779-489D-9641-3C8825455B71}"/>
+                <a16:creationId xmlns:a16="http://schemas.microsoft.com/office/drawing/2014/main" id="{85E1941A-2DA6-443A-9843-A084D86AC459}"/>
               </a:ext>
             </a:extLst>
           </p:cNvPr>
@@ -19226,8 +18839,8 @@
         </p:nvSpPr>
         <p:spPr>
           <a:xfrm>
-            <a:off x="938682" y="962324"/>
-            <a:ext cx="7065349" cy="393698"/>
+            <a:off x="611560" y="2089768"/>
+            <a:ext cx="8041433" cy="707501"/>
           </a:xfrm>
           <a:prstGeom prst="rect">
             <a:avLst/>
@@ -19240,26 +18853,44 @@
           </a:bodyPr>
           <a:lstStyle/>
           <a:p>
-            <a:pPr algn="ctr" fontAlgn="base">
+            <a:pPr algn="just">
               <a:lnSpc>
                 <a:spcPts val="2500"/>
               </a:lnSpc>
-              <a:spcAft>
-                <a:spcPts val="600"/>
-              </a:spcAft>
             </a:pPr>
             <a:r>
-              <a:rPr lang="es-ES" b="1" i="0" dirty="0">
-                <a:solidFill>
-                  <a:schemeClr val="accent6">
-                    <a:lumMod val="75000"/>
-                  </a:schemeClr>
+              <a:rPr lang="es-ES" sz="1600" b="0" i="0" dirty="0">
+                <a:solidFill>
+                  <a:srgbClr val="333333"/>
                 </a:solidFill>
                 <a:effectLst/>
-                <a:latin typeface="inherit"/>
-              </a:rPr>
-              <a:t>( $ ) Fin de una cadena de caracteres</a:t>
-            </a:r>
+              </a:rPr>
+              <a:t>Palabras que tengan cinco caracteres de la ‘a’ a la ‘z’ repetidos una o más veces y que luego le siga un </a:t>
+            </a:r>
+            <a:r>
+              <a:rPr lang="es-ES" sz="1600" b="1" i="0" dirty="0" err="1">
+                <a:solidFill>
+                  <a:srgbClr val="333333"/>
+                </a:solidFill>
+                <a:effectLst/>
+              </a:rPr>
+              <a:t>er</a:t>
+            </a:r>
+            <a:r>
+              <a:rPr lang="es-ES" sz="1600" b="0" i="0" dirty="0">
+                <a:solidFill>
+                  <a:srgbClr val="333333"/>
+                </a:solidFill>
+                <a:effectLst/>
+              </a:rPr>
+              <a:t>.</a:t>
+            </a:r>
+            <a:endParaRPr lang="es-ES" sz="1600" b="0" i="0" dirty="0">
+              <a:solidFill>
+                <a:srgbClr val="AAAAAA"/>
+              </a:solidFill>
+              <a:effectLst/>
+            </a:endParaRPr>
           </a:p>
         </p:txBody>
       </p:sp>
@@ -19268,7 +18899,7 @@
           <p:cNvPr id="3" name="Imagen 2">
             <a:extLst>
               <a:ext uri="{FF2B5EF4-FFF2-40B4-BE49-F238E27FC236}">
-                <a16:creationId xmlns:a16="http://schemas.microsoft.com/office/drawing/2014/main" id="{3B4B1865-F3E8-456D-9E52-0E91A931E820}"/>
+                <a16:creationId xmlns:a16="http://schemas.microsoft.com/office/drawing/2014/main" id="{41D5B816-F41C-4A41-AFAA-8D2B5C16CBF4}"/>
               </a:ext>
             </a:extLst>
           </p:cNvPr>
@@ -19285,8 +18916,8 @@
         </p:blipFill>
         <p:spPr>
           <a:xfrm>
-            <a:off x="1070931" y="2315538"/>
-            <a:ext cx="6800850" cy="3067050"/>
+            <a:off x="683567" y="2996952"/>
+            <a:ext cx="7632848" cy="2593434"/>
           </a:xfrm>
           <a:prstGeom prst="rect">
             <a:avLst/>
@@ -19296,7 +18927,7 @@
     </p:spTree>
     <p:extLst>
       <p:ext uri="{BB962C8B-B14F-4D97-AF65-F5344CB8AC3E}">
-        <p14:creationId xmlns:p14="http://schemas.microsoft.com/office/powerpoint/2010/main" val="3667464515"/>
+        <p14:creationId xmlns:p14="http://schemas.microsoft.com/office/powerpoint/2010/main" val="99952455"/>
       </p:ext>
     </p:extLst>
   </p:cSld>
@@ -19382,10 +19013,10 @@
       </p:sp>
       <p:sp>
         <p:nvSpPr>
-          <p:cNvPr id="9" name="CuadroTexto 8">
+          <p:cNvPr id="8" name="CuadroTexto 7">
             <a:extLst>
               <a:ext uri="{FF2B5EF4-FFF2-40B4-BE49-F238E27FC236}">
-                <a16:creationId xmlns:a16="http://schemas.microsoft.com/office/drawing/2014/main" id="{E1C784F4-BDDC-4D50-B8E9-68B91761F76A}"/>
+                <a16:creationId xmlns:a16="http://schemas.microsoft.com/office/drawing/2014/main" id="{C54CFFB0-D6E7-4679-A6E8-7F8B2E54D6C1}"/>
               </a:ext>
             </a:extLst>
           </p:cNvPr>
@@ -19394,8 +19025,8 @@
         </p:nvSpPr>
         <p:spPr>
           <a:xfrm>
-            <a:off x="683568" y="1537713"/>
-            <a:ext cx="7920880" cy="506292"/>
+            <a:off x="2051720" y="950207"/>
+            <a:ext cx="4680520" cy="714298"/>
           </a:xfrm>
           <a:prstGeom prst="rect">
             <a:avLst/>
@@ -19408,15 +19039,98 @@
           </a:bodyPr>
           <a:lstStyle/>
           <a:p>
-            <a:pPr marL="342900" indent="-342900" algn="just">
+            <a:pPr algn="ctr" fontAlgn="base">
+              <a:lnSpc>
+                <a:spcPts val="2500"/>
+              </a:lnSpc>
+              <a:spcAft>
+                <a:spcPts val="600"/>
+              </a:spcAft>
+            </a:pPr>
+            <a:r>
+              <a:rPr lang="es-ES" b="1" dirty="0">
+                <a:solidFill>
+                  <a:schemeClr val="accent6">
+                    <a:lumMod val="75000"/>
+                  </a:schemeClr>
+                </a:solidFill>
+                <a:latin typeface="inherit"/>
+              </a:rPr>
+              <a:t> </a:t>
+            </a:r>
+            <a:r>
+              <a:rPr lang="es-ES" b="1" i="0" dirty="0">
+                <a:solidFill>
+                  <a:schemeClr val="accent6">
+                    <a:lumMod val="75000"/>
+                  </a:schemeClr>
+                </a:solidFill>
+                <a:effectLst/>
+                <a:latin typeface="inherit"/>
+              </a:rPr>
+              <a:t>{} Definen </a:t>
+            </a:r>
+            <a:r>
+              <a:rPr lang="es-ES" b="1" dirty="0">
+                <a:solidFill>
+                  <a:schemeClr val="accent6">
+                    <a:lumMod val="75000"/>
+                  </a:schemeClr>
+                </a:solidFill>
+                <a:latin typeface="inherit"/>
+              </a:rPr>
+              <a:t>el número exacto de </a:t>
+            </a:r>
+            <a:r>
+              <a:rPr lang="es-ES" b="1" i="0" dirty="0">
+                <a:solidFill>
+                  <a:schemeClr val="accent6">
+                    <a:lumMod val="75000"/>
+                  </a:schemeClr>
+                </a:solidFill>
+                <a:effectLst/>
+                <a:latin typeface="inherit"/>
+              </a:rPr>
+              <a:t>repeticiones de la expresión regular precedente</a:t>
+            </a:r>
+          </a:p>
+        </p:txBody>
+      </p:sp>
+      <p:sp>
+        <p:nvSpPr>
+          <p:cNvPr id="9" name="CuadroTexto 8">
+            <a:extLst>
+              <a:ext uri="{FF2B5EF4-FFF2-40B4-BE49-F238E27FC236}">
+                <a16:creationId xmlns:a16="http://schemas.microsoft.com/office/drawing/2014/main" id="{3C2E1319-C186-4202-8393-814D31E5493C}"/>
+              </a:ext>
+            </a:extLst>
+          </p:cNvPr>
+          <p:cNvSpPr txBox="1"/>
+          <p:nvPr/>
+        </p:nvSpPr>
+        <p:spPr>
+          <a:xfrm>
+            <a:off x="611560" y="1583476"/>
+            <a:ext cx="7920880" cy="506292"/>
+          </a:xfrm>
+          <a:prstGeom prst="rect">
+            <a:avLst/>
+          </a:prstGeom>
+          <a:noFill/>
+        </p:spPr>
+        <p:txBody>
+          <a:bodyPr wrap="square">
+            <a:spAutoFit/>
+          </a:bodyPr>
+          <a:lstStyle/>
+          <a:p>
+            <a:pPr algn="l">
               <a:lnSpc>
                 <a:spcPct val="150000"/>
               </a:lnSpc>
-              <a:buFont typeface="Arial" panose="020B0604020202020204" pitchFamily="34" charset="0"/>
-              <a:buChar char="•"/>
             </a:pPr>
             <a:r>
-              <a:rPr lang="es-ES" sz="2000" i="0" dirty="0">
+              <a:rPr lang="es-ES" sz="2000" b="1" i="0" dirty="0">
                 <a:solidFill>
                   <a:schemeClr val="tx1">
                     <a:lumMod val="95000"/>
@@ -19425,30 +19139,7 @@
                 </a:solidFill>
                 <a:effectLst/>
               </a:rPr>
-              <a:t>Si quiero </a:t>
-            </a:r>
-            <a:r>
-              <a:rPr lang="es-ES" sz="2000" dirty="0">
-                <a:solidFill>
-                  <a:schemeClr val="tx1">
-                    <a:lumMod val="95000"/>
-                    <a:lumOff val="5000"/>
-                  </a:schemeClr>
-                </a:solidFill>
-              </a:rPr>
-              <a:t>que una línea termine con </a:t>
-            </a:r>
-            <a:r>
-              <a:rPr lang="es-ES" sz="2000" i="0" dirty="0">
-                <a:solidFill>
-                  <a:schemeClr val="tx1">
-                    <a:lumMod val="95000"/>
-                    <a:lumOff val="5000"/>
-                  </a:schemeClr>
-                </a:solidFill>
-                <a:effectLst/>
-              </a:rPr>
-              <a:t>“Mundo.”</a:t>
+              <a:t>Ejemplo 6:</a:t>
             </a:r>
             <a:endParaRPr lang="es-ES" sz="2000" b="1" dirty="0">
               <a:solidFill>
@@ -19463,61 +19154,54 @@
       </p:sp>
       <p:sp>
         <p:nvSpPr>
-          <p:cNvPr id="7" name="CuadroTexto 6">
+          <p:cNvPr id="10" name="Abrir llave 9">
             <a:extLst>
               <a:ext uri="{FF2B5EF4-FFF2-40B4-BE49-F238E27FC236}">
-                <a16:creationId xmlns:a16="http://schemas.microsoft.com/office/drawing/2014/main" id="{0CD01309-A779-489D-9641-3C8825455B71}"/>
+                <a16:creationId xmlns:a16="http://schemas.microsoft.com/office/drawing/2014/main" id="{F795473D-90D4-4794-8F57-1F88444BF981}"/>
               </a:ext>
             </a:extLst>
           </p:cNvPr>
-          <p:cNvSpPr txBox="1"/>
+          <p:cNvSpPr/>
           <p:nvPr/>
         </p:nvSpPr>
         <p:spPr>
-          <a:xfrm>
-            <a:off x="938682" y="962324"/>
-            <a:ext cx="7065349" cy="393698"/>
-          </a:xfrm>
-          <a:prstGeom prst="rect">
+          <a:xfrm rot="16200000">
+            <a:off x="7328241" y="5006428"/>
+            <a:ext cx="242932" cy="293259"/>
+          </a:xfrm>
+          <a:prstGeom prst="leftBrace">
             <a:avLst/>
           </a:prstGeom>
-          <a:noFill/>
-        </p:spPr>
-        <p:txBody>
-          <a:bodyPr wrap="square">
-            <a:spAutoFit/>
-          </a:bodyPr>
-          <a:lstStyle/>
-          <a:p>
-            <a:pPr algn="ctr" fontAlgn="base">
-              <a:lnSpc>
-                <a:spcPts val="2500"/>
-              </a:lnSpc>
-              <a:spcAft>
-                <a:spcPts val="600"/>
-              </a:spcAft>
-            </a:pPr>
-            <a:r>
-              <a:rPr lang="es-ES" b="1" i="0" dirty="0">
-                <a:solidFill>
-                  <a:schemeClr val="accent6">
-                    <a:lumMod val="75000"/>
-                  </a:schemeClr>
-                </a:solidFill>
-                <a:effectLst/>
-                <a:latin typeface="inherit"/>
-              </a:rPr>
-              <a:t>( $ ) Fin de una cadena de caracteres</a:t>
-            </a:r>
+        </p:spPr>
+        <p:style>
+          <a:lnRef idx="1">
+            <a:schemeClr val="accent1"/>
+          </a:lnRef>
+          <a:fillRef idx="0">
+            <a:schemeClr val="accent1"/>
+          </a:fillRef>
+          <a:effectRef idx="0">
+            <a:schemeClr val="accent1"/>
+          </a:effectRef>
+          <a:fontRef idx="minor">
+            <a:schemeClr val="tx1"/>
+          </a:fontRef>
+        </p:style>
+        <p:txBody>
+          <a:bodyPr rtlCol="0" anchor="ctr"/>
+          <a:lstStyle/>
+          <a:p>
+            <a:pPr algn="ctr"/>
+            <a:endParaRPr lang="es-MX"/>
           </a:p>
         </p:txBody>
       </p:sp>
       <p:pic>
         <p:nvPicPr>
-          <p:cNvPr id="6" name="Imagen 5">
+          <p:cNvPr id="3" name="Imagen 2">
             <a:extLst>
               <a:ext uri="{FF2B5EF4-FFF2-40B4-BE49-F238E27FC236}">
-                <a16:creationId xmlns:a16="http://schemas.microsoft.com/office/drawing/2014/main" id="{D162C75B-E079-4011-A089-37620B49EA06}"/>
+                <a16:creationId xmlns:a16="http://schemas.microsoft.com/office/drawing/2014/main" id="{8E367D70-F93E-4B84-B819-E8E5EC24CCC0}"/>
               </a:ext>
             </a:extLst>
           </p:cNvPr>
@@ -19534,18 +19218,69 @@
         </p:blipFill>
         <p:spPr>
           <a:xfrm>
-            <a:off x="1229221" y="2138630"/>
-            <a:ext cx="6685558" cy="4325949"/>
+            <a:off x="671139" y="2789828"/>
+            <a:ext cx="7892890" cy="3183008"/>
           </a:xfrm>
           <a:prstGeom prst="rect">
             <a:avLst/>
           </a:prstGeom>
         </p:spPr>
       </p:pic>
+      <p:sp>
+        <p:nvSpPr>
+          <p:cNvPr id="11" name="CuadroTexto 10">
+            <a:extLst>
+              <a:ext uri="{FF2B5EF4-FFF2-40B4-BE49-F238E27FC236}">
+                <a16:creationId xmlns:a16="http://schemas.microsoft.com/office/drawing/2014/main" id="{A01963C4-5EE1-4A60-85A8-719A3CE36006}"/>
+              </a:ext>
+            </a:extLst>
+          </p:cNvPr>
+          <p:cNvSpPr txBox="1"/>
+          <p:nvPr/>
+        </p:nvSpPr>
+        <p:spPr>
+          <a:xfrm>
+            <a:off x="611560" y="2089768"/>
+            <a:ext cx="8041433" cy="386901"/>
+          </a:xfrm>
+          <a:prstGeom prst="rect">
+            <a:avLst/>
+          </a:prstGeom>
+          <a:noFill/>
+        </p:spPr>
+        <p:txBody>
+          <a:bodyPr wrap="square">
+            <a:spAutoFit/>
+          </a:bodyPr>
+          <a:lstStyle/>
+          <a:p>
+            <a:pPr algn="just">
+              <a:lnSpc>
+                <a:spcPts val="2500"/>
+              </a:lnSpc>
+            </a:pPr>
+            <a:r>
+              <a:rPr lang="es-ES" sz="1600" b="0" i="0" dirty="0">
+                <a:solidFill>
+                  <a:srgbClr val="333333"/>
+                </a:solidFill>
+                <a:effectLst/>
+              </a:rPr>
+              <a:t>Obtenemos una lista de tuplas.</a:t>
+            </a:r>
+            <a:endParaRPr lang="es-ES" sz="1600" b="0" i="0" dirty="0">
+              <a:solidFill>
+                <a:srgbClr val="AAAAAA"/>
+              </a:solidFill>
+              <a:effectLst/>
+            </a:endParaRPr>
+          </a:p>
+        </p:txBody>
+      </p:sp>
     </p:spTree>
     <p:extLst>
       <p:ext uri="{BB962C8B-B14F-4D97-AF65-F5344CB8AC3E}">
-        <p14:creationId xmlns:p14="http://schemas.microsoft.com/office/powerpoint/2010/main" val="3365771507"/>
+        <p14:creationId xmlns:p14="http://schemas.microsoft.com/office/powerpoint/2010/main" val="2642150718"/>
       </p:ext>
     </p:extLst>
   </p:cSld>
@@ -19584,7 +19319,7 @@
         </p:nvSpPr>
         <p:spPr>
           <a:xfrm>
-            <a:off x="289721" y="4056"/>
+            <a:off x="289722" y="332656"/>
             <a:ext cx="8363272" cy="1143000"/>
           </a:xfrm>
         </p:spPr>
@@ -19598,7 +19333,7 @@
               <a:defRPr/>
             </a:pPr>
             <a:r>
-              <a:rPr lang="es-MX" b="1" dirty="0" err="1">
+              <a:rPr lang="es-MX" b="1" dirty="0">
                 <a:solidFill>
                   <a:schemeClr val="accent4">
                     <a:lumMod val="50000"/>
@@ -19611,30 +19346,17 @@
                 </a:effectLst>
                 <a:latin typeface="Dom Casual" charset="0"/>
               </a:rPr>
-              <a:t>Metacaracteres</a:t>
-            </a:r>
-            <a:endParaRPr lang="es-MX" b="1" dirty="0">
-              <a:solidFill>
-                <a:schemeClr val="accent4">
-                  <a:lumMod val="50000"/>
-                </a:schemeClr>
-              </a:solidFill>
-              <a:effectLst>
-                <a:outerShdw blurRad="38100" dist="38100" dir="2700000" algn="tl">
-                  <a:srgbClr val="C0C0C0"/>
-                </a:outerShdw>
-              </a:effectLst>
-              <a:latin typeface="Dom Casual" charset="0"/>
-            </a:endParaRPr>
-          </a:p>
-        </p:txBody>
-      </p:sp>
-      <p:sp>
-        <p:nvSpPr>
-          <p:cNvPr id="9" name="CuadroTexto 8">
+              <a:t>Secuencias especiales</a:t>
+            </a:r>
+          </a:p>
+        </p:txBody>
+      </p:sp>
+      <p:sp>
+        <p:nvSpPr>
+          <p:cNvPr id="11" name="CuadroTexto 10">
             <a:extLst>
               <a:ext uri="{FF2B5EF4-FFF2-40B4-BE49-F238E27FC236}">
-                <a16:creationId xmlns:a16="http://schemas.microsoft.com/office/drawing/2014/main" id="{E1C784F4-BDDC-4D50-B8E9-68B91761F76A}"/>
+                <a16:creationId xmlns:a16="http://schemas.microsoft.com/office/drawing/2014/main" id="{A01963C4-5EE1-4A60-85A8-719A3CE36006}"/>
               </a:ext>
             </a:extLst>
           </p:cNvPr>
@@ -19643,8 +19365,8 @@
         </p:nvSpPr>
         <p:spPr>
           <a:xfrm>
-            <a:off x="683568" y="1537713"/>
-            <a:ext cx="7920880" cy="1429622"/>
+            <a:off x="390364" y="2057342"/>
+            <a:ext cx="8363272" cy="2743315"/>
           </a:xfrm>
           <a:prstGeom prst="rect">
             <a:avLst/>
@@ -19657,200 +19379,197 @@
           </a:bodyPr>
           <a:lstStyle/>
           <a:p>
-            <a:pPr marL="342900" indent="-342900" algn="just">
+            <a:pPr algn="just">
               <a:lnSpc>
-                <a:spcPct val="150000"/>
+                <a:spcPts val="3000"/>
               </a:lnSpc>
-              <a:buFont typeface="Arial" panose="020B0604020202020204" pitchFamily="34" charset="0"/>
-              <a:buChar char="•"/>
             </a:pPr>
             <a:r>
-              <a:rPr lang="es-ES" sz="2000" i="0" dirty="0">
-                <a:solidFill>
-                  <a:schemeClr val="tx1">
-                    <a:lumMod val="95000"/>
-                    <a:lumOff val="5000"/>
-                  </a:schemeClr>
-                </a:solidFill>
-                <a:effectLst/>
-              </a:rPr>
-              <a:t>Si quiero </a:t>
-            </a:r>
-            <a:r>
-              <a:rPr lang="es-ES" sz="2000" dirty="0">
-                <a:solidFill>
-                  <a:schemeClr val="tx1">
-                    <a:lumMod val="95000"/>
-                    <a:lumOff val="5000"/>
-                  </a:schemeClr>
-                </a:solidFill>
-              </a:rPr>
-              <a:t>que una línea termine con </a:t>
-            </a:r>
-            <a:r>
-              <a:rPr lang="es-ES" sz="2000" i="0" dirty="0">
-                <a:solidFill>
-                  <a:schemeClr val="tx1">
-                    <a:lumMod val="95000"/>
-                    <a:lumOff val="5000"/>
-                  </a:schemeClr>
-                </a:solidFill>
-                <a:effectLst/>
-              </a:rPr>
-              <a:t>“Mundo.” </a:t>
-            </a:r>
-          </a:p>
-          <a:p>
-            <a:pPr marL="342900" indent="-342900" algn="just">
+              <a:rPr lang="es-ES" sz="1600" b="1" dirty="0">
+                <a:solidFill>
+                  <a:srgbClr val="FF0000"/>
+                </a:solidFill>
+              </a:rPr>
+              <a:t>\d    </a:t>
+            </a:r>
+            <a:r>
+              <a:rPr lang="es-ES" sz="1600" dirty="0">
+                <a:solidFill>
+                  <a:srgbClr val="333333"/>
+                </a:solidFill>
+              </a:rPr>
+              <a:t>Coincide con cualquier dígito decimal. Equivalente a [0-9].</a:t>
+            </a:r>
+          </a:p>
+          <a:p>
+            <a:pPr algn="just">
               <a:lnSpc>
-                <a:spcPct val="150000"/>
+                <a:spcPts val="3000"/>
               </a:lnSpc>
-              <a:buFont typeface="Arial" panose="020B0604020202020204" pitchFamily="34" charset="0"/>
-              <a:buChar char="•"/>
             </a:pPr>
             <a:r>
-              <a:rPr lang="es-ES" sz="2000" dirty="0">
-                <a:solidFill>
-                  <a:schemeClr val="tx1">
-                    <a:lumMod val="95000"/>
-                    <a:lumOff val="5000"/>
-                  </a:schemeClr>
-                </a:solidFill>
-              </a:rPr>
-              <a:t>Agregar </a:t>
-            </a:r>
-            <a:r>
-              <a:rPr lang="es-ES" sz="2000" dirty="0" err="1">
-                <a:solidFill>
-                  <a:schemeClr val="tx1">
-                    <a:lumMod val="95000"/>
-                    <a:lumOff val="5000"/>
-                  </a:schemeClr>
-                </a:solidFill>
-              </a:rPr>
-              <a:t>flag</a:t>
-            </a:r>
-            <a:r>
-              <a:rPr lang="es-ES" sz="2000" dirty="0">
-                <a:solidFill>
-                  <a:schemeClr val="tx1">
-                    <a:lumMod val="95000"/>
-                    <a:lumOff val="5000"/>
-                  </a:schemeClr>
-                </a:solidFill>
-              </a:rPr>
-              <a:t> </a:t>
-            </a:r>
-            <a:r>
-              <a:rPr lang="es-ES" sz="2000" b="1" dirty="0" err="1">
-                <a:solidFill>
-                  <a:schemeClr val="tx1">
-                    <a:lumMod val="95000"/>
-                    <a:lumOff val="5000"/>
-                  </a:schemeClr>
-                </a:solidFill>
-              </a:rPr>
-              <a:t>re.M</a:t>
-            </a:r>
-            <a:r>
-              <a:rPr lang="es-ES" sz="2000" dirty="0">
-                <a:solidFill>
-                  <a:schemeClr val="tx1">
-                    <a:lumMod val="95000"/>
-                    <a:lumOff val="5000"/>
-                  </a:schemeClr>
-                </a:solidFill>
-              </a:rPr>
-              <a:t> para tomar texto multilínea. Que lea cada línea por separado.</a:t>
-            </a:r>
-          </a:p>
-        </p:txBody>
-      </p:sp>
-      <p:sp>
-        <p:nvSpPr>
-          <p:cNvPr id="7" name="CuadroTexto 6">
-            <a:extLst>
-              <a:ext uri="{FF2B5EF4-FFF2-40B4-BE49-F238E27FC236}">
-                <a16:creationId xmlns:a16="http://schemas.microsoft.com/office/drawing/2014/main" id="{0CD01309-A779-489D-9641-3C8825455B71}"/>
-              </a:ext>
-            </a:extLst>
-          </p:cNvPr>
-          <p:cNvSpPr txBox="1"/>
-          <p:nvPr/>
-        </p:nvSpPr>
-        <p:spPr>
-          <a:xfrm>
-            <a:off x="938682" y="962324"/>
-            <a:ext cx="7065349" cy="393698"/>
-          </a:xfrm>
-          <a:prstGeom prst="rect">
-            <a:avLst/>
-          </a:prstGeom>
-          <a:noFill/>
-        </p:spPr>
-        <p:txBody>
-          <a:bodyPr wrap="square">
-            <a:spAutoFit/>
-          </a:bodyPr>
-          <a:lstStyle/>
-          <a:p>
-            <a:pPr algn="ctr" fontAlgn="base">
+              <a:rPr lang="es-ES" sz="1600" b="1" dirty="0">
+                <a:solidFill>
+                  <a:srgbClr val="FF0000"/>
+                </a:solidFill>
+              </a:rPr>
+              <a:t>\D    </a:t>
+            </a:r>
+            <a:r>
+              <a:rPr lang="es-ES" sz="1600" dirty="0">
+                <a:solidFill>
+                  <a:srgbClr val="333333"/>
+                </a:solidFill>
+              </a:rPr>
+              <a:t>Coincide con cualquier carácter que </a:t>
+            </a:r>
+            <a:r>
+              <a:rPr lang="es-ES" sz="1600" b="1" dirty="0">
+                <a:solidFill>
+                  <a:srgbClr val="333333"/>
+                </a:solidFill>
+              </a:rPr>
+              <a:t>no</a:t>
+            </a:r>
+            <a:r>
+              <a:rPr lang="es-ES" sz="1600" dirty="0">
+                <a:solidFill>
+                  <a:srgbClr val="333333"/>
+                </a:solidFill>
+              </a:rPr>
+              <a:t> sea un dígito. Equivalente a [^0-9].</a:t>
+            </a:r>
+          </a:p>
+          <a:p>
+            <a:pPr algn="just">
               <a:lnSpc>
-                <a:spcPts val="2500"/>
+                <a:spcPts val="3000"/>
               </a:lnSpc>
-              <a:spcAft>
-                <a:spcPts val="600"/>
-              </a:spcAft>
             </a:pPr>
             <a:r>
-              <a:rPr lang="es-ES" b="1" i="0" dirty="0">
-                <a:solidFill>
-                  <a:schemeClr val="accent6">
-                    <a:lumMod val="75000"/>
-                  </a:schemeClr>
-                </a:solidFill>
-                <a:effectLst/>
-                <a:latin typeface="inherit"/>
-              </a:rPr>
-              <a:t>( $ ) Fin de cadena de caracteres</a:t>
-            </a:r>
-          </a:p>
-        </p:txBody>
-      </p:sp>
-      <p:pic>
-        <p:nvPicPr>
-          <p:cNvPr id="3" name="Imagen 2">
-            <a:extLst>
-              <a:ext uri="{FF2B5EF4-FFF2-40B4-BE49-F238E27FC236}">
-                <a16:creationId xmlns:a16="http://schemas.microsoft.com/office/drawing/2014/main" id="{9BF02BA4-7F59-41F5-A7CC-189B2F98F9A9}"/>
-              </a:ext>
-            </a:extLst>
-          </p:cNvPr>
-          <p:cNvPicPr>
-            <a:picLocks noChangeAspect="1"/>
-          </p:cNvPicPr>
-          <p:nvPr/>
-        </p:nvPicPr>
-        <p:blipFill>
-          <a:blip r:embed="rId3"/>
-          <a:stretch>
-            <a:fillRect/>
-          </a:stretch>
-        </p:blipFill>
-        <p:spPr>
-          <a:xfrm>
-            <a:off x="1577210" y="3212976"/>
-            <a:ext cx="5788292" cy="3096344"/>
-          </a:xfrm>
-          <a:prstGeom prst="rect">
-            <a:avLst/>
-          </a:prstGeom>
-        </p:spPr>
-      </p:pic>
+              <a:rPr lang="es-ES" sz="1600" b="1" dirty="0">
+                <a:solidFill>
+                  <a:srgbClr val="FF0000"/>
+                </a:solidFill>
+              </a:rPr>
+              <a:t>\s     </a:t>
+            </a:r>
+            <a:r>
+              <a:rPr lang="es-ES" sz="1600" dirty="0">
+                <a:solidFill>
+                  <a:srgbClr val="333333"/>
+                </a:solidFill>
+              </a:rPr>
+              <a:t>Coincide con un espacio en blanco.</a:t>
+            </a:r>
+          </a:p>
+          <a:p>
+            <a:pPr algn="just">
+              <a:lnSpc>
+                <a:spcPts val="3000"/>
+              </a:lnSpc>
+            </a:pPr>
+            <a:r>
+              <a:rPr lang="es-ES" sz="1600" b="1" dirty="0">
+                <a:solidFill>
+                  <a:srgbClr val="FF0000"/>
+                </a:solidFill>
+              </a:rPr>
+              <a:t>\S    </a:t>
+            </a:r>
+            <a:r>
+              <a:rPr lang="es-ES" sz="1600" dirty="0">
+                <a:solidFill>
+                  <a:srgbClr val="333333"/>
+                </a:solidFill>
+              </a:rPr>
+              <a:t>Coincide con cualquier carácter que </a:t>
+            </a:r>
+            <a:r>
+              <a:rPr lang="es-ES" sz="1600" b="1" dirty="0">
+                <a:solidFill>
+                  <a:srgbClr val="333333"/>
+                </a:solidFill>
+              </a:rPr>
+              <a:t>no</a:t>
+            </a:r>
+            <a:r>
+              <a:rPr lang="es-ES" sz="1600" dirty="0">
+                <a:solidFill>
+                  <a:srgbClr val="333333"/>
+                </a:solidFill>
+              </a:rPr>
+              <a:t> sea un espacio en blanco. Equivalente a [^ \t\n\r\f\v].</a:t>
+            </a:r>
+          </a:p>
+          <a:p>
+            <a:pPr algn="just">
+              <a:lnSpc>
+                <a:spcPts val="3000"/>
+              </a:lnSpc>
+            </a:pPr>
+            <a:r>
+              <a:rPr lang="es-ES" sz="1600" b="1" dirty="0">
+                <a:solidFill>
+                  <a:srgbClr val="FF0000"/>
+                </a:solidFill>
+              </a:rPr>
+              <a:t>\w   </a:t>
+            </a:r>
+            <a:r>
+              <a:rPr lang="es-ES" sz="1600" dirty="0">
+                <a:solidFill>
+                  <a:srgbClr val="333333"/>
+                </a:solidFill>
+              </a:rPr>
+              <a:t>Coincide con cualquier carácter alfanumérico e incluye vocales con acentos. Equivalente a [a-zA-Z0-9_].</a:t>
+            </a:r>
+          </a:p>
+          <a:p>
+            <a:pPr algn="just">
+              <a:lnSpc>
+                <a:spcPts val="3000"/>
+              </a:lnSpc>
+            </a:pPr>
+            <a:r>
+              <a:rPr lang="es-ES" sz="1600" b="1" dirty="0">
+                <a:solidFill>
+                  <a:srgbClr val="FF0000"/>
+                </a:solidFill>
+              </a:rPr>
+              <a:t>\W  </a:t>
+            </a:r>
+            <a:r>
+              <a:rPr lang="es-ES" sz="1600" dirty="0">
+                <a:solidFill>
+                  <a:srgbClr val="333333"/>
+                </a:solidFill>
+              </a:rPr>
+              <a:t>Coincide con cualquier carácter </a:t>
+            </a:r>
+            <a:r>
+              <a:rPr lang="es-ES" sz="1600" b="1" dirty="0">
+                <a:solidFill>
+                  <a:srgbClr val="333333"/>
+                </a:solidFill>
+              </a:rPr>
+              <a:t>no </a:t>
+            </a:r>
+            <a:r>
+              <a:rPr lang="es-ES" sz="1600" dirty="0">
+                <a:solidFill>
+                  <a:srgbClr val="333333"/>
+                </a:solidFill>
+              </a:rPr>
+              <a:t>alfanumérico. Equivalente a [^a-zA-Z0-9_].</a:t>
+            </a:r>
+          </a:p>
+        </p:txBody>
+      </p:sp>
     </p:spTree>
     <p:extLst>
       <p:ext uri="{BB962C8B-B14F-4D97-AF65-F5344CB8AC3E}">
-        <p14:creationId xmlns:p14="http://schemas.microsoft.com/office/powerpoint/2010/main" val="202003000"/>
+        <p14:creationId xmlns:p14="http://schemas.microsoft.com/office/powerpoint/2010/main" val="1564804550"/>
       </p:ext>
     </p:extLst>
   </p:cSld>
@@ -19903,7 +19622,7 @@
               <a:defRPr/>
             </a:pPr>
             <a:r>
-              <a:rPr lang="es-MX" b="1" dirty="0" err="1">
+              <a:rPr lang="es-MX" b="1" dirty="0">
                 <a:solidFill>
                   <a:schemeClr val="accent4">
                     <a:lumMod val="50000"/>
@@ -19916,21 +19635,8 @@
                 </a:effectLst>
                 <a:latin typeface="Dom Casual" charset="0"/>
               </a:rPr>
-              <a:t>Flags</a:t>
-            </a:r>
-            <a:endParaRPr lang="es-MX" b="1" dirty="0">
-              <a:solidFill>
-                <a:schemeClr val="accent4">
-                  <a:lumMod val="50000"/>
-                </a:schemeClr>
-              </a:solidFill>
-              <a:effectLst>
-                <a:outerShdw blurRad="38100" dist="38100" dir="2700000" algn="tl">
-                  <a:srgbClr val="C0C0C0"/>
-                </a:outerShdw>
-              </a:effectLst>
-              <a:latin typeface="Dom Casual" charset="0"/>
-            </a:endParaRPr>
+              <a:t>Ejercicio</a:t>
+            </a:r>
           </a:p>
         </p:txBody>
       </p:sp>
@@ -19971,7 +19677,7 @@
               </a:spcAft>
             </a:pPr>
             <a:r>
-              <a:rPr lang="es-ES" b="1" dirty="0" err="1">
+              <a:rPr lang="es-ES" b="1" dirty="0">
                 <a:solidFill>
                   <a:schemeClr val="accent6">
                     <a:lumMod val="75000"/>
@@ -19979,112 +19685,16 @@
                 </a:solidFill>
                 <a:latin typeface="inherit"/>
               </a:rPr>
-              <a:t>r</a:t>
-            </a:r>
-            <a:r>
-              <a:rPr lang="es-ES" b="1" i="0" dirty="0" err="1">
-                <a:solidFill>
-                  <a:schemeClr val="accent6">
-                    <a:lumMod val="75000"/>
-                  </a:schemeClr>
-                </a:solidFill>
-                <a:effectLst/>
-                <a:latin typeface="inherit"/>
-              </a:rPr>
-              <a:t>e.I</a:t>
-            </a:r>
-            <a:r>
-              <a:rPr lang="es-ES" b="1" i="0" dirty="0">
-                <a:solidFill>
-                  <a:schemeClr val="accent6">
-                    <a:lumMod val="75000"/>
-                  </a:schemeClr>
-                </a:solidFill>
-                <a:effectLst/>
-                <a:latin typeface="inherit"/>
-              </a:rPr>
-              <a:t> (Ignore mayúsculas y minúsculas)</a:t>
-            </a:r>
-          </a:p>
-        </p:txBody>
-      </p:sp>
-      <p:sp>
-        <p:nvSpPr>
-          <p:cNvPr id="12" name="CuadroTexto 11">
-            <a:extLst>
-              <a:ext uri="{FF2B5EF4-FFF2-40B4-BE49-F238E27FC236}">
-                <a16:creationId xmlns:a16="http://schemas.microsoft.com/office/drawing/2014/main" id="{2BAA6197-7260-44CA-B670-444DBF97C92D}"/>
-              </a:ext>
-            </a:extLst>
-          </p:cNvPr>
-          <p:cNvSpPr txBox="1"/>
-          <p:nvPr/>
-        </p:nvSpPr>
-        <p:spPr>
-          <a:xfrm>
-            <a:off x="683568" y="1537713"/>
-            <a:ext cx="7920880" cy="967957"/>
-          </a:xfrm>
-          <a:prstGeom prst="rect">
-            <a:avLst/>
-          </a:prstGeom>
-          <a:noFill/>
-        </p:spPr>
-        <p:txBody>
-          <a:bodyPr wrap="square">
-            <a:spAutoFit/>
-          </a:bodyPr>
-          <a:lstStyle/>
-          <a:p>
-            <a:pPr marL="342900" indent="-342900" algn="just">
-              <a:lnSpc>
-                <a:spcPct val="150000"/>
-              </a:lnSpc>
-              <a:buFont typeface="Arial" panose="020B0604020202020204" pitchFamily="34" charset="0"/>
-              <a:buChar char="•"/>
-            </a:pPr>
-            <a:r>
-              <a:rPr lang="es-ES" sz="2000" i="0" dirty="0">
-                <a:solidFill>
-                  <a:schemeClr val="tx1">
-                    <a:lumMod val="95000"/>
-                    <a:lumOff val="5000"/>
-                  </a:schemeClr>
-                </a:solidFill>
-                <a:effectLst/>
-              </a:rPr>
-              <a:t>Si quiero buscar una palabra </a:t>
-            </a:r>
-            <a:r>
-              <a:rPr lang="es-ES" sz="2000" dirty="0">
-                <a:solidFill>
-                  <a:schemeClr val="tx1">
-                    <a:lumMod val="95000"/>
-                    <a:lumOff val="5000"/>
-                  </a:schemeClr>
-                </a:solidFill>
-              </a:rPr>
-              <a:t>sin importar que este escrita en mayúsculas o minúsculas.</a:t>
-            </a:r>
-            <a:r>
-              <a:rPr lang="es-ES" sz="2000" i="0" dirty="0">
-                <a:solidFill>
-                  <a:schemeClr val="tx1">
-                    <a:lumMod val="95000"/>
-                    <a:lumOff val="5000"/>
-                  </a:schemeClr>
-                </a:solidFill>
-                <a:effectLst/>
-              </a:rPr>
-              <a:t> </a:t>
-            </a:r>
-            <a:endParaRPr lang="es-ES" sz="2000" dirty="0">
+              <a:t>Encontrar puntuaciones</a:t>
+            </a:r>
+            <a:endParaRPr lang="es-ES" b="1" i="0" dirty="0">
               <a:solidFill>
-                <a:schemeClr val="tx1">
-                  <a:lumMod val="95000"/>
-                  <a:lumOff val="5000"/>
+                <a:schemeClr val="accent6">
+                  <a:lumMod val="75000"/>
                 </a:schemeClr>
               </a:solidFill>
+              <a:effectLst/>
+              <a:latin typeface="inherit"/>
             </a:endParaRPr>
           </a:p>
         </p:txBody>
@@ -20094,7 +19704,7 @@
           <p:cNvPr id="3" name="Imagen 2">
             <a:extLst>
               <a:ext uri="{FF2B5EF4-FFF2-40B4-BE49-F238E27FC236}">
-                <a16:creationId xmlns:a16="http://schemas.microsoft.com/office/drawing/2014/main" id="{E4F092CB-B93F-4FF3-A4E7-1456D0FCEE8A}"/>
+                <a16:creationId xmlns:a16="http://schemas.microsoft.com/office/drawing/2014/main" id="{CC807647-4B7C-4F7F-A10F-208361849D40}"/>
               </a:ext>
             </a:extLst>
           </p:cNvPr>
@@ -20111,8 +19721,177 @@
         </p:blipFill>
         <p:spPr>
           <a:xfrm>
-            <a:off x="1634530" y="2924944"/>
-            <a:ext cx="5525244" cy="3073728"/>
+            <a:off x="467544" y="3392880"/>
+            <a:ext cx="6419530" cy="2448272"/>
+          </a:xfrm>
+          <a:prstGeom prst="rect">
+            <a:avLst/>
+          </a:prstGeom>
+        </p:spPr>
+      </p:pic>
+      <p:sp>
+        <p:nvSpPr>
+          <p:cNvPr id="8" name="CuadroTexto 7">
+            <a:extLst>
+              <a:ext uri="{FF2B5EF4-FFF2-40B4-BE49-F238E27FC236}">
+                <a16:creationId xmlns:a16="http://schemas.microsoft.com/office/drawing/2014/main" id="{2B885235-1BFC-4A90-AC93-F12DA30D3529}"/>
+              </a:ext>
+            </a:extLst>
+          </p:cNvPr>
+          <p:cNvSpPr txBox="1"/>
+          <p:nvPr/>
+        </p:nvSpPr>
+        <p:spPr>
+          <a:xfrm>
+            <a:off x="436712" y="1823083"/>
+            <a:ext cx="3343200" cy="967957"/>
+          </a:xfrm>
+          <a:prstGeom prst="rect">
+            <a:avLst/>
+          </a:prstGeom>
+          <a:noFill/>
+        </p:spPr>
+        <p:txBody>
+          <a:bodyPr wrap="square">
+            <a:spAutoFit/>
+          </a:bodyPr>
+          <a:lstStyle/>
+          <a:p>
+            <a:pPr algn="just">
+              <a:lnSpc>
+                <a:spcPct val="150000"/>
+              </a:lnSpc>
+            </a:pPr>
+            <a:r>
+              <a:rPr lang="es-ES" sz="2000" b="1" i="0" dirty="0">
+                <a:solidFill>
+                  <a:schemeClr val="accent6">
+                    <a:lumMod val="75000"/>
+                  </a:schemeClr>
+                </a:solidFill>
+                <a:effectLst/>
+              </a:rPr>
+              <a:t>\w </a:t>
+            </a:r>
+            <a:r>
+              <a:rPr lang="es-ES" sz="2000" i="0" dirty="0" err="1">
+                <a:solidFill>
+                  <a:schemeClr val="tx1">
+                    <a:lumMod val="95000"/>
+                    <a:lumOff val="5000"/>
+                  </a:schemeClr>
+                </a:solidFill>
+                <a:effectLst/>
+              </a:rPr>
+              <a:t>Caracte</a:t>
+            </a:r>
+            <a:r>
+              <a:rPr lang="es-ES" sz="2000" dirty="0" err="1">
+                <a:solidFill>
+                  <a:schemeClr val="tx1">
+                    <a:lumMod val="95000"/>
+                    <a:lumOff val="5000"/>
+                  </a:schemeClr>
+                </a:solidFill>
+              </a:rPr>
+              <a:t>r</a:t>
+            </a:r>
+            <a:r>
+              <a:rPr lang="es-ES" sz="2000" dirty="0">
+                <a:solidFill>
+                  <a:schemeClr val="tx1">
+                    <a:lumMod val="95000"/>
+                    <a:lumOff val="5000"/>
+                  </a:schemeClr>
+                </a:solidFill>
+              </a:rPr>
+              <a:t> o guion bajo.</a:t>
+            </a:r>
+          </a:p>
+          <a:p>
+            <a:pPr algn="just">
+              <a:lnSpc>
+                <a:spcPct val="150000"/>
+              </a:lnSpc>
+            </a:pPr>
+            <a:r>
+              <a:rPr lang="es-ES" sz="2000" b="1" dirty="0">
+                <a:solidFill>
+                  <a:schemeClr val="accent6">
+                    <a:lumMod val="75000"/>
+                  </a:schemeClr>
+                </a:solidFill>
+              </a:rPr>
+              <a:t>\s </a:t>
+            </a:r>
+            <a:r>
+              <a:rPr lang="es-ES" sz="2000" dirty="0">
+                <a:solidFill>
+                  <a:schemeClr val="tx1">
+                    <a:lumMod val="95000"/>
+                    <a:lumOff val="5000"/>
+                  </a:schemeClr>
+                </a:solidFill>
+              </a:rPr>
+              <a:t>Espacio, </a:t>
+            </a:r>
+            <a:r>
+              <a:rPr lang="es-ES" sz="2000" dirty="0" err="1">
+                <a:solidFill>
+                  <a:schemeClr val="tx1">
+                    <a:lumMod val="95000"/>
+                    <a:lumOff val="5000"/>
+                  </a:schemeClr>
+                </a:solidFill>
+              </a:rPr>
+              <a:t>tab</a:t>
+            </a:r>
+            <a:r>
+              <a:rPr lang="es-ES" sz="2000" dirty="0">
+                <a:solidFill>
+                  <a:schemeClr val="tx1">
+                    <a:lumMod val="95000"/>
+                    <a:lumOff val="5000"/>
+                  </a:schemeClr>
+                </a:solidFill>
+              </a:rPr>
+              <a:t>, salto de línea</a:t>
+            </a:r>
+            <a:endParaRPr lang="es-ES" sz="2000" b="1" dirty="0">
+              <a:solidFill>
+                <a:schemeClr val="tx1">
+                  <a:lumMod val="95000"/>
+                  <a:lumOff val="5000"/>
+                </a:schemeClr>
+              </a:solidFill>
+            </a:endParaRPr>
+          </a:p>
+        </p:txBody>
+      </p:sp>
+      <p:pic>
+        <p:nvPicPr>
+          <p:cNvPr id="6" name="Imagen 5">
+            <a:extLst>
+              <a:ext uri="{FF2B5EF4-FFF2-40B4-BE49-F238E27FC236}">
+                <a16:creationId xmlns:a16="http://schemas.microsoft.com/office/drawing/2014/main" id="{B9F7E57C-E9F3-4E63-858D-D231EB203ACC}"/>
+              </a:ext>
+            </a:extLst>
+          </p:cNvPr>
+          <p:cNvPicPr>
+            <a:picLocks noChangeAspect="1"/>
+          </p:cNvPicPr>
+          <p:nvPr/>
+        </p:nvPicPr>
+        <p:blipFill>
+          <a:blip r:embed="rId4"/>
+          <a:stretch>
+            <a:fillRect/>
+          </a:stretch>
+        </p:blipFill>
+        <p:spPr>
+          <a:xfrm>
+            <a:off x="3779912" y="1762390"/>
+            <a:ext cx="5112617" cy="2223182"/>
           </a:xfrm>
           <a:prstGeom prst="rect">
             <a:avLst/>
@@ -20122,7 +19901,7 @@
     </p:spTree>
     <p:extLst>
       <p:ext uri="{BB962C8B-B14F-4D97-AF65-F5344CB8AC3E}">
-        <p14:creationId xmlns:p14="http://schemas.microsoft.com/office/powerpoint/2010/main" val="2692912072"/>
+        <p14:creationId xmlns:p14="http://schemas.microsoft.com/office/powerpoint/2010/main" val="980519909"/>
       </p:ext>
     </p:extLst>
   </p:cSld>
@@ -20175,7 +19954,7 @@
               <a:defRPr/>
             </a:pPr>
             <a:r>
-              <a:rPr lang="es-MX" b="1" dirty="0">
+              <a:rPr lang="es-MX" b="1" dirty="0" err="1">
                 <a:solidFill>
                   <a:schemeClr val="accent4">
                     <a:lumMod val="50000"/>
@@ -20188,8 +19967,21 @@
                 </a:effectLst>
                 <a:latin typeface="Dom Casual" charset="0"/>
               </a:rPr>
-              <a:t>Ejercicio</a:t>
-            </a:r>
+              <a:t>Flags</a:t>
+            </a:r>
+            <a:endParaRPr lang="es-MX" b="1" dirty="0">
+              <a:solidFill>
+                <a:schemeClr val="accent4">
+                  <a:lumMod val="50000"/>
+                </a:schemeClr>
+              </a:solidFill>
+              <a:effectLst>
+                <a:outerShdw blurRad="38100" dist="38100" dir="2700000" algn="tl">
+                  <a:srgbClr val="C0C0C0"/>
+                </a:outerShdw>
+              </a:effectLst>
+              <a:latin typeface="Dom Casual" charset="0"/>
+            </a:endParaRPr>
           </a:p>
         </p:txBody>
       </p:sp>
@@ -20230,7 +20022,7 @@
               </a:spcAft>
             </a:pPr>
             <a:r>
-              <a:rPr lang="es-ES" b="1" dirty="0">
+              <a:rPr lang="es-ES" b="1" dirty="0" err="1">
                 <a:solidFill>
                   <a:schemeClr val="accent6">
                     <a:lumMod val="75000"/>
@@ -20238,26 +20030,41 @@
                 </a:solidFill>
                 <a:latin typeface="inherit"/>
               </a:rPr>
-              <a:t>Encontrar puntuaciones</a:t>
-            </a:r>
-            <a:endParaRPr lang="es-ES" b="1" i="0" dirty="0">
-              <a:solidFill>
-                <a:schemeClr val="accent6">
-                  <a:lumMod val="75000"/>
-                </a:schemeClr>
-              </a:solidFill>
-              <a:effectLst/>
-              <a:latin typeface="inherit"/>
-            </a:endParaRPr>
+              <a:t>r</a:t>
+            </a:r>
+            <a:r>
+              <a:rPr lang="es-ES" b="1" i="0" dirty="0" err="1">
+                <a:solidFill>
+                  <a:schemeClr val="accent6">
+                    <a:lumMod val="75000"/>
+                  </a:schemeClr>
+                </a:solidFill>
+                <a:effectLst/>
+                <a:latin typeface="inherit"/>
+              </a:rPr>
+              <a:t>e.M</a:t>
+            </a:r>
+            <a:r>
+              <a:rPr lang="es-ES" b="1" i="0" dirty="0">
+                <a:solidFill>
+                  <a:schemeClr val="accent6">
+                    <a:lumMod val="75000"/>
+                  </a:schemeClr>
+                </a:solidFill>
+                <a:effectLst/>
+                <a:latin typeface="inherit"/>
+              </a:rPr>
+              <a:t> Multilínea</a:t>
+            </a:r>
           </a:p>
         </p:txBody>
       </p:sp>
       <p:pic>
         <p:nvPicPr>
-          <p:cNvPr id="3" name="Imagen 2">
+          <p:cNvPr id="8" name="Imagen 7">
             <a:extLst>
               <a:ext uri="{FF2B5EF4-FFF2-40B4-BE49-F238E27FC236}">
-                <a16:creationId xmlns:a16="http://schemas.microsoft.com/office/drawing/2014/main" id="{CC807647-4B7C-4F7F-A10F-208361849D40}"/>
+                <a16:creationId xmlns:a16="http://schemas.microsoft.com/office/drawing/2014/main" id="{E3840710-FB86-4DB4-A256-41715E3B3070}"/>
               </a:ext>
             </a:extLst>
           </p:cNvPr>
@@ -20274,8 +20081,8 @@
         </p:blipFill>
         <p:spPr>
           <a:xfrm>
-            <a:off x="467544" y="3392880"/>
-            <a:ext cx="6419530" cy="2448272"/>
+            <a:off x="1799367" y="3143086"/>
+            <a:ext cx="5940985" cy="3063904"/>
           </a:xfrm>
           <a:prstGeom prst="rect">
             <a:avLst/>
@@ -20284,10 +20091,10 @@
       </p:pic>
       <p:sp>
         <p:nvSpPr>
-          <p:cNvPr id="8" name="CuadroTexto 7">
+          <p:cNvPr id="12" name="CuadroTexto 11">
             <a:extLst>
               <a:ext uri="{FF2B5EF4-FFF2-40B4-BE49-F238E27FC236}">
-                <a16:creationId xmlns:a16="http://schemas.microsoft.com/office/drawing/2014/main" id="{2B885235-1BFC-4A90-AC93-F12DA30D3529}"/>
+                <a16:creationId xmlns:a16="http://schemas.microsoft.com/office/drawing/2014/main" id="{2BAA6197-7260-44CA-B670-444DBF97C92D}"/>
               </a:ext>
             </a:extLst>
           </p:cNvPr>
@@ -20296,8 +20103,8 @@
         </p:nvSpPr>
         <p:spPr>
           <a:xfrm>
-            <a:off x="436712" y="1823083"/>
-            <a:ext cx="3343200" cy="967957"/>
+            <a:off x="683568" y="1537713"/>
+            <a:ext cx="7920880" cy="1429622"/>
           </a:xfrm>
           <a:prstGeom prst="rect">
             <a:avLst/>
@@ -20310,24 +20117,15 @@
           </a:bodyPr>
           <a:lstStyle/>
           <a:p>
-            <a:pPr algn="just">
+            <a:pPr marL="342900" indent="-342900" algn="just">
               <a:lnSpc>
                 <a:spcPct val="150000"/>
               </a:lnSpc>
+              <a:buFont typeface="Arial" panose="020B0604020202020204" pitchFamily="34" charset="0"/>
+              <a:buChar char="•"/>
             </a:pPr>
             <a:r>
-              <a:rPr lang="es-ES" sz="2000" b="1" i="0" dirty="0">
-                <a:solidFill>
-                  <a:schemeClr val="accent6">
-                    <a:lumMod val="75000"/>
-                  </a:schemeClr>
-                </a:solidFill>
-                <a:effectLst/>
-              </a:rPr>
-              <a:t>\w </a:t>
-            </a:r>
-            <a:r>
-              <a:rPr lang="es-ES" sz="2000" i="0" dirty="0" err="1">
+              <a:rPr lang="es-ES" sz="2000" i="0" dirty="0">
                 <a:solidFill>
                   <a:schemeClr val="tx1">
                     <a:lumMod val="95000"/>
@@ -20336,10 +20134,10 @@
                 </a:solidFill>
                 <a:effectLst/>
               </a:rPr>
-              <a:t>Caracte</a:t>
-            </a:r>
-            <a:r>
-              <a:rPr lang="es-ES" sz="2000" dirty="0" err="1">
+              <a:t>Si quiero </a:t>
+            </a:r>
+            <a:r>
+              <a:rPr lang="es-ES" sz="2000" dirty="0">
                 <a:solidFill>
                   <a:schemeClr val="tx1">
                     <a:lumMod val="95000"/>
@@ -20347,36 +20145,29 @@
                   </a:schemeClr>
                 </a:solidFill>
               </a:rPr>
-              <a:t>r</a:t>
-            </a:r>
-            <a:r>
-              <a:rPr lang="es-ES" sz="2000" dirty="0">
+              <a:t>que una línea termine con </a:t>
+            </a:r>
+            <a:r>
+              <a:rPr lang="es-ES" sz="2000" i="0" dirty="0">
                 <a:solidFill>
                   <a:schemeClr val="tx1">
                     <a:lumMod val="95000"/>
                     <a:lumOff val="5000"/>
                   </a:schemeClr>
                 </a:solidFill>
-              </a:rPr>
-              <a:t> o guion bajo.</a:t>
-            </a:r>
-          </a:p>
-          <a:p>
-            <a:pPr algn="just">
+                <a:effectLst/>
+              </a:rPr>
+              <a:t>“Mundo.” </a:t>
+            </a:r>
+          </a:p>
+          <a:p>
+            <a:pPr marL="342900" indent="-342900" algn="just">
               <a:lnSpc>
                 <a:spcPct val="150000"/>
               </a:lnSpc>
+              <a:buFont typeface="Arial" panose="020B0604020202020204" pitchFamily="34" charset="0"/>
+              <a:buChar char="•"/>
             </a:pPr>
-            <a:r>
-              <a:rPr lang="es-ES" sz="2000" b="1" dirty="0">
-                <a:solidFill>
-                  <a:schemeClr val="accent6">
-                    <a:lumMod val="75000"/>
-                  </a:schemeClr>
-                </a:solidFill>
-              </a:rPr>
-              <a:t>\s </a:t>
-            </a:r>
             <a:r>
               <a:rPr lang="es-ES" sz="2000" dirty="0">
                 <a:solidFill>
@@ -20386,7 +20177,7 @@
                   </a:schemeClr>
                 </a:solidFill>
               </a:rPr>
-              <a:t>Espacio, </a:t>
+              <a:t>Agregar </a:t>
             </a:r>
             <a:r>
               <a:rPr lang="es-ES" sz="2000" dirty="0" err="1">
@@ -20397,7 +20188,7 @@
                   </a:schemeClr>
                 </a:solidFill>
               </a:rPr>
-              <a:t>tab</a:t>
+              <a:t>flag</a:t>
             </a:r>
             <a:r>
               <a:rPr lang="es-ES" sz="2000" dirty="0">
@@ -20408,53 +20199,48 @@
                   </a:schemeClr>
                 </a:solidFill>
               </a:rPr>
-              <a:t>, salto de línea</a:t>
-            </a:r>
-            <a:endParaRPr lang="es-ES" sz="2000" b="1" dirty="0">
-              <a:solidFill>
-                <a:schemeClr val="tx1">
-                  <a:lumMod val="95000"/>
-                  <a:lumOff val="5000"/>
-                </a:schemeClr>
-              </a:solidFill>
-            </a:endParaRPr>
-          </a:p>
-        </p:txBody>
-      </p:sp>
-      <p:pic>
-        <p:nvPicPr>
-          <p:cNvPr id="6" name="Imagen 5">
-            <a:extLst>
-              <a:ext uri="{FF2B5EF4-FFF2-40B4-BE49-F238E27FC236}">
-                <a16:creationId xmlns:a16="http://schemas.microsoft.com/office/drawing/2014/main" id="{B9F7E57C-E9F3-4E63-858D-D231EB203ACC}"/>
-              </a:ext>
-            </a:extLst>
-          </p:cNvPr>
-          <p:cNvPicPr>
-            <a:picLocks noChangeAspect="1"/>
-          </p:cNvPicPr>
-          <p:nvPr/>
-        </p:nvPicPr>
-        <p:blipFill>
-          <a:blip r:embed="rId4"/>
-          <a:stretch>
-            <a:fillRect/>
-          </a:stretch>
-        </p:blipFill>
-        <p:spPr>
-          <a:xfrm>
-            <a:off x="3779912" y="1762390"/>
-            <a:ext cx="5112617" cy="2223182"/>
-          </a:xfrm>
-          <a:prstGeom prst="rect">
-            <a:avLst/>
-          </a:prstGeom>
-        </p:spPr>
-      </p:pic>
+              <a:t> </a:t>
+            </a:r>
+            <a:r>
+              <a:rPr lang="es-ES" sz="2000" b="1" dirty="0" err="1">
+                <a:solidFill>
+                  <a:schemeClr val="tx1">
+                    <a:lumMod val="95000"/>
+                    <a:lumOff val="5000"/>
+                  </a:schemeClr>
+                </a:solidFill>
+              </a:rPr>
+              <a:t>gm</a:t>
+            </a:r>
+            <a:r>
+              <a:rPr lang="es-ES" sz="2000" b="1" dirty="0">
+                <a:solidFill>
+                  <a:schemeClr val="tx1">
+                    <a:lumMod val="95000"/>
+                    <a:lumOff val="5000"/>
+                  </a:schemeClr>
+                </a:solidFill>
+              </a:rPr>
+              <a:t> </a:t>
+            </a:r>
+            <a:r>
+              <a:rPr lang="es-ES" sz="2000" dirty="0">
+                <a:solidFill>
+                  <a:schemeClr val="tx1">
+                    <a:lumMod val="95000"/>
+                    <a:lumOff val="5000"/>
+                  </a:schemeClr>
+                </a:solidFill>
+              </a:rPr>
+              <a:t>para tomar texto multilínea. Que lea cada línea por separado.</a:t>
+            </a:r>
+          </a:p>
+        </p:txBody>
+      </p:sp>
     </p:spTree>
     <p:extLst>
       <p:ext uri="{BB962C8B-B14F-4D97-AF65-F5344CB8AC3E}">
-        <p14:creationId xmlns:p14="http://schemas.microsoft.com/office/powerpoint/2010/main" val="3044799157"/>
+        <p14:creationId xmlns:p14="http://schemas.microsoft.com/office/powerpoint/2010/main" val="2690599822"/>
       </p:ext>
     </p:extLst>
   </p:cSld>
@@ -20507,7 +20293,7 @@
               <a:defRPr/>
             </a:pPr>
             <a:r>
-              <a:rPr lang="es-MX" b="1" dirty="0">
+              <a:rPr lang="es-MX" b="1" dirty="0" err="1">
                 <a:solidFill>
                   <a:schemeClr val="accent4">
                     <a:lumMod val="50000"/>
@@ -20520,8 +20306,21 @@
                 </a:effectLst>
                 <a:latin typeface="Dom Casual" charset="0"/>
               </a:rPr>
-              <a:t>Ejercicio</a:t>
-            </a:r>
+              <a:t>Flags</a:t>
+            </a:r>
+            <a:endParaRPr lang="es-MX" b="1" dirty="0">
+              <a:solidFill>
+                <a:schemeClr val="accent4">
+                  <a:lumMod val="50000"/>
+                </a:schemeClr>
+              </a:solidFill>
+              <a:effectLst>
+                <a:outerShdw blurRad="38100" dist="38100" dir="2700000" algn="tl">
+                  <a:srgbClr val="C0C0C0"/>
+                </a:outerShdw>
+              </a:effectLst>
+              <a:latin typeface="Dom Casual" charset="0"/>
+            </a:endParaRPr>
           </a:p>
         </p:txBody>
       </p:sp>
@@ -20562,7 +20361,7 @@
               </a:spcAft>
             </a:pPr>
             <a:r>
-              <a:rPr lang="es-ES" b="1" dirty="0">
+              <a:rPr lang="es-ES" b="1" dirty="0" err="1">
                 <a:solidFill>
                   <a:schemeClr val="accent6">
                     <a:lumMod val="75000"/>
@@ -20570,26 +20369,122 @@
                 </a:solidFill>
                 <a:latin typeface="inherit"/>
               </a:rPr>
-              <a:t>Validar una fecha</a:t>
-            </a:r>
-            <a:endParaRPr lang="es-ES" b="1" i="0" dirty="0">
+              <a:t>r</a:t>
+            </a:r>
+            <a:r>
+              <a:rPr lang="es-ES" b="1" i="0" dirty="0" err="1">
+                <a:solidFill>
+                  <a:schemeClr val="accent6">
+                    <a:lumMod val="75000"/>
+                  </a:schemeClr>
+                </a:solidFill>
+                <a:effectLst/>
+                <a:latin typeface="inherit"/>
+              </a:rPr>
+              <a:t>e.I</a:t>
+            </a:r>
+            <a:r>
+              <a:rPr lang="es-ES" b="1" i="0" dirty="0">
+                <a:solidFill>
+                  <a:schemeClr val="accent6">
+                    <a:lumMod val="75000"/>
+                  </a:schemeClr>
+                </a:solidFill>
+                <a:effectLst/>
+                <a:latin typeface="inherit"/>
+              </a:rPr>
+              <a:t> (Ignore mayúsculas y minúsculas)</a:t>
+            </a:r>
+          </a:p>
+        </p:txBody>
+      </p:sp>
+      <p:sp>
+        <p:nvSpPr>
+          <p:cNvPr id="12" name="CuadroTexto 11">
+            <a:extLst>
+              <a:ext uri="{FF2B5EF4-FFF2-40B4-BE49-F238E27FC236}">
+                <a16:creationId xmlns:a16="http://schemas.microsoft.com/office/drawing/2014/main" id="{2BAA6197-7260-44CA-B670-444DBF97C92D}"/>
+              </a:ext>
+            </a:extLst>
+          </p:cNvPr>
+          <p:cNvSpPr txBox="1"/>
+          <p:nvPr/>
+        </p:nvSpPr>
+        <p:spPr>
+          <a:xfrm>
+            <a:off x="683568" y="1537713"/>
+            <a:ext cx="7920880" cy="967957"/>
+          </a:xfrm>
+          <a:prstGeom prst="rect">
+            <a:avLst/>
+          </a:prstGeom>
+          <a:noFill/>
+        </p:spPr>
+        <p:txBody>
+          <a:bodyPr wrap="square">
+            <a:spAutoFit/>
+          </a:bodyPr>
+          <a:lstStyle/>
+          <a:p>
+            <a:pPr marL="342900" indent="-342900" algn="just">
+              <a:lnSpc>
+                <a:spcPct val="150000"/>
+              </a:lnSpc>
+              <a:buFont typeface="Arial" panose="020B0604020202020204" pitchFamily="34" charset="0"/>
+              <a:buChar char="•"/>
+            </a:pPr>
+            <a:r>
+              <a:rPr lang="es-ES" sz="2000" i="0" dirty="0">
+                <a:solidFill>
+                  <a:schemeClr val="tx1">
+                    <a:lumMod val="95000"/>
+                    <a:lumOff val="5000"/>
+                  </a:schemeClr>
+                </a:solidFill>
+                <a:effectLst/>
+              </a:rPr>
+              <a:t>Si quiero buscar una palabra como </a:t>
+            </a:r>
+            <a:r>
+              <a:rPr lang="es-ES" sz="2000" dirty="0">
+                <a:solidFill>
+                  <a:schemeClr val="tx1">
+                    <a:lumMod val="95000"/>
+                    <a:lumOff val="5000"/>
+                  </a:schemeClr>
+                </a:solidFill>
+              </a:rPr>
+              <a:t>sin importar que este escrita en mayúsculas o minúsculas.</a:t>
+            </a:r>
+            <a:r>
+              <a:rPr lang="es-ES" sz="2000" i="0" dirty="0">
+                <a:solidFill>
+                  <a:schemeClr val="tx1">
+                    <a:lumMod val="95000"/>
+                    <a:lumOff val="5000"/>
+                  </a:schemeClr>
+                </a:solidFill>
+                <a:effectLst/>
+              </a:rPr>
+              <a:t> </a:t>
+            </a:r>
+            <a:endParaRPr lang="es-ES" sz="2000" dirty="0">
               <a:solidFill>
-                <a:schemeClr val="accent6">
-                  <a:lumMod val="75000"/>
+                <a:schemeClr val="tx1">
+                  <a:lumMod val="95000"/>
+                  <a:lumOff val="5000"/>
                 </a:schemeClr>
               </a:solidFill>
-              <a:effectLst/>
-              <a:latin typeface="inherit"/>
             </a:endParaRPr>
           </a:p>
         </p:txBody>
       </p:sp>
       <p:pic>
         <p:nvPicPr>
-          <p:cNvPr id="4" name="Imagen 3">
+          <p:cNvPr id="3" name="Imagen 2">
             <a:extLst>
               <a:ext uri="{FF2B5EF4-FFF2-40B4-BE49-F238E27FC236}">
-                <a16:creationId xmlns:a16="http://schemas.microsoft.com/office/drawing/2014/main" id="{43D2CCFA-A4AB-47EC-99DD-3AF67E099543}"/>
+                <a16:creationId xmlns:a16="http://schemas.microsoft.com/office/drawing/2014/main" id="{E4F092CB-B93F-4FF3-A4E7-1456D0FCEE8A}"/>
               </a:ext>
             </a:extLst>
           </p:cNvPr>
@@ -20606,8 +20501,8 @@
         </p:blipFill>
         <p:spPr>
           <a:xfrm>
-            <a:off x="1115616" y="1828818"/>
-            <a:ext cx="7162800" cy="4029075"/>
+            <a:off x="1881386" y="2819811"/>
+            <a:ext cx="5525244" cy="3073728"/>
           </a:xfrm>
           <a:prstGeom prst="rect">
             <a:avLst/>
@@ -20617,7 +20512,7 @@
     </p:spTree>
     <p:extLst>
       <p:ext uri="{BB962C8B-B14F-4D97-AF65-F5344CB8AC3E}">
-        <p14:creationId xmlns:p14="http://schemas.microsoft.com/office/powerpoint/2010/main" val="2827486532"/>
+        <p14:creationId xmlns:p14="http://schemas.microsoft.com/office/powerpoint/2010/main" val="275607913"/>
       </p:ext>
     </p:extLst>
   </p:cSld>
@@ -20670,7 +20565,7 @@
               <a:defRPr/>
             </a:pPr>
             <a:r>
-              <a:rPr lang="es-MX" b="1" dirty="0">
+              <a:rPr lang="es-MX" b="1" dirty="0" err="1">
                 <a:solidFill>
                   <a:schemeClr val="accent4">
                     <a:lumMod val="50000"/>
@@ -20683,8 +20578,21 @@
                 </a:effectLst>
                 <a:latin typeface="Dom Casual" charset="0"/>
               </a:rPr>
-              <a:t>Ejercicio</a:t>
-            </a:r>
+              <a:t>Flags</a:t>
+            </a:r>
+            <a:endParaRPr lang="es-MX" b="1" dirty="0">
+              <a:solidFill>
+                <a:schemeClr val="accent4">
+                  <a:lumMod val="50000"/>
+                </a:schemeClr>
+              </a:solidFill>
+              <a:effectLst>
+                <a:outerShdw blurRad="38100" dist="38100" dir="2700000" algn="tl">
+                  <a:srgbClr val="C0C0C0"/>
+                </a:outerShdw>
+              </a:effectLst>
+              <a:latin typeface="Dom Casual" charset="0"/>
+            </a:endParaRPr>
           </a:p>
         </p:txBody>
       </p:sp>
@@ -20725,7 +20633,7 @@
               </a:spcAft>
             </a:pPr>
             <a:r>
-              <a:rPr lang="es-ES" b="1" dirty="0">
+              <a:rPr lang="es-ES" b="1" dirty="0" err="1">
                 <a:solidFill>
                   <a:schemeClr val="accent6">
                     <a:lumMod val="75000"/>
@@ -20733,26 +20641,41 @@
                 </a:solidFill>
                 <a:latin typeface="inherit"/>
               </a:rPr>
-              <a:t>Validar un usuario</a:t>
-            </a:r>
-            <a:endParaRPr lang="es-ES" b="1" i="0" dirty="0">
-              <a:solidFill>
-                <a:schemeClr val="accent6">
-                  <a:lumMod val="75000"/>
-                </a:schemeClr>
-              </a:solidFill>
-              <a:effectLst/>
-              <a:latin typeface="inherit"/>
-            </a:endParaRPr>
-          </a:p>
-        </p:txBody>
-      </p:sp>
-      <p:sp>
-        <p:nvSpPr>
-          <p:cNvPr id="5" name="CuadroTexto 4">
+              <a:t>r</a:t>
+            </a:r>
+            <a:r>
+              <a:rPr lang="es-ES" b="1" i="0" dirty="0" err="1">
+                <a:solidFill>
+                  <a:schemeClr val="accent6">
+                    <a:lumMod val="75000"/>
+                  </a:schemeClr>
+                </a:solidFill>
+                <a:effectLst/>
+                <a:latin typeface="inherit"/>
+              </a:rPr>
+              <a:t>e.I</a:t>
+            </a:r>
+            <a:r>
+              <a:rPr lang="es-ES" b="1" i="0" dirty="0">
+                <a:solidFill>
+                  <a:schemeClr val="accent6">
+                    <a:lumMod val="75000"/>
+                  </a:schemeClr>
+                </a:solidFill>
+                <a:effectLst/>
+                <a:latin typeface="inherit"/>
+              </a:rPr>
+              <a:t> (Ignore mayúsculas y minúsculas)</a:t>
+            </a:r>
+          </a:p>
+        </p:txBody>
+      </p:sp>
+      <p:sp>
+        <p:nvSpPr>
+          <p:cNvPr id="12" name="CuadroTexto 11">
             <a:extLst>
               <a:ext uri="{FF2B5EF4-FFF2-40B4-BE49-F238E27FC236}">
-                <a16:creationId xmlns:a16="http://schemas.microsoft.com/office/drawing/2014/main" id="{9068C6F6-AB06-4B15-A2B1-F916DC4CD4AB}"/>
+                <a16:creationId xmlns:a16="http://schemas.microsoft.com/office/drawing/2014/main" id="{2BAA6197-7260-44CA-B670-444DBF97C92D}"/>
               </a:ext>
             </a:extLst>
           </p:cNvPr>
@@ -20761,8 +20684,8 @@
         </p:nvSpPr>
         <p:spPr>
           <a:xfrm>
-            <a:off x="1012776" y="1628800"/>
-            <a:ext cx="7015608" cy="1891287"/>
+            <a:off x="683568" y="1537713"/>
+            <a:ext cx="7920880" cy="967957"/>
           </a:xfrm>
           <a:prstGeom prst="rect">
             <a:avLst/>
@@ -20774,25 +20697,6 @@
             <a:spAutoFit/>
           </a:bodyPr>
           <a:lstStyle/>
-          <a:p>
-            <a:pPr algn="just">
-              <a:lnSpc>
-                <a:spcPct val="150000"/>
-              </a:lnSpc>
-            </a:pPr>
-            <a:r>
-              <a:rPr lang="es-ES" sz="2000" i="0" dirty="0">
-                <a:solidFill>
-                  <a:schemeClr val="tx1">
-                    <a:lumMod val="95000"/>
-                    <a:lumOff val="5000"/>
-                  </a:schemeClr>
-                </a:solidFill>
-                <a:effectLst/>
-              </a:rPr>
-              <a:t>El nombre del usuario debe cumplir las siguientes condiciones:</a:t>
-            </a:r>
-          </a:p>
           <a:p>
             <a:pPr marL="342900" indent="-342900" algn="just">
               <a:lnSpc>
@@ -20811,17 +20715,8 @@
                 </a:solidFill>
                 <a:effectLst/>
               </a:rPr>
-              <a:t>De 4 a 14 caracteres.</a:t>
-            </a:r>
-          </a:p>
-          <a:p>
-            <a:pPr marL="342900" indent="-342900" algn="just">
-              <a:lnSpc>
-                <a:spcPct val="150000"/>
-              </a:lnSpc>
-              <a:buFont typeface="Arial" panose="020B0604020202020204" pitchFamily="34" charset="0"/>
-              <a:buChar char="•"/>
-            </a:pPr>
+              <a:t>Si quiero buscar una palabra como </a:t>
+            </a:r>
             <a:r>
               <a:rPr lang="es-ES" sz="2000" dirty="0">
                 <a:solidFill>
@@ -20831,25 +20726,21 @@
                   </a:schemeClr>
                 </a:solidFill>
               </a:rPr>
-              <a:t>Debe estar compuesto por letras y números.</a:t>
-            </a:r>
-            <a:endParaRPr lang="es-ES" sz="2000" i="0" dirty="0">
-              <a:solidFill>
-                <a:schemeClr val="tx1">
-                  <a:lumMod val="95000"/>
-                  <a:lumOff val="5000"/>
-                </a:schemeClr>
-              </a:solidFill>
-              <a:effectLst/>
-            </a:endParaRPr>
-          </a:p>
-          <a:p>
-            <a:pPr algn="just">
-              <a:lnSpc>
-                <a:spcPct val="150000"/>
-              </a:lnSpc>
-            </a:pPr>
-            <a:endParaRPr lang="es-ES" sz="2000" b="1" dirty="0">
+              <a:t>sin importar que este escrita en mayúsculas o minúsculas.</a:t>
+            </a:r>
+            <a:r>
+              <a:rPr lang="es-ES" sz="2000" i="0" dirty="0">
+                <a:solidFill>
+                  <a:schemeClr val="tx1">
+                    <a:lumMod val="95000"/>
+                    <a:lumOff val="5000"/>
+                  </a:schemeClr>
+                </a:solidFill>
+                <a:effectLst/>
+              </a:rPr>
+              <a:t> </a:t>
+            </a:r>
+            <a:endParaRPr lang="es-ES" sz="2000" dirty="0">
               <a:solidFill>
                 <a:schemeClr val="tx1">
                   <a:lumMod val="95000"/>
@@ -20862,10 +20753,10 @@
       </p:sp>
       <p:pic>
         <p:nvPicPr>
-          <p:cNvPr id="3" name="Imagen 2">
+          <p:cNvPr id="5" name="Imagen 4">
             <a:extLst>
               <a:ext uri="{FF2B5EF4-FFF2-40B4-BE49-F238E27FC236}">
-                <a16:creationId xmlns:a16="http://schemas.microsoft.com/office/drawing/2014/main" id="{968DC4B6-6296-4878-ABEC-14F330E1ACC7}"/>
+                <a16:creationId xmlns:a16="http://schemas.microsoft.com/office/drawing/2014/main" id="{CA4000D1-793C-4308-A9B3-DF526B99D35E}"/>
               </a:ext>
             </a:extLst>
           </p:cNvPr>
@@ -20882,8 +20773,8 @@
         </p:blipFill>
         <p:spPr>
           <a:xfrm>
-            <a:off x="1331640" y="3212935"/>
-            <a:ext cx="5276850" cy="3057525"/>
+            <a:off x="1979712" y="2725806"/>
+            <a:ext cx="5955072" cy="3253049"/>
           </a:xfrm>
           <a:prstGeom prst="rect">
             <a:avLst/>
@@ -20893,7 +20784,7 @@
     </p:spTree>
     <p:extLst>
       <p:ext uri="{BB962C8B-B14F-4D97-AF65-F5344CB8AC3E}">
-        <p14:creationId xmlns:p14="http://schemas.microsoft.com/office/powerpoint/2010/main" val="404484004"/>
+        <p14:creationId xmlns:p14="http://schemas.microsoft.com/office/powerpoint/2010/main" val="1295779601"/>
       </p:ext>
     </p:extLst>
   </p:cSld>
@@ -20904,1289 +20795,6 @@
 </file>
 
 <file path=ppt/slides/slide49.xml><?xml version="1.0" encoding="utf-8"?>
-<p:sld xmlns:a="http://schemas.openxmlformats.org/drawingml/2006/main" xmlns:r="http://schemas.openxmlformats.org/officeDocument/2006/relationships" xmlns:p="http://schemas.openxmlformats.org/presentationml/2006/main">
-  <p:cSld>
-    <p:spTree>
-      <p:nvGrpSpPr>
-        <p:cNvPr id="1" name=""/>
-        <p:cNvGrpSpPr/>
-        <p:nvPr/>
-      </p:nvGrpSpPr>
-      <p:grpSpPr>
-        <a:xfrm>
-          <a:off x="0" y="0"/>
-          <a:ext cx="0" cy="0"/>
-          <a:chOff x="0" y="0"/>
-          <a:chExt cx="0" cy="0"/>
-        </a:xfrm>
-      </p:grpSpPr>
-      <p:sp>
-        <p:nvSpPr>
-          <p:cNvPr id="184324" name="Rectangle 4"/>
-          <p:cNvSpPr>
-            <a:spLocks noGrp="1" noChangeArrowheads="1"/>
-          </p:cNvSpPr>
-          <p:nvPr>
-            <p:ph type="title"/>
-          </p:nvPr>
-        </p:nvSpPr>
-        <p:spPr>
-          <a:xfrm>
-            <a:off x="107504" y="116632"/>
-            <a:ext cx="8579296" cy="1143000"/>
-          </a:xfrm>
-        </p:spPr>
-        <p:txBody>
-          <a:bodyPr>
-            <a:normAutofit/>
-          </a:bodyPr>
-          <a:lstStyle/>
-          <a:p>
-            <a:pPr eaLnBrk="1" hangingPunct="1">
-              <a:defRPr/>
-            </a:pPr>
-            <a:r>
-              <a:rPr lang="es-MX" b="1" dirty="0">
-                <a:solidFill>
-                  <a:schemeClr val="accent4">
-                    <a:lumMod val="50000"/>
-                  </a:schemeClr>
-                </a:solidFill>
-                <a:effectLst>
-                  <a:outerShdw blurRad="38100" dist="38100" dir="2700000" algn="tl">
-                    <a:srgbClr val="C0C0C0"/>
-                  </a:outerShdw>
-                </a:effectLst>
-                <a:latin typeface="Dom Casual" charset="0"/>
-              </a:rPr>
-              <a:t>Ejercicio</a:t>
-            </a:r>
-          </a:p>
-        </p:txBody>
-      </p:sp>
-      <p:sp>
-        <p:nvSpPr>
-          <p:cNvPr id="9" name="CuadroTexto 8">
-            <a:extLst>
-              <a:ext uri="{FF2B5EF4-FFF2-40B4-BE49-F238E27FC236}">
-                <a16:creationId xmlns:a16="http://schemas.microsoft.com/office/drawing/2014/main" id="{E9FACE5D-9900-46A2-9420-5388E042012D}"/>
-              </a:ext>
-            </a:extLst>
-          </p:cNvPr>
-          <p:cNvSpPr txBox="1"/>
-          <p:nvPr/>
-        </p:nvSpPr>
-        <p:spPr>
-          <a:xfrm>
-            <a:off x="1115616" y="1000107"/>
-            <a:ext cx="6624736" cy="393698"/>
-          </a:xfrm>
-          <a:prstGeom prst="rect">
-            <a:avLst/>
-          </a:prstGeom>
-          <a:noFill/>
-        </p:spPr>
-        <p:txBody>
-          <a:bodyPr wrap="square">
-            <a:spAutoFit/>
-          </a:bodyPr>
-          <a:lstStyle/>
-          <a:p>
-            <a:pPr algn="ctr" fontAlgn="base">
-              <a:lnSpc>
-                <a:spcPts val="2500"/>
-              </a:lnSpc>
-              <a:spcAft>
-                <a:spcPts val="600"/>
-              </a:spcAft>
-            </a:pPr>
-            <a:r>
-              <a:rPr lang="es-ES" b="1" dirty="0">
-                <a:solidFill>
-                  <a:schemeClr val="accent6">
-                    <a:lumMod val="75000"/>
-                  </a:schemeClr>
-                </a:solidFill>
-                <a:latin typeface="inherit"/>
-              </a:rPr>
-              <a:t>Validar un usuario</a:t>
-            </a:r>
-            <a:endParaRPr lang="es-ES" b="1" i="0" dirty="0">
-              <a:solidFill>
-                <a:schemeClr val="accent6">
-                  <a:lumMod val="75000"/>
-                </a:schemeClr>
-              </a:solidFill>
-              <a:effectLst/>
-              <a:latin typeface="inherit"/>
-            </a:endParaRPr>
-          </a:p>
-        </p:txBody>
-      </p:sp>
-      <p:sp>
-        <p:nvSpPr>
-          <p:cNvPr id="5" name="CuadroTexto 4">
-            <a:extLst>
-              <a:ext uri="{FF2B5EF4-FFF2-40B4-BE49-F238E27FC236}">
-                <a16:creationId xmlns:a16="http://schemas.microsoft.com/office/drawing/2014/main" id="{9068C6F6-AB06-4B15-A2B1-F916DC4CD4AB}"/>
-              </a:ext>
-            </a:extLst>
-          </p:cNvPr>
-          <p:cNvSpPr txBox="1"/>
-          <p:nvPr/>
-        </p:nvSpPr>
-        <p:spPr>
-          <a:xfrm>
-            <a:off x="724744" y="1628800"/>
-            <a:ext cx="7519664" cy="1891287"/>
-          </a:xfrm>
-          <a:prstGeom prst="rect">
-            <a:avLst/>
-          </a:prstGeom>
-          <a:noFill/>
-        </p:spPr>
-        <p:txBody>
-          <a:bodyPr wrap="square">
-            <a:spAutoFit/>
-          </a:bodyPr>
-          <a:lstStyle/>
-          <a:p>
-            <a:pPr algn="just">
-              <a:lnSpc>
-                <a:spcPct val="150000"/>
-              </a:lnSpc>
-            </a:pPr>
-            <a:r>
-              <a:rPr lang="es-ES" sz="2000" i="0" dirty="0">
-                <a:solidFill>
-                  <a:schemeClr val="tx1">
-                    <a:lumMod val="95000"/>
-                    <a:lumOff val="5000"/>
-                  </a:schemeClr>
-                </a:solidFill>
-                <a:effectLst/>
-              </a:rPr>
-              <a:t>El nombre del usuario debe cumplir las siguientes condiciones:</a:t>
-            </a:r>
-          </a:p>
-          <a:p>
-            <a:pPr marL="342900" indent="-342900" algn="just">
-              <a:lnSpc>
-                <a:spcPct val="150000"/>
-              </a:lnSpc>
-              <a:buFont typeface="Arial" panose="020B0604020202020204" pitchFamily="34" charset="0"/>
-              <a:buChar char="•"/>
-            </a:pPr>
-            <a:r>
-              <a:rPr lang="es-ES" sz="2000" i="0" dirty="0">
-                <a:solidFill>
-                  <a:schemeClr val="tx1">
-                    <a:lumMod val="95000"/>
-                    <a:lumOff val="5000"/>
-                  </a:schemeClr>
-                </a:solidFill>
-                <a:effectLst/>
-              </a:rPr>
-              <a:t>De 4 a 14 caracteres.</a:t>
-            </a:r>
-          </a:p>
-          <a:p>
-            <a:pPr marL="342900" indent="-342900" algn="just">
-              <a:lnSpc>
-                <a:spcPct val="150000"/>
-              </a:lnSpc>
-              <a:buFont typeface="Arial" panose="020B0604020202020204" pitchFamily="34" charset="0"/>
-              <a:buChar char="•"/>
-            </a:pPr>
-            <a:r>
-              <a:rPr lang="es-ES" sz="2000" dirty="0">
-                <a:solidFill>
-                  <a:schemeClr val="tx1">
-                    <a:lumMod val="95000"/>
-                    <a:lumOff val="5000"/>
-                  </a:schemeClr>
-                </a:solidFill>
-              </a:rPr>
-              <a:t>Debe estar compuesto por letras y números.</a:t>
-            </a:r>
-            <a:endParaRPr lang="es-ES" sz="2000" i="0" dirty="0">
-              <a:solidFill>
-                <a:schemeClr val="tx1">
-                  <a:lumMod val="95000"/>
-                  <a:lumOff val="5000"/>
-                </a:schemeClr>
-              </a:solidFill>
-              <a:effectLst/>
-            </a:endParaRPr>
-          </a:p>
-          <a:p>
-            <a:pPr algn="just">
-              <a:lnSpc>
-                <a:spcPct val="150000"/>
-              </a:lnSpc>
-            </a:pPr>
-            <a:endParaRPr lang="es-ES" sz="2000" b="1" dirty="0">
-              <a:solidFill>
-                <a:schemeClr val="tx1">
-                  <a:lumMod val="95000"/>
-                  <a:lumOff val="5000"/>
-                </a:schemeClr>
-              </a:solidFill>
-            </a:endParaRPr>
-          </a:p>
-        </p:txBody>
-      </p:sp>
-      <p:pic>
-        <p:nvPicPr>
-          <p:cNvPr id="3" name="Imagen 2">
-            <a:extLst>
-              <a:ext uri="{FF2B5EF4-FFF2-40B4-BE49-F238E27FC236}">
-                <a16:creationId xmlns:a16="http://schemas.microsoft.com/office/drawing/2014/main" id="{968DC4B6-6296-4878-ABEC-14F330E1ACC7}"/>
-              </a:ext>
-            </a:extLst>
-          </p:cNvPr>
-          <p:cNvPicPr>
-            <a:picLocks noChangeAspect="1"/>
-          </p:cNvPicPr>
-          <p:nvPr/>
-        </p:nvPicPr>
-        <p:blipFill>
-          <a:blip r:embed="rId3"/>
-          <a:stretch>
-            <a:fillRect/>
-          </a:stretch>
-        </p:blipFill>
-        <p:spPr>
-          <a:xfrm>
-            <a:off x="1043608" y="3212935"/>
-            <a:ext cx="5276850" cy="3057525"/>
-          </a:xfrm>
-          <a:prstGeom prst="rect">
-            <a:avLst/>
-          </a:prstGeom>
-        </p:spPr>
-      </p:pic>
-      <p:pic>
-        <p:nvPicPr>
-          <p:cNvPr id="7" name="Imagen 6">
-            <a:extLst>
-              <a:ext uri="{FF2B5EF4-FFF2-40B4-BE49-F238E27FC236}">
-                <a16:creationId xmlns:a16="http://schemas.microsoft.com/office/drawing/2014/main" id="{E2E1B80F-A0E3-46EE-A93D-BE1154F7E36E}"/>
-              </a:ext>
-            </a:extLst>
-          </p:cNvPr>
-          <p:cNvPicPr>
-            <a:picLocks noChangeAspect="1"/>
-          </p:cNvPicPr>
-          <p:nvPr/>
-        </p:nvPicPr>
-        <p:blipFill>
-          <a:blip r:embed="rId4"/>
-          <a:stretch>
-            <a:fillRect/>
-          </a:stretch>
-        </p:blipFill>
-        <p:spPr>
-          <a:xfrm>
-            <a:off x="4889999" y="3121355"/>
-            <a:ext cx="3248025" cy="3143250"/>
-          </a:xfrm>
-          <a:prstGeom prst="rect">
-            <a:avLst/>
-          </a:prstGeom>
-        </p:spPr>
-      </p:pic>
-    </p:spTree>
-    <p:extLst>
-      <p:ext uri="{BB962C8B-B14F-4D97-AF65-F5344CB8AC3E}">
-        <p14:creationId xmlns:p14="http://schemas.microsoft.com/office/powerpoint/2010/main" val="1152744295"/>
-      </p:ext>
-    </p:extLst>
-  </p:cSld>
-  <p:clrMapOvr>
-    <a:masterClrMapping/>
-  </p:clrMapOvr>
-</p:sld>
-</file>
-
-<file path=ppt/slides/slide5.xml><?xml version="1.0" encoding="utf-8"?>
-<p:sld xmlns:a="http://schemas.openxmlformats.org/drawingml/2006/main" xmlns:r="http://schemas.openxmlformats.org/officeDocument/2006/relationships" xmlns:p="http://schemas.openxmlformats.org/presentationml/2006/main">
-  <p:cSld>
-    <p:spTree>
-      <p:nvGrpSpPr>
-        <p:cNvPr id="1" name=""/>
-        <p:cNvGrpSpPr/>
-        <p:nvPr/>
-      </p:nvGrpSpPr>
-      <p:grpSpPr>
-        <a:xfrm>
-          <a:off x="0" y="0"/>
-          <a:ext cx="0" cy="0"/>
-          <a:chOff x="0" y="0"/>
-          <a:chExt cx="0" cy="0"/>
-        </a:xfrm>
-      </p:grpSpPr>
-      <p:sp>
-        <p:nvSpPr>
-          <p:cNvPr id="184324" name="Rectangle 4"/>
-          <p:cNvSpPr>
-            <a:spLocks noGrp="1" noChangeArrowheads="1"/>
-          </p:cNvSpPr>
-          <p:nvPr>
-            <p:ph type="title"/>
-          </p:nvPr>
-        </p:nvSpPr>
-        <p:spPr>
-          <a:xfrm>
-            <a:off x="107504" y="116632"/>
-            <a:ext cx="8579296" cy="1143000"/>
-          </a:xfrm>
-        </p:spPr>
-        <p:txBody>
-          <a:bodyPr>
-            <a:normAutofit/>
-          </a:bodyPr>
-          <a:lstStyle/>
-          <a:p>
-            <a:pPr eaLnBrk="1" hangingPunct="1">
-              <a:defRPr/>
-            </a:pPr>
-            <a:r>
-              <a:rPr lang="es-MX" b="1" dirty="0">
-                <a:solidFill>
-                  <a:schemeClr val="accent4">
-                    <a:lumMod val="50000"/>
-                  </a:schemeClr>
-                </a:solidFill>
-                <a:effectLst>
-                  <a:outerShdw blurRad="38100" dist="38100" dir="2700000" algn="tl">
-                    <a:srgbClr val="C0C0C0"/>
-                  </a:outerShdw>
-                </a:effectLst>
-                <a:latin typeface="Dom Casual" charset="0"/>
-              </a:rPr>
-              <a:t>Método </a:t>
-            </a:r>
-            <a:r>
-              <a:rPr lang="es-MX" b="1" dirty="0" err="1">
-                <a:solidFill>
-                  <a:schemeClr val="accent4">
-                    <a:lumMod val="50000"/>
-                  </a:schemeClr>
-                </a:solidFill>
-                <a:effectLst>
-                  <a:outerShdw blurRad="38100" dist="38100" dir="2700000" algn="tl">
-                    <a:srgbClr val="C0C0C0"/>
-                  </a:outerShdw>
-                </a:effectLst>
-                <a:latin typeface="Dom Casual" charset="0"/>
-              </a:rPr>
-              <a:t>search</a:t>
-            </a:r>
-            <a:endParaRPr lang="es-MX" b="1" dirty="0">
-              <a:solidFill>
-                <a:schemeClr val="accent4">
-                  <a:lumMod val="50000"/>
-                </a:schemeClr>
-              </a:solidFill>
-              <a:effectLst>
-                <a:outerShdw blurRad="38100" dist="38100" dir="2700000" algn="tl">
-                  <a:srgbClr val="C0C0C0"/>
-                </a:outerShdw>
-              </a:effectLst>
-              <a:latin typeface="Dom Casual" charset="0"/>
-            </a:endParaRPr>
-          </a:p>
-        </p:txBody>
-      </p:sp>
-      <p:sp>
-        <p:nvSpPr>
-          <p:cNvPr id="8" name="CuadroTexto 7">
-            <a:extLst>
-              <a:ext uri="{FF2B5EF4-FFF2-40B4-BE49-F238E27FC236}">
-                <a16:creationId xmlns:a16="http://schemas.microsoft.com/office/drawing/2014/main" id="{E64D28A7-B772-479A-8C51-15D9FA37942C}"/>
-              </a:ext>
-            </a:extLst>
-          </p:cNvPr>
-          <p:cNvSpPr txBox="1"/>
-          <p:nvPr/>
-        </p:nvSpPr>
-        <p:spPr>
-          <a:xfrm>
-            <a:off x="734466" y="4568126"/>
-            <a:ext cx="7952334" cy="448584"/>
-          </a:xfrm>
-          <a:prstGeom prst="rect">
-            <a:avLst/>
-          </a:prstGeom>
-          <a:noFill/>
-        </p:spPr>
-        <p:txBody>
-          <a:bodyPr wrap="square">
-            <a:spAutoFit/>
-          </a:bodyPr>
-          <a:lstStyle/>
-          <a:p>
-            <a:pPr algn="just">
-              <a:lnSpc>
-                <a:spcPts val="3000"/>
-              </a:lnSpc>
-            </a:pPr>
-            <a:r>
-              <a:rPr lang="es-ES" sz="2000" dirty="0">
-                <a:solidFill>
-                  <a:schemeClr val="tx1">
-                    <a:lumMod val="95000"/>
-                    <a:lumOff val="5000"/>
-                  </a:schemeClr>
-                </a:solidFill>
-              </a:rPr>
-              <a:t>En caso de que no encuentre coincidencia, regresa </a:t>
-            </a:r>
-            <a:r>
-              <a:rPr lang="es-ES" sz="2000" b="1" dirty="0" err="1">
-                <a:solidFill>
-                  <a:srgbClr val="FF0000"/>
-                </a:solidFill>
-              </a:rPr>
-              <a:t>None</a:t>
-            </a:r>
-            <a:r>
-              <a:rPr lang="es-ES" sz="2000" dirty="0">
-                <a:solidFill>
-                  <a:schemeClr val="tx1">
-                    <a:lumMod val="95000"/>
-                    <a:lumOff val="5000"/>
-                  </a:schemeClr>
-                </a:solidFill>
-              </a:rPr>
-              <a:t>.</a:t>
-            </a:r>
-          </a:p>
-        </p:txBody>
-      </p:sp>
-      <p:pic>
-        <p:nvPicPr>
-          <p:cNvPr id="4" name="Imagen 3">
-            <a:extLst>
-              <a:ext uri="{FF2B5EF4-FFF2-40B4-BE49-F238E27FC236}">
-                <a16:creationId xmlns:a16="http://schemas.microsoft.com/office/drawing/2014/main" id="{A70FE3EA-1EDD-4E4D-9D0A-A1B93141212B}"/>
-              </a:ext>
-            </a:extLst>
-          </p:cNvPr>
-          <p:cNvPicPr>
-            <a:picLocks noChangeAspect="1"/>
-          </p:cNvPicPr>
-          <p:nvPr/>
-        </p:nvPicPr>
-        <p:blipFill>
-          <a:blip r:embed="rId3"/>
-          <a:stretch>
-            <a:fillRect/>
-          </a:stretch>
-        </p:blipFill>
-        <p:spPr>
-          <a:xfrm>
-            <a:off x="793207" y="2160806"/>
-            <a:ext cx="6811828" cy="1970935"/>
-          </a:xfrm>
-          <a:prstGeom prst="rect">
-            <a:avLst/>
-          </a:prstGeom>
-        </p:spPr>
-      </p:pic>
-      <p:sp>
-        <p:nvSpPr>
-          <p:cNvPr id="6" name="CuadroTexto 5">
-            <a:extLst>
-              <a:ext uri="{FF2B5EF4-FFF2-40B4-BE49-F238E27FC236}">
-                <a16:creationId xmlns:a16="http://schemas.microsoft.com/office/drawing/2014/main" id="{4F99306B-5F4C-4CE5-9D39-071EAF21F009}"/>
-              </a:ext>
-            </a:extLst>
-          </p:cNvPr>
-          <p:cNvSpPr txBox="1"/>
-          <p:nvPr/>
-        </p:nvSpPr>
-        <p:spPr>
-          <a:xfrm>
-            <a:off x="769959" y="1376501"/>
-            <a:ext cx="7416824" cy="400110"/>
-          </a:xfrm>
-          <a:prstGeom prst="rect">
-            <a:avLst/>
-          </a:prstGeom>
-          <a:noFill/>
-        </p:spPr>
-        <p:txBody>
-          <a:bodyPr wrap="square">
-            <a:spAutoFit/>
-          </a:bodyPr>
-          <a:lstStyle/>
-          <a:p>
-            <a:pPr algn="just"/>
-            <a:r>
-              <a:rPr lang="es-MX" sz="2000" b="1" dirty="0"/>
-              <a:t>Ejemplo 2:</a:t>
-            </a:r>
-            <a:r>
-              <a:rPr lang="es-MX" sz="2000" dirty="0"/>
-              <a:t> Busca la palabra Adiós en un texto.</a:t>
-            </a:r>
-          </a:p>
-        </p:txBody>
-      </p:sp>
-    </p:spTree>
-    <p:extLst>
-      <p:ext uri="{BB962C8B-B14F-4D97-AF65-F5344CB8AC3E}">
-        <p14:creationId xmlns:p14="http://schemas.microsoft.com/office/powerpoint/2010/main" val="4154779306"/>
-      </p:ext>
-    </p:extLst>
-  </p:cSld>
-  <p:clrMapOvr>
-    <a:masterClrMapping/>
-  </p:clrMapOvr>
-</p:sld>
-</file>
-
-<file path=ppt/slides/slide50.xml><?xml version="1.0" encoding="utf-8"?>
-<p:sld xmlns:a="http://schemas.openxmlformats.org/drawingml/2006/main" xmlns:r="http://schemas.openxmlformats.org/officeDocument/2006/relationships" xmlns:p="http://schemas.openxmlformats.org/presentationml/2006/main">
-  <p:cSld>
-    <p:spTree>
-      <p:nvGrpSpPr>
-        <p:cNvPr id="1" name=""/>
-        <p:cNvGrpSpPr/>
-        <p:nvPr/>
-      </p:nvGrpSpPr>
-      <p:grpSpPr>
-        <a:xfrm>
-          <a:off x="0" y="0"/>
-          <a:ext cx="0" cy="0"/>
-          <a:chOff x="0" y="0"/>
-          <a:chExt cx="0" cy="0"/>
-        </a:xfrm>
-      </p:grpSpPr>
-      <p:sp>
-        <p:nvSpPr>
-          <p:cNvPr id="184324" name="Rectangle 4"/>
-          <p:cNvSpPr>
-            <a:spLocks noGrp="1" noChangeArrowheads="1"/>
-          </p:cNvSpPr>
-          <p:nvPr>
-            <p:ph type="title"/>
-          </p:nvPr>
-        </p:nvSpPr>
-        <p:spPr>
-          <a:xfrm>
-            <a:off x="107504" y="116632"/>
-            <a:ext cx="8579296" cy="1143000"/>
-          </a:xfrm>
-        </p:spPr>
-        <p:txBody>
-          <a:bodyPr>
-            <a:normAutofit/>
-          </a:bodyPr>
-          <a:lstStyle/>
-          <a:p>
-            <a:pPr eaLnBrk="1" hangingPunct="1">
-              <a:defRPr/>
-            </a:pPr>
-            <a:r>
-              <a:rPr lang="es-MX" b="1" dirty="0">
-                <a:solidFill>
-                  <a:schemeClr val="accent4">
-                    <a:lumMod val="50000"/>
-                  </a:schemeClr>
-                </a:solidFill>
-                <a:effectLst>
-                  <a:outerShdw blurRad="38100" dist="38100" dir="2700000" algn="tl">
-                    <a:srgbClr val="C0C0C0"/>
-                  </a:outerShdw>
-                </a:effectLst>
-                <a:latin typeface="Dom Casual" charset="0"/>
-              </a:rPr>
-              <a:t>Ejercicio</a:t>
-            </a:r>
-          </a:p>
-        </p:txBody>
-      </p:sp>
-      <p:sp>
-        <p:nvSpPr>
-          <p:cNvPr id="9" name="CuadroTexto 8">
-            <a:extLst>
-              <a:ext uri="{FF2B5EF4-FFF2-40B4-BE49-F238E27FC236}">
-                <a16:creationId xmlns:a16="http://schemas.microsoft.com/office/drawing/2014/main" id="{E9FACE5D-9900-46A2-9420-5388E042012D}"/>
-              </a:ext>
-            </a:extLst>
-          </p:cNvPr>
-          <p:cNvSpPr txBox="1"/>
-          <p:nvPr/>
-        </p:nvSpPr>
-        <p:spPr>
-          <a:xfrm>
-            <a:off x="1115616" y="1000107"/>
-            <a:ext cx="6624736" cy="393698"/>
-          </a:xfrm>
-          <a:prstGeom prst="rect">
-            <a:avLst/>
-          </a:prstGeom>
-          <a:noFill/>
-        </p:spPr>
-        <p:txBody>
-          <a:bodyPr wrap="square">
-            <a:spAutoFit/>
-          </a:bodyPr>
-          <a:lstStyle/>
-          <a:p>
-            <a:pPr algn="ctr" fontAlgn="base">
-              <a:lnSpc>
-                <a:spcPts val="2500"/>
-              </a:lnSpc>
-              <a:spcAft>
-                <a:spcPts val="600"/>
-              </a:spcAft>
-            </a:pPr>
-            <a:r>
-              <a:rPr lang="es-ES" b="1" dirty="0">
-                <a:solidFill>
-                  <a:schemeClr val="accent6">
-                    <a:lumMod val="75000"/>
-                  </a:schemeClr>
-                </a:solidFill>
-                <a:latin typeface="inherit"/>
-              </a:rPr>
-              <a:t>Validar un usuario</a:t>
-            </a:r>
-            <a:endParaRPr lang="es-ES" b="1" i="0" dirty="0">
-              <a:solidFill>
-                <a:schemeClr val="accent6">
-                  <a:lumMod val="75000"/>
-                </a:schemeClr>
-              </a:solidFill>
-              <a:effectLst/>
-              <a:latin typeface="inherit"/>
-            </a:endParaRPr>
-          </a:p>
-        </p:txBody>
-      </p:sp>
-      <p:sp>
-        <p:nvSpPr>
-          <p:cNvPr id="5" name="CuadroTexto 4">
-            <a:extLst>
-              <a:ext uri="{FF2B5EF4-FFF2-40B4-BE49-F238E27FC236}">
-                <a16:creationId xmlns:a16="http://schemas.microsoft.com/office/drawing/2014/main" id="{9068C6F6-AB06-4B15-A2B1-F916DC4CD4AB}"/>
-              </a:ext>
-            </a:extLst>
-          </p:cNvPr>
-          <p:cNvSpPr txBox="1"/>
-          <p:nvPr/>
-        </p:nvSpPr>
-        <p:spPr>
-          <a:xfrm>
-            <a:off x="513922" y="1580725"/>
-            <a:ext cx="7730485" cy="1429622"/>
-          </a:xfrm>
-          <a:prstGeom prst="rect">
-            <a:avLst/>
-          </a:prstGeom>
-          <a:noFill/>
-        </p:spPr>
-        <p:txBody>
-          <a:bodyPr wrap="square">
-            <a:spAutoFit/>
-          </a:bodyPr>
-          <a:lstStyle/>
-          <a:p>
-            <a:pPr algn="just">
-              <a:lnSpc>
-                <a:spcPct val="150000"/>
-              </a:lnSpc>
-            </a:pPr>
-            <a:r>
-              <a:rPr lang="es-ES" sz="2000" i="0" dirty="0">
-                <a:solidFill>
-                  <a:schemeClr val="tx1">
-                    <a:lumMod val="95000"/>
-                    <a:lumOff val="5000"/>
-                  </a:schemeClr>
-                </a:solidFill>
-                <a:effectLst/>
-              </a:rPr>
-              <a:t>El nombre del usuario debe cumplir las siguientes condiciones:</a:t>
-            </a:r>
-          </a:p>
-          <a:p>
-            <a:pPr marL="342900" indent="-342900" algn="just">
-              <a:lnSpc>
-                <a:spcPct val="150000"/>
-              </a:lnSpc>
-              <a:buFont typeface="Arial" panose="020B0604020202020204" pitchFamily="34" charset="0"/>
-              <a:buChar char="•"/>
-            </a:pPr>
-            <a:r>
-              <a:rPr lang="es-ES" sz="2000" i="0" dirty="0">
-                <a:solidFill>
-                  <a:schemeClr val="tx1">
-                    <a:lumMod val="95000"/>
-                    <a:lumOff val="5000"/>
-                  </a:schemeClr>
-                </a:solidFill>
-                <a:effectLst/>
-              </a:rPr>
-              <a:t>De 4 a 14 caracteres.</a:t>
-            </a:r>
-          </a:p>
-          <a:p>
-            <a:pPr marL="342900" indent="-342900" algn="just">
-              <a:lnSpc>
-                <a:spcPct val="150000"/>
-              </a:lnSpc>
-              <a:buFont typeface="Arial" panose="020B0604020202020204" pitchFamily="34" charset="0"/>
-              <a:buChar char="•"/>
-            </a:pPr>
-            <a:r>
-              <a:rPr lang="es-ES" sz="2000" dirty="0">
-                <a:solidFill>
-                  <a:schemeClr val="tx1">
-                    <a:lumMod val="95000"/>
-                    <a:lumOff val="5000"/>
-                  </a:schemeClr>
-                </a:solidFill>
-              </a:rPr>
-              <a:t>Debe estar compuesto por letras y números.</a:t>
-            </a:r>
-            <a:endParaRPr lang="es-ES" sz="2000" b="1" dirty="0">
-              <a:solidFill>
-                <a:schemeClr val="tx1">
-                  <a:lumMod val="95000"/>
-                  <a:lumOff val="5000"/>
-                </a:schemeClr>
-              </a:solidFill>
-            </a:endParaRPr>
-          </a:p>
-        </p:txBody>
-      </p:sp>
-      <p:pic>
-        <p:nvPicPr>
-          <p:cNvPr id="8" name="Imagen 7">
-            <a:extLst>
-              <a:ext uri="{FF2B5EF4-FFF2-40B4-BE49-F238E27FC236}">
-                <a16:creationId xmlns:a16="http://schemas.microsoft.com/office/drawing/2014/main" id="{BDDB1C7C-898D-4D84-B18C-5E00E5863C3C}"/>
-              </a:ext>
-            </a:extLst>
-          </p:cNvPr>
-          <p:cNvPicPr>
-            <a:picLocks noChangeAspect="1"/>
-          </p:cNvPicPr>
-          <p:nvPr/>
-        </p:nvPicPr>
-        <p:blipFill>
-          <a:blip r:embed="rId3"/>
-          <a:stretch>
-            <a:fillRect/>
-          </a:stretch>
-        </p:blipFill>
-        <p:spPr>
-          <a:xfrm>
-            <a:off x="827584" y="3197266"/>
-            <a:ext cx="6370288" cy="3256069"/>
-          </a:xfrm>
-          <a:prstGeom prst="rect">
-            <a:avLst/>
-          </a:prstGeom>
-        </p:spPr>
-      </p:pic>
-    </p:spTree>
-    <p:extLst>
-      <p:ext uri="{BB962C8B-B14F-4D97-AF65-F5344CB8AC3E}">
-        <p14:creationId xmlns:p14="http://schemas.microsoft.com/office/powerpoint/2010/main" val="177301674"/>
-      </p:ext>
-    </p:extLst>
-  </p:cSld>
-  <p:clrMapOvr>
-    <a:masterClrMapping/>
-  </p:clrMapOvr>
-</p:sld>
-</file>
-
-<file path=ppt/slides/slide51.xml><?xml version="1.0" encoding="utf-8"?>
-<p:sld xmlns:a="http://schemas.openxmlformats.org/drawingml/2006/main" xmlns:r="http://schemas.openxmlformats.org/officeDocument/2006/relationships" xmlns:p="http://schemas.openxmlformats.org/presentationml/2006/main">
-  <p:cSld>
-    <p:spTree>
-      <p:nvGrpSpPr>
-        <p:cNvPr id="1" name=""/>
-        <p:cNvGrpSpPr/>
-        <p:nvPr/>
-      </p:nvGrpSpPr>
-      <p:grpSpPr>
-        <a:xfrm>
-          <a:off x="0" y="0"/>
-          <a:ext cx="0" cy="0"/>
-          <a:chOff x="0" y="0"/>
-          <a:chExt cx="0" cy="0"/>
-        </a:xfrm>
-      </p:grpSpPr>
-      <p:sp>
-        <p:nvSpPr>
-          <p:cNvPr id="184324" name="Rectangle 4"/>
-          <p:cNvSpPr>
-            <a:spLocks noGrp="1" noChangeArrowheads="1"/>
-          </p:cNvSpPr>
-          <p:nvPr>
-            <p:ph type="title"/>
-          </p:nvPr>
-        </p:nvSpPr>
-        <p:spPr>
-          <a:xfrm>
-            <a:off x="289721" y="4056"/>
-            <a:ext cx="8363272" cy="1143000"/>
-          </a:xfrm>
-        </p:spPr>
-        <p:txBody>
-          <a:bodyPr>
-            <a:normAutofit/>
-          </a:bodyPr>
-          <a:lstStyle/>
-          <a:p>
-            <a:pPr eaLnBrk="1" hangingPunct="1">
-              <a:defRPr/>
-            </a:pPr>
-            <a:r>
-              <a:rPr lang="es-MX" b="1" dirty="0">
-                <a:solidFill>
-                  <a:schemeClr val="accent4">
-                    <a:lumMod val="50000"/>
-                  </a:schemeClr>
-                </a:solidFill>
-                <a:effectLst>
-                  <a:outerShdw blurRad="38100" dist="38100" dir="2700000" algn="tl">
-                    <a:srgbClr val="C0C0C0"/>
-                  </a:outerShdw>
-                </a:effectLst>
-                <a:latin typeface="Dom Casual" charset="0"/>
-              </a:rPr>
-              <a:t>Ejercicio</a:t>
-            </a:r>
-          </a:p>
-        </p:txBody>
-      </p:sp>
-      <p:sp>
-        <p:nvSpPr>
-          <p:cNvPr id="5" name="CuadroTexto 4">
-            <a:extLst>
-              <a:ext uri="{FF2B5EF4-FFF2-40B4-BE49-F238E27FC236}">
-                <a16:creationId xmlns:a16="http://schemas.microsoft.com/office/drawing/2014/main" id="{1D652963-01F6-4093-8CF8-3EDE21BBEFA8}"/>
-              </a:ext>
-            </a:extLst>
-          </p:cNvPr>
-          <p:cNvSpPr txBox="1"/>
-          <p:nvPr/>
-        </p:nvSpPr>
-        <p:spPr>
-          <a:xfrm>
-            <a:off x="611560" y="1502229"/>
-            <a:ext cx="7920880" cy="707501"/>
-          </a:xfrm>
-          <a:prstGeom prst="rect">
-            <a:avLst/>
-          </a:prstGeom>
-          <a:noFill/>
-        </p:spPr>
-        <p:txBody>
-          <a:bodyPr wrap="square">
-            <a:spAutoFit/>
-          </a:bodyPr>
-          <a:lstStyle/>
-          <a:p>
-            <a:pPr algn="just">
-              <a:lnSpc>
-                <a:spcPts val="2500"/>
-              </a:lnSpc>
-            </a:pPr>
-            <a:r>
-              <a:rPr lang="es-ES" sz="1600" b="0" i="0" dirty="0">
-                <a:solidFill>
-                  <a:srgbClr val="333333"/>
-                </a:solidFill>
-                <a:effectLst/>
-              </a:rPr>
-              <a:t>Encontrar la </a:t>
-            </a:r>
-            <a:r>
-              <a:rPr lang="es-ES" sz="1600" b="1" i="0" dirty="0">
-                <a:solidFill>
-                  <a:srgbClr val="333333"/>
-                </a:solidFill>
-                <a:effectLst/>
-              </a:rPr>
-              <a:t>lista de los nombres </a:t>
-            </a:r>
-            <a:r>
-              <a:rPr lang="es-ES" sz="1600" b="0" i="0" dirty="0">
-                <a:solidFill>
-                  <a:srgbClr val="333333"/>
-                </a:solidFill>
-                <a:effectLst/>
-              </a:rPr>
-              <a:t>propios de la siguiente oración: “María y  Andrés tienen 3 hijos,  </a:t>
-            </a:r>
-            <a:r>
-              <a:rPr lang="es-ES" sz="1600" dirty="0">
-                <a:solidFill>
-                  <a:srgbClr val="333333"/>
-                </a:solidFill>
-              </a:rPr>
-              <a:t>Juan, quien tiene 16 años, Marcela de 10 y Daniel de 5”.</a:t>
-            </a:r>
-            <a:endParaRPr lang="es-ES" sz="1600" b="0" i="0" dirty="0">
-              <a:solidFill>
-                <a:srgbClr val="AAAAAA"/>
-              </a:solidFill>
-              <a:effectLst/>
-            </a:endParaRPr>
-          </a:p>
-        </p:txBody>
-      </p:sp>
-      <p:pic>
-        <p:nvPicPr>
-          <p:cNvPr id="3" name="Imagen 2">
-            <a:extLst>
-              <a:ext uri="{FF2B5EF4-FFF2-40B4-BE49-F238E27FC236}">
-                <a16:creationId xmlns:a16="http://schemas.microsoft.com/office/drawing/2014/main" id="{1705C739-BC0C-4A0F-B2A6-9A9A7F4C49F5}"/>
-              </a:ext>
-            </a:extLst>
-          </p:cNvPr>
-          <p:cNvPicPr>
-            <a:picLocks noChangeAspect="1"/>
-          </p:cNvPicPr>
-          <p:nvPr/>
-        </p:nvPicPr>
-        <p:blipFill>
-          <a:blip r:embed="rId3"/>
-          <a:stretch>
-            <a:fillRect/>
-          </a:stretch>
-        </p:blipFill>
-        <p:spPr>
-          <a:xfrm>
-            <a:off x="611560" y="2511510"/>
-            <a:ext cx="7740352" cy="3460041"/>
-          </a:xfrm>
-          <a:prstGeom prst="rect">
-            <a:avLst/>
-          </a:prstGeom>
-        </p:spPr>
-      </p:pic>
-      <p:sp>
-        <p:nvSpPr>
-          <p:cNvPr id="6" name="CuadroTexto 5">
-            <a:extLst>
-              <a:ext uri="{FF2B5EF4-FFF2-40B4-BE49-F238E27FC236}">
-                <a16:creationId xmlns:a16="http://schemas.microsoft.com/office/drawing/2014/main" id="{C3A2B28B-61A1-4F41-B190-4444965564B0}"/>
-              </a:ext>
-            </a:extLst>
-          </p:cNvPr>
-          <p:cNvSpPr txBox="1"/>
-          <p:nvPr/>
-        </p:nvSpPr>
-        <p:spPr>
-          <a:xfrm>
-            <a:off x="1169368" y="855386"/>
-            <a:ext cx="6624736" cy="393698"/>
-          </a:xfrm>
-          <a:prstGeom prst="rect">
-            <a:avLst/>
-          </a:prstGeom>
-          <a:noFill/>
-        </p:spPr>
-        <p:txBody>
-          <a:bodyPr wrap="square">
-            <a:spAutoFit/>
-          </a:bodyPr>
-          <a:lstStyle/>
-          <a:p>
-            <a:pPr algn="ctr" fontAlgn="base">
-              <a:lnSpc>
-                <a:spcPts val="2500"/>
-              </a:lnSpc>
-              <a:spcAft>
-                <a:spcPts val="600"/>
-              </a:spcAft>
-            </a:pPr>
-            <a:r>
-              <a:rPr lang="es-ES" b="1" dirty="0">
-                <a:solidFill>
-                  <a:schemeClr val="accent6">
-                    <a:lumMod val="75000"/>
-                  </a:schemeClr>
-                </a:solidFill>
-                <a:latin typeface="inherit"/>
-              </a:rPr>
-              <a:t>Lista de nombres propios</a:t>
-            </a:r>
-            <a:endParaRPr lang="es-ES" b="1" i="0" dirty="0">
-              <a:solidFill>
-                <a:schemeClr val="accent6">
-                  <a:lumMod val="75000"/>
-                </a:schemeClr>
-              </a:solidFill>
-              <a:effectLst/>
-              <a:latin typeface="inherit"/>
-            </a:endParaRPr>
-          </a:p>
-        </p:txBody>
-      </p:sp>
-    </p:spTree>
-    <p:extLst>
-      <p:ext uri="{BB962C8B-B14F-4D97-AF65-F5344CB8AC3E}">
-        <p14:creationId xmlns:p14="http://schemas.microsoft.com/office/powerpoint/2010/main" val="3590990608"/>
-      </p:ext>
-    </p:extLst>
-  </p:cSld>
-  <p:clrMapOvr>
-    <a:masterClrMapping/>
-  </p:clrMapOvr>
-</p:sld>
-</file>
-
-<file path=ppt/slides/slide52.xml><?xml version="1.0" encoding="utf-8"?>
-<p:sld xmlns:a="http://schemas.openxmlformats.org/drawingml/2006/main" xmlns:r="http://schemas.openxmlformats.org/officeDocument/2006/relationships" xmlns:p="http://schemas.openxmlformats.org/presentationml/2006/main">
-  <p:cSld>
-    <p:spTree>
-      <p:nvGrpSpPr>
-        <p:cNvPr id="1" name=""/>
-        <p:cNvGrpSpPr/>
-        <p:nvPr/>
-      </p:nvGrpSpPr>
-      <p:grpSpPr>
-        <a:xfrm>
-          <a:off x="0" y="0"/>
-          <a:ext cx="0" cy="0"/>
-          <a:chOff x="0" y="0"/>
-          <a:chExt cx="0" cy="0"/>
-        </a:xfrm>
-      </p:grpSpPr>
-      <p:sp>
-        <p:nvSpPr>
-          <p:cNvPr id="184324" name="Rectangle 4"/>
-          <p:cNvSpPr>
-            <a:spLocks noGrp="1" noChangeArrowheads="1"/>
-          </p:cNvSpPr>
-          <p:nvPr>
-            <p:ph type="title"/>
-          </p:nvPr>
-        </p:nvSpPr>
-        <p:spPr>
-          <a:xfrm>
-            <a:off x="289721" y="4056"/>
-            <a:ext cx="8363272" cy="1143000"/>
-          </a:xfrm>
-        </p:spPr>
-        <p:txBody>
-          <a:bodyPr>
-            <a:normAutofit/>
-          </a:bodyPr>
-          <a:lstStyle/>
-          <a:p>
-            <a:pPr eaLnBrk="1" hangingPunct="1">
-              <a:defRPr/>
-            </a:pPr>
-            <a:r>
-              <a:rPr lang="es-MX" b="1" dirty="0">
-                <a:solidFill>
-                  <a:schemeClr val="accent4">
-                    <a:lumMod val="50000"/>
-                  </a:schemeClr>
-                </a:solidFill>
-                <a:effectLst>
-                  <a:outerShdw blurRad="38100" dist="38100" dir="2700000" algn="tl">
-                    <a:srgbClr val="C0C0C0"/>
-                  </a:outerShdw>
-                </a:effectLst>
-                <a:latin typeface="Dom Casual" charset="0"/>
-              </a:rPr>
-              <a:t>Ejercicio</a:t>
-            </a:r>
-          </a:p>
-        </p:txBody>
-      </p:sp>
-      <p:sp>
-        <p:nvSpPr>
-          <p:cNvPr id="5" name="CuadroTexto 4">
-            <a:extLst>
-              <a:ext uri="{FF2B5EF4-FFF2-40B4-BE49-F238E27FC236}">
-                <a16:creationId xmlns:a16="http://schemas.microsoft.com/office/drawing/2014/main" id="{1D652963-01F6-4093-8CF8-3EDE21BBEFA8}"/>
-              </a:ext>
-            </a:extLst>
-          </p:cNvPr>
-          <p:cNvSpPr txBox="1"/>
-          <p:nvPr/>
-        </p:nvSpPr>
-        <p:spPr>
-          <a:xfrm>
-            <a:off x="721245" y="1412155"/>
-            <a:ext cx="7920880" cy="707501"/>
-          </a:xfrm>
-          <a:prstGeom prst="rect">
-            <a:avLst/>
-          </a:prstGeom>
-          <a:noFill/>
-        </p:spPr>
-        <p:txBody>
-          <a:bodyPr wrap="square">
-            <a:spAutoFit/>
-          </a:bodyPr>
-          <a:lstStyle/>
-          <a:p>
-            <a:pPr algn="just">
-              <a:lnSpc>
-                <a:spcPts val="2500"/>
-              </a:lnSpc>
-            </a:pPr>
-            <a:r>
-              <a:rPr lang="es-ES" sz="1600" b="0" i="0" dirty="0">
-                <a:solidFill>
-                  <a:srgbClr val="333333"/>
-                </a:solidFill>
-                <a:effectLst/>
-              </a:rPr>
-              <a:t>Un archivo de texto contiene una lista de personas con su información de tipo de sangre y RH. </a:t>
-            </a:r>
-            <a:r>
-              <a:rPr lang="es-ES" sz="1600" dirty="0">
-                <a:solidFill>
-                  <a:srgbClr val="333333"/>
-                </a:solidFill>
-              </a:rPr>
-              <a:t>Obtener la lista de personas de tipo </a:t>
-            </a:r>
-            <a:r>
-              <a:rPr lang="es-ES" sz="1600" b="1" dirty="0">
-                <a:solidFill>
-                  <a:srgbClr val="333333"/>
-                </a:solidFill>
-              </a:rPr>
-              <a:t>O+</a:t>
-            </a:r>
-            <a:r>
-              <a:rPr lang="es-ES" sz="1600" dirty="0">
-                <a:solidFill>
-                  <a:srgbClr val="333333"/>
-                </a:solidFill>
-              </a:rPr>
-              <a:t>. </a:t>
-            </a:r>
-            <a:endParaRPr lang="es-ES" sz="1600" b="0" i="0" dirty="0">
-              <a:solidFill>
-                <a:srgbClr val="AAAAAA"/>
-              </a:solidFill>
-              <a:effectLst/>
-            </a:endParaRPr>
-          </a:p>
-        </p:txBody>
-      </p:sp>
-      <p:pic>
-        <p:nvPicPr>
-          <p:cNvPr id="6" name="Imagen 5">
-            <a:extLst>
-              <a:ext uri="{FF2B5EF4-FFF2-40B4-BE49-F238E27FC236}">
-                <a16:creationId xmlns:a16="http://schemas.microsoft.com/office/drawing/2014/main" id="{98092336-EFC6-4183-8BDF-A9669921FC37}"/>
-              </a:ext>
-            </a:extLst>
-          </p:cNvPr>
-          <p:cNvPicPr>
-            <a:picLocks noChangeAspect="1"/>
-          </p:cNvPicPr>
-          <p:nvPr/>
-        </p:nvPicPr>
-        <p:blipFill>
-          <a:blip r:embed="rId3"/>
-          <a:stretch>
-            <a:fillRect/>
-          </a:stretch>
-        </p:blipFill>
-        <p:spPr>
-          <a:xfrm>
-            <a:off x="1331640" y="2409611"/>
-            <a:ext cx="5210618" cy="3483574"/>
-          </a:xfrm>
-          <a:prstGeom prst="rect">
-            <a:avLst/>
-          </a:prstGeom>
-        </p:spPr>
-      </p:pic>
-      <p:sp>
-        <p:nvSpPr>
-          <p:cNvPr id="7" name="CuadroTexto 6">
-            <a:extLst>
-              <a:ext uri="{FF2B5EF4-FFF2-40B4-BE49-F238E27FC236}">
-                <a16:creationId xmlns:a16="http://schemas.microsoft.com/office/drawing/2014/main" id="{7BD919FA-0980-4930-A7DF-E8896947AECB}"/>
-              </a:ext>
-            </a:extLst>
-          </p:cNvPr>
-          <p:cNvSpPr txBox="1"/>
-          <p:nvPr/>
-        </p:nvSpPr>
-        <p:spPr>
-          <a:xfrm>
-            <a:off x="1169368" y="855386"/>
-            <a:ext cx="6624736" cy="393698"/>
-          </a:xfrm>
-          <a:prstGeom prst="rect">
-            <a:avLst/>
-          </a:prstGeom>
-          <a:noFill/>
-        </p:spPr>
-        <p:txBody>
-          <a:bodyPr wrap="square">
-            <a:spAutoFit/>
-          </a:bodyPr>
-          <a:lstStyle/>
-          <a:p>
-            <a:pPr algn="ctr" fontAlgn="base">
-              <a:lnSpc>
-                <a:spcPts val="2500"/>
-              </a:lnSpc>
-              <a:spcAft>
-                <a:spcPts val="600"/>
-              </a:spcAft>
-            </a:pPr>
-            <a:r>
-              <a:rPr lang="es-ES" b="1" dirty="0">
-                <a:solidFill>
-                  <a:schemeClr val="accent6">
-                    <a:lumMod val="75000"/>
-                  </a:schemeClr>
-                </a:solidFill>
-                <a:latin typeface="inherit"/>
-              </a:rPr>
-              <a:t>Lista de personas con tipo de sangre 0+</a:t>
-            </a:r>
-            <a:endParaRPr lang="es-ES" b="1" i="0" dirty="0">
-              <a:solidFill>
-                <a:schemeClr val="accent6">
-                  <a:lumMod val="75000"/>
-                </a:schemeClr>
-              </a:solidFill>
-              <a:effectLst/>
-              <a:latin typeface="inherit"/>
-            </a:endParaRPr>
-          </a:p>
-        </p:txBody>
-      </p:sp>
-    </p:spTree>
-    <p:extLst>
-      <p:ext uri="{BB962C8B-B14F-4D97-AF65-F5344CB8AC3E}">
-        <p14:creationId xmlns:p14="http://schemas.microsoft.com/office/powerpoint/2010/main" val="3611356627"/>
-      </p:ext>
-    </p:extLst>
-  </p:cSld>
-  <p:clrMapOvr>
-    <a:masterClrMapping/>
-  </p:clrMapOvr>
-</p:sld>
-</file>
-
-<file path=ppt/slides/slide53.xml><?xml version="1.0" encoding="utf-8"?>
 <p:sld xmlns:a="http://schemas.openxmlformats.org/drawingml/2006/main" xmlns:r="http://schemas.openxmlformats.org/officeDocument/2006/relationships" xmlns:p="http://schemas.openxmlformats.org/presentationml/2006/main">
   <p:cSld>
     <p:spTree>
@@ -23410,7 +22018,7 @@
                 <a:cs typeface="Calibri"/>
               </a:rPr>
               <a:pPr marL="25400"/>
-              <a:t>53</a:t>
+              <a:t>49</a:t>
             </a:fld>
             <a:endParaRPr dirty="0">
               <a:latin typeface="Calibri"/>
@@ -23420,6 +22028,245 @@
         </p:txBody>
       </p:sp>
     </p:spTree>
+  </p:cSld>
+  <p:clrMapOvr>
+    <a:masterClrMapping/>
+  </p:clrMapOvr>
+</p:sld>
+</file>
+
+<file path=ppt/slides/slide5.xml><?xml version="1.0" encoding="utf-8"?>
+<p:sld xmlns:a="http://schemas.openxmlformats.org/drawingml/2006/main" xmlns:r="http://schemas.openxmlformats.org/officeDocument/2006/relationships" xmlns:p="http://schemas.openxmlformats.org/presentationml/2006/main">
+  <p:cSld>
+    <p:spTree>
+      <p:nvGrpSpPr>
+        <p:cNvPr id="1" name=""/>
+        <p:cNvGrpSpPr/>
+        <p:nvPr/>
+      </p:nvGrpSpPr>
+      <p:grpSpPr>
+        <a:xfrm>
+          <a:off x="0" y="0"/>
+          <a:ext cx="0" cy="0"/>
+          <a:chOff x="0" y="0"/>
+          <a:chExt cx="0" cy="0"/>
+        </a:xfrm>
+      </p:grpSpPr>
+      <p:sp>
+        <p:nvSpPr>
+          <p:cNvPr id="184324" name="Rectangle 4"/>
+          <p:cNvSpPr>
+            <a:spLocks noGrp="1" noChangeArrowheads="1"/>
+          </p:cNvSpPr>
+          <p:nvPr>
+            <p:ph type="title"/>
+          </p:nvPr>
+        </p:nvSpPr>
+        <p:spPr>
+          <a:xfrm>
+            <a:off x="107504" y="116632"/>
+            <a:ext cx="8579296" cy="1143000"/>
+          </a:xfrm>
+        </p:spPr>
+        <p:txBody>
+          <a:bodyPr>
+            <a:normAutofit/>
+          </a:bodyPr>
+          <a:lstStyle/>
+          <a:p>
+            <a:pPr eaLnBrk="1" hangingPunct="1">
+              <a:defRPr/>
+            </a:pPr>
+            <a:r>
+              <a:rPr lang="es-MX" b="1" dirty="0">
+                <a:solidFill>
+                  <a:schemeClr val="accent4">
+                    <a:lumMod val="50000"/>
+                  </a:schemeClr>
+                </a:solidFill>
+                <a:effectLst>
+                  <a:outerShdw blurRad="38100" dist="38100" dir="2700000" algn="tl">
+                    <a:srgbClr val="C0C0C0"/>
+                  </a:outerShdw>
+                </a:effectLst>
+                <a:latin typeface="Dom Casual" charset="0"/>
+              </a:rPr>
+              <a:t>Método </a:t>
+            </a:r>
+            <a:r>
+              <a:rPr lang="es-MX" b="1" dirty="0" err="1">
+                <a:solidFill>
+                  <a:schemeClr val="accent4">
+                    <a:lumMod val="50000"/>
+                  </a:schemeClr>
+                </a:solidFill>
+                <a:effectLst>
+                  <a:outerShdw blurRad="38100" dist="38100" dir="2700000" algn="tl">
+                    <a:srgbClr val="C0C0C0"/>
+                  </a:outerShdw>
+                </a:effectLst>
+                <a:latin typeface="Dom Casual" charset="0"/>
+              </a:rPr>
+              <a:t>search</a:t>
+            </a:r>
+            <a:endParaRPr lang="es-MX" b="1" dirty="0">
+              <a:solidFill>
+                <a:schemeClr val="accent4">
+                  <a:lumMod val="50000"/>
+                </a:schemeClr>
+              </a:solidFill>
+              <a:effectLst>
+                <a:outerShdw blurRad="38100" dist="38100" dir="2700000" algn="tl">
+                  <a:srgbClr val="C0C0C0"/>
+                </a:outerShdw>
+              </a:effectLst>
+              <a:latin typeface="Dom Casual" charset="0"/>
+            </a:endParaRPr>
+          </a:p>
+        </p:txBody>
+      </p:sp>
+      <p:sp>
+        <p:nvSpPr>
+          <p:cNvPr id="8" name="CuadroTexto 7">
+            <a:extLst>
+              <a:ext uri="{FF2B5EF4-FFF2-40B4-BE49-F238E27FC236}">
+                <a16:creationId xmlns:a16="http://schemas.microsoft.com/office/drawing/2014/main" id="{E64D28A7-B772-479A-8C51-15D9FA37942C}"/>
+              </a:ext>
+            </a:extLst>
+          </p:cNvPr>
+          <p:cNvSpPr txBox="1"/>
+          <p:nvPr/>
+        </p:nvSpPr>
+        <p:spPr>
+          <a:xfrm>
+            <a:off x="734466" y="4568126"/>
+            <a:ext cx="7952334" cy="448584"/>
+          </a:xfrm>
+          <a:prstGeom prst="rect">
+            <a:avLst/>
+          </a:prstGeom>
+          <a:noFill/>
+        </p:spPr>
+        <p:txBody>
+          <a:bodyPr wrap="square">
+            <a:spAutoFit/>
+          </a:bodyPr>
+          <a:lstStyle/>
+          <a:p>
+            <a:pPr algn="just">
+              <a:lnSpc>
+                <a:spcPts val="3000"/>
+              </a:lnSpc>
+            </a:pPr>
+            <a:r>
+              <a:rPr lang="es-ES" sz="2000" dirty="0">
+                <a:solidFill>
+                  <a:schemeClr val="tx1">
+                    <a:lumMod val="95000"/>
+                    <a:lumOff val="5000"/>
+                  </a:schemeClr>
+                </a:solidFill>
+              </a:rPr>
+              <a:t>En caso de que no encuentre coincidencia, regresa </a:t>
+            </a:r>
+            <a:r>
+              <a:rPr lang="es-ES" sz="2000" b="1" dirty="0" err="1">
+                <a:solidFill>
+                  <a:srgbClr val="FF0000"/>
+                </a:solidFill>
+              </a:rPr>
+              <a:t>None</a:t>
+            </a:r>
+            <a:r>
+              <a:rPr lang="es-ES" sz="2000" dirty="0">
+                <a:solidFill>
+                  <a:schemeClr val="tx1">
+                    <a:lumMod val="95000"/>
+                    <a:lumOff val="5000"/>
+                  </a:schemeClr>
+                </a:solidFill>
+              </a:rPr>
+              <a:t>.</a:t>
+            </a:r>
+          </a:p>
+        </p:txBody>
+      </p:sp>
+      <p:pic>
+        <p:nvPicPr>
+          <p:cNvPr id="4" name="Imagen 3">
+            <a:extLst>
+              <a:ext uri="{FF2B5EF4-FFF2-40B4-BE49-F238E27FC236}">
+                <a16:creationId xmlns:a16="http://schemas.microsoft.com/office/drawing/2014/main" id="{A70FE3EA-1EDD-4E4D-9D0A-A1B93141212B}"/>
+              </a:ext>
+            </a:extLst>
+          </p:cNvPr>
+          <p:cNvPicPr>
+            <a:picLocks noChangeAspect="1"/>
+          </p:cNvPicPr>
+          <p:nvPr/>
+        </p:nvPicPr>
+        <p:blipFill>
+          <a:blip r:embed="rId3"/>
+          <a:stretch>
+            <a:fillRect/>
+          </a:stretch>
+        </p:blipFill>
+        <p:spPr>
+          <a:xfrm>
+            <a:off x="793207" y="2160806"/>
+            <a:ext cx="6811828" cy="1970935"/>
+          </a:xfrm>
+          <a:prstGeom prst="rect">
+            <a:avLst/>
+          </a:prstGeom>
+        </p:spPr>
+      </p:pic>
+      <p:sp>
+        <p:nvSpPr>
+          <p:cNvPr id="6" name="CuadroTexto 5">
+            <a:extLst>
+              <a:ext uri="{FF2B5EF4-FFF2-40B4-BE49-F238E27FC236}">
+                <a16:creationId xmlns:a16="http://schemas.microsoft.com/office/drawing/2014/main" id="{4F99306B-5F4C-4CE5-9D39-071EAF21F009}"/>
+              </a:ext>
+            </a:extLst>
+          </p:cNvPr>
+          <p:cNvSpPr txBox="1"/>
+          <p:nvPr/>
+        </p:nvSpPr>
+        <p:spPr>
+          <a:xfrm>
+            <a:off x="769959" y="1376501"/>
+            <a:ext cx="7416824" cy="400110"/>
+          </a:xfrm>
+          <a:prstGeom prst="rect">
+            <a:avLst/>
+          </a:prstGeom>
+          <a:noFill/>
+        </p:spPr>
+        <p:txBody>
+          <a:bodyPr wrap="square">
+            <a:spAutoFit/>
+          </a:bodyPr>
+          <a:lstStyle/>
+          <a:p>
+            <a:pPr algn="just"/>
+            <a:r>
+              <a:rPr lang="es-MX" sz="2000" b="1" dirty="0"/>
+              <a:t>Ejemplo 2:</a:t>
+            </a:r>
+            <a:r>
+              <a:rPr lang="es-MX" sz="2000" dirty="0"/>
+              <a:t> Busca la palabra Adiós en un texto.</a:t>
+            </a:r>
+          </a:p>
+        </p:txBody>
+      </p:sp>
+    </p:spTree>
+    <p:extLst>
+      <p:ext uri="{BB962C8B-B14F-4D97-AF65-F5344CB8AC3E}">
+        <p14:creationId xmlns:p14="http://schemas.microsoft.com/office/powerpoint/2010/main" val="4154779306"/>
+      </p:ext>
+    </p:extLst>
   </p:cSld>
   <p:clrMapOvr>
     <a:masterClrMapping/>
